--- a/Documentazione/Gestione delle fee.pptx
+++ b/Documentazione/Gestione delle fee.pptx
@@ -5,7 +5,7 @@
     <p:sldMasterId id="2147483648" r:id="rId1"/>
   </p:sldMasterIdLst>
   <p:notesMasterIdLst>
-    <p:notesMasterId r:id="rId13"/>
+    <p:notesMasterId r:id="rId16"/>
   </p:notesMasterIdLst>
   <p:sldIdLst>
     <p:sldId id="256" r:id="rId3"/>
@@ -18,6 +18,9 @@
     <p:sldId id="263" r:id="rId10"/>
     <p:sldId id="264" r:id="rId11"/>
     <p:sldId id="265" r:id="rId12"/>
+    <p:sldId id="266" r:id="rId13"/>
+    <p:sldId id="267" r:id="rId14"/>
+    <p:sldId id="268" r:id="rId15"/>
   </p:sldIdLst>
   <p:sldSz cx="9144000" cy="5143500"/>
   <p:notesSz cx="5143500" cy="9144000"/>
@@ -140,7 +143,7 @@
       </p:grpSpPr>
       <p:sp>
         <p:nvSpPr>
-          <p:cNvPr id="71713454" name="Header Placeholder 1"/>
+          <p:cNvPr id="1962849340" name="Header Placeholder 1"/>
           <p:cNvSpPr>
             <a:spLocks noGrp="1"/>
           </p:cNvSpPr>
@@ -174,7 +177,7 @@
       </p:sp>
       <p:sp>
         <p:nvSpPr>
-          <p:cNvPr id="1221511787" name="Date Placeholder 2"/>
+          <p:cNvPr id="1321609824" name="Date Placeholder 2"/>
           <p:cNvSpPr>
             <a:spLocks noGrp="1"/>
           </p:cNvSpPr>
@@ -212,7 +215,7 @@
       </p:sp>
       <p:sp>
         <p:nvSpPr>
-          <p:cNvPr id="1928050446" name="Slide Image Placeholder 3"/>
+          <p:cNvPr id="559379354" name="Slide Image Placeholder 3"/>
           <p:cNvSpPr>
             <a:spLocks noChangeAspect="1" noGrp="1" noRot="1"/>
           </p:cNvSpPr>
@@ -248,7 +251,7 @@
       </p:sp>
       <p:sp>
         <p:nvSpPr>
-          <p:cNvPr id="817492747" name="Notes Placeholder 4"/>
+          <p:cNvPr id="1697492708" name="Notes Placeholder 4"/>
           <p:cNvSpPr>
             <a:spLocks noGrp="1"/>
           </p:cNvSpPr>
@@ -322,7 +325,7 @@
       </p:sp>
       <p:sp>
         <p:nvSpPr>
-          <p:cNvPr id="691802182" name="Footer Placeholder 5"/>
+          <p:cNvPr id="1620601973" name="Footer Placeholder 5"/>
           <p:cNvSpPr>
             <a:spLocks noGrp="1"/>
           </p:cNvSpPr>
@@ -356,7 +359,7 @@
       </p:sp>
       <p:sp>
         <p:nvSpPr>
-          <p:cNvPr id="251926630" name="Slide Number Placeholder 6"/>
+          <p:cNvPr id="1503390114" name="Slide Number Placeholder 6"/>
           <p:cNvSpPr>
             <a:spLocks noGrp="1"/>
           </p:cNvSpPr>
@@ -509,7 +512,7 @@
       </p:grpSpPr>
       <p:sp>
         <p:nvSpPr>
-          <p:cNvPr id="119911672" name="Slide Image Placeholder 1"/>
+          <p:cNvPr id="143567574" name="Slide Image Placeholder 1"/>
           <p:cNvSpPr>
             <a:spLocks noChangeAspect="1" noGrp="1" noRot="1"/>
           </p:cNvSpPr>
@@ -521,7 +524,7 @@
       </p:sp>
       <p:sp>
         <p:nvSpPr>
-          <p:cNvPr id="50968618" name="Notes Placeholder 2"/>
+          <p:cNvPr id="1257199198" name="Notes Placeholder 2"/>
           <p:cNvSpPr>
             <a:spLocks noGrp="1"/>
           </p:cNvSpPr>
@@ -543,7 +546,7 @@
       </p:sp>
       <p:sp>
         <p:nvSpPr>
-          <p:cNvPr id="1177020389" name="Slide Number Placeholder 3"/>
+          <p:cNvPr id="1272305868" name="Slide Number Placeholder 3"/>
           <p:cNvSpPr>
             <a:spLocks noGrp="1"/>
           </p:cNvSpPr>
@@ -594,7 +597,7 @@
       </p:grpSpPr>
       <p:sp>
         <p:nvSpPr>
-          <p:cNvPr id="1478949659" name="Slide Image Placeholder 1"/>
+          <p:cNvPr id="940922592" name="Slide Image Placeholder 1"/>
           <p:cNvSpPr>
             <a:spLocks noChangeAspect="1" noGrp="1" noRot="1"/>
           </p:cNvSpPr>
@@ -606,7 +609,7 @@
       </p:sp>
       <p:sp>
         <p:nvSpPr>
-          <p:cNvPr id="1170467403" name="Notes Placeholder 2"/>
+          <p:cNvPr id="1098249767" name="Notes Placeholder 2"/>
           <p:cNvSpPr>
             <a:spLocks noGrp="1"/>
           </p:cNvSpPr>
@@ -628,7 +631,262 @@
       </p:sp>
       <p:sp>
         <p:nvSpPr>
-          <p:cNvPr id="2050137033" name="Slide Number Placeholder 3"/>
+          <p:cNvPr id="1213846125" name="Slide Number Placeholder 3"/>
+          <p:cNvSpPr>
+            <a:spLocks noGrp="1"/>
+          </p:cNvSpPr>
+          <p:nvPr>
+            <p:ph type="sldNum" sz="quarter" idx="10"/>
+          </p:nvPr>
+        </p:nvSpPr>
+        <p:spPr bwMode="auto"/>
+        <p:txBody>
+          <a:bodyPr/>
+          <a:lstStyle/>
+          <a:p>
+            <a:pPr>
+              <a:defRPr/>
+            </a:pPr>
+            <a:fld id="{D61059C9-B68D-6DB6-B7FE-CB08C2E82FF0}" type="slidenum">
+              <a:rPr lang="en-US"/>
+              <a:t/>
+            </a:fld>
+            <a:endParaRPr lang="en-US"/>
+          </a:p>
+        </p:txBody>
+      </p:sp>
+    </p:spTree>
+  </p:cSld>
+  <p:clrMapOvr>
+    <a:masterClrMapping/>
+  </p:clrMapOvr>
+</p:notes>
+</file>
+
+<file path=ppt/notesSlides/notesSlide11.xml><?xml version="1.0" encoding="utf-8"?>
+<p:notes xmlns:a="http://schemas.openxmlformats.org/drawingml/2006/main" xmlns:r="http://schemas.openxmlformats.org/officeDocument/2006/relationships" xmlns:p="http://schemas.openxmlformats.org/presentationml/2006/main" xmlns:m="http://schemas.openxmlformats.org/officeDocument/2006/math" xmlns:w="http://schemas.openxmlformats.org/wordprocessingml/2006/main">
+  <p:cSld name="">
+    <p:spTree>
+      <p:nvGrpSpPr>
+        <p:cNvPr id="1" name=""/>
+        <p:cNvGrpSpPr/>
+        <p:nvPr/>
+      </p:nvGrpSpPr>
+      <p:grpSpPr bwMode="auto">
+        <a:xfrm>
+          <a:off x="0" y="0"/>
+          <a:ext cx="0" cy="0"/>
+          <a:chOff x="0" y="0"/>
+          <a:chExt cx="0" cy="0"/>
+        </a:xfrm>
+      </p:grpSpPr>
+      <p:sp>
+        <p:nvSpPr>
+          <p:cNvPr id="1001536861" name="Slide Image Placeholder 1"/>
+          <p:cNvSpPr>
+            <a:spLocks noChangeAspect="1" noGrp="1" noRot="1"/>
+          </p:cNvSpPr>
+          <p:nvPr>
+            <p:ph type="sldImg"/>
+          </p:nvPr>
+        </p:nvSpPr>
+        <p:spPr bwMode="auto"/>
+      </p:sp>
+      <p:sp>
+        <p:nvSpPr>
+          <p:cNvPr id="767194772" name="Notes Placeholder 2"/>
+          <p:cNvSpPr>
+            <a:spLocks noGrp="1"/>
+          </p:cNvSpPr>
+          <p:nvPr>
+            <p:ph type="body" idx="1"/>
+          </p:nvPr>
+        </p:nvSpPr>
+        <p:spPr bwMode="auto"/>
+        <p:txBody>
+          <a:bodyPr/>
+          <a:lstStyle/>
+          <a:p>
+            <a:pPr>
+              <a:defRPr/>
+            </a:pPr>
+            <a:endParaRPr lang="en-US"/>
+          </a:p>
+        </p:txBody>
+      </p:sp>
+      <p:sp>
+        <p:nvSpPr>
+          <p:cNvPr id="438054993" name="Slide Number Placeholder 3"/>
+          <p:cNvSpPr>
+            <a:spLocks noGrp="1"/>
+          </p:cNvSpPr>
+          <p:nvPr>
+            <p:ph type="sldNum" sz="quarter" idx="10"/>
+          </p:nvPr>
+        </p:nvSpPr>
+        <p:spPr bwMode="auto"/>
+        <p:txBody>
+          <a:bodyPr/>
+          <a:lstStyle/>
+          <a:p>
+            <a:pPr>
+              <a:defRPr/>
+            </a:pPr>
+            <a:fld id="{4CA882E1-E894-E389-F985-67E5567FD450}" type="slidenum">
+              <a:rPr lang="en-US"/>
+              <a:t/>
+            </a:fld>
+            <a:endParaRPr lang="en-US"/>
+          </a:p>
+        </p:txBody>
+      </p:sp>
+    </p:spTree>
+  </p:cSld>
+  <p:clrMapOvr>
+    <a:masterClrMapping/>
+  </p:clrMapOvr>
+</p:notes>
+</file>
+
+<file path=ppt/notesSlides/notesSlide12.xml><?xml version="1.0" encoding="utf-8"?>
+<p:notes xmlns:a="http://schemas.openxmlformats.org/drawingml/2006/main" xmlns:r="http://schemas.openxmlformats.org/officeDocument/2006/relationships" xmlns:p="http://schemas.openxmlformats.org/presentationml/2006/main" xmlns:m="http://schemas.openxmlformats.org/officeDocument/2006/math" xmlns:w="http://schemas.openxmlformats.org/wordprocessingml/2006/main">
+  <p:cSld name="">
+    <p:spTree>
+      <p:nvGrpSpPr>
+        <p:cNvPr id="1" name=""/>
+        <p:cNvGrpSpPr/>
+        <p:nvPr/>
+      </p:nvGrpSpPr>
+      <p:grpSpPr bwMode="auto">
+        <a:xfrm>
+          <a:off x="0" y="0"/>
+          <a:ext cx="0" cy="0"/>
+          <a:chOff x="0" y="0"/>
+          <a:chExt cx="0" cy="0"/>
+        </a:xfrm>
+      </p:grpSpPr>
+      <p:sp>
+        <p:nvSpPr>
+          <p:cNvPr id="1192075229" name="Slide Image Placeholder 1"/>
+          <p:cNvSpPr>
+            <a:spLocks noChangeAspect="1" noGrp="1" noRot="1"/>
+          </p:cNvSpPr>
+          <p:nvPr>
+            <p:ph type="sldImg"/>
+          </p:nvPr>
+        </p:nvSpPr>
+        <p:spPr bwMode="auto"/>
+      </p:sp>
+      <p:sp>
+        <p:nvSpPr>
+          <p:cNvPr id="1575092928" name="Notes Placeholder 2"/>
+          <p:cNvSpPr>
+            <a:spLocks noGrp="1"/>
+          </p:cNvSpPr>
+          <p:nvPr>
+            <p:ph type="body" idx="1"/>
+          </p:nvPr>
+        </p:nvSpPr>
+        <p:spPr bwMode="auto"/>
+        <p:txBody>
+          <a:bodyPr/>
+          <a:lstStyle/>
+          <a:p>
+            <a:pPr>
+              <a:defRPr/>
+            </a:pPr>
+            <a:endParaRPr lang="en-US"/>
+          </a:p>
+        </p:txBody>
+      </p:sp>
+      <p:sp>
+        <p:nvSpPr>
+          <p:cNvPr id="1962568943" name="Slide Number Placeholder 3"/>
+          <p:cNvSpPr>
+            <a:spLocks noGrp="1"/>
+          </p:cNvSpPr>
+          <p:nvPr>
+            <p:ph type="sldNum" sz="quarter" idx="10"/>
+          </p:nvPr>
+        </p:nvSpPr>
+        <p:spPr bwMode="auto"/>
+        <p:txBody>
+          <a:bodyPr/>
+          <a:lstStyle/>
+          <a:p>
+            <a:pPr>
+              <a:defRPr/>
+            </a:pPr>
+            <a:fld id="{F0734F4C-EE8A-A610-A33B-AFDE398B099E}" type="slidenum">
+              <a:rPr lang="en-US"/>
+              <a:t/>
+            </a:fld>
+            <a:endParaRPr lang="en-US"/>
+          </a:p>
+        </p:txBody>
+      </p:sp>
+    </p:spTree>
+  </p:cSld>
+  <p:clrMapOvr>
+    <a:masterClrMapping/>
+  </p:clrMapOvr>
+</p:notes>
+</file>
+
+<file path=ppt/notesSlides/notesSlide13.xml><?xml version="1.0" encoding="utf-8"?>
+<p:notes xmlns:a="http://schemas.openxmlformats.org/drawingml/2006/main" xmlns:r="http://schemas.openxmlformats.org/officeDocument/2006/relationships" xmlns:p="http://schemas.openxmlformats.org/presentationml/2006/main" xmlns:m="http://schemas.openxmlformats.org/officeDocument/2006/math" xmlns:w="http://schemas.openxmlformats.org/wordprocessingml/2006/main">
+  <p:cSld name="">
+    <p:spTree>
+      <p:nvGrpSpPr>
+        <p:cNvPr id="1" name=""/>
+        <p:cNvGrpSpPr/>
+        <p:nvPr/>
+      </p:nvGrpSpPr>
+      <p:grpSpPr bwMode="auto">
+        <a:xfrm>
+          <a:off x="0" y="0"/>
+          <a:ext cx="0" cy="0"/>
+          <a:chOff x="0" y="0"/>
+          <a:chExt cx="0" cy="0"/>
+        </a:xfrm>
+      </p:grpSpPr>
+      <p:sp>
+        <p:nvSpPr>
+          <p:cNvPr id="1231585683" name="Slide Image Placeholder 1"/>
+          <p:cNvSpPr>
+            <a:spLocks noChangeAspect="1" noGrp="1" noRot="1"/>
+          </p:cNvSpPr>
+          <p:nvPr>
+            <p:ph type="sldImg"/>
+          </p:nvPr>
+        </p:nvSpPr>
+        <p:spPr bwMode="auto"/>
+      </p:sp>
+      <p:sp>
+        <p:nvSpPr>
+          <p:cNvPr id="349221879" name="Notes Placeholder 2"/>
+          <p:cNvSpPr>
+            <a:spLocks noGrp="1"/>
+          </p:cNvSpPr>
+          <p:nvPr>
+            <p:ph type="body" idx="1"/>
+          </p:nvPr>
+        </p:nvSpPr>
+        <p:spPr bwMode="auto"/>
+        <p:txBody>
+          <a:bodyPr/>
+          <a:lstStyle/>
+          <a:p>
+            <a:pPr>
+              <a:defRPr/>
+            </a:pPr>
+            <a:endParaRPr lang="en-US"/>
+          </a:p>
+        </p:txBody>
+      </p:sp>
+      <p:sp>
+        <p:nvSpPr>
+          <p:cNvPr id="777236949" name="Slide Number Placeholder 3"/>
           <p:cNvSpPr>
             <a:spLocks noGrp="1"/>
           </p:cNvSpPr>
@@ -679,7 +937,7 @@
       </p:grpSpPr>
       <p:sp>
         <p:nvSpPr>
-          <p:cNvPr id="118776194" name="Slide Image Placeholder 1"/>
+          <p:cNvPr id="2111329178" name="Slide Image Placeholder 1"/>
           <p:cNvSpPr>
             <a:spLocks noChangeAspect="1" noGrp="1" noRot="1"/>
           </p:cNvSpPr>
@@ -691,7 +949,7 @@
       </p:sp>
       <p:sp>
         <p:nvSpPr>
-          <p:cNvPr id="1051668632" name="Notes Placeholder 2"/>
+          <p:cNvPr id="1703708043" name="Notes Placeholder 2"/>
           <p:cNvSpPr>
             <a:spLocks noGrp="1"/>
           </p:cNvSpPr>
@@ -713,7 +971,7 @@
       </p:sp>
       <p:sp>
         <p:nvSpPr>
-          <p:cNvPr id="1833513182" name="Slide Number Placeholder 3"/>
+          <p:cNvPr id="312803981" name="Slide Number Placeholder 3"/>
           <p:cNvSpPr>
             <a:spLocks noGrp="1"/>
           </p:cNvSpPr>
@@ -764,7 +1022,7 @@
       </p:grpSpPr>
       <p:sp>
         <p:nvSpPr>
-          <p:cNvPr id="1843183166" name="Slide Image Placeholder 1"/>
+          <p:cNvPr id="944427746" name="Slide Image Placeholder 1"/>
           <p:cNvSpPr>
             <a:spLocks noChangeAspect="1" noGrp="1" noRot="1"/>
           </p:cNvSpPr>
@@ -776,7 +1034,7 @@
       </p:sp>
       <p:sp>
         <p:nvSpPr>
-          <p:cNvPr id="684731323" name="Notes Placeholder 2"/>
+          <p:cNvPr id="647087484" name="Notes Placeholder 2"/>
           <p:cNvSpPr>
             <a:spLocks noGrp="1"/>
           </p:cNvSpPr>
@@ -798,7 +1056,7 @@
       </p:sp>
       <p:sp>
         <p:nvSpPr>
-          <p:cNvPr id="956936777" name="Slide Number Placeholder 3"/>
+          <p:cNvPr id="223858744" name="Slide Number Placeholder 3"/>
           <p:cNvSpPr>
             <a:spLocks noGrp="1"/>
           </p:cNvSpPr>
@@ -849,7 +1107,7 @@
       </p:grpSpPr>
       <p:sp>
         <p:nvSpPr>
-          <p:cNvPr id="1453897060" name="Slide Image Placeholder 1"/>
+          <p:cNvPr id="1214363409" name="Slide Image Placeholder 1"/>
           <p:cNvSpPr>
             <a:spLocks noChangeAspect="1" noGrp="1" noRot="1"/>
           </p:cNvSpPr>
@@ -861,7 +1119,7 @@
       </p:sp>
       <p:sp>
         <p:nvSpPr>
-          <p:cNvPr id="1185903575" name="Notes Placeholder 2"/>
+          <p:cNvPr id="1515902180" name="Notes Placeholder 2"/>
           <p:cNvSpPr>
             <a:spLocks noGrp="1"/>
           </p:cNvSpPr>
@@ -883,7 +1141,7 @@
       </p:sp>
       <p:sp>
         <p:nvSpPr>
-          <p:cNvPr id="569573344" name="Slide Number Placeholder 3"/>
+          <p:cNvPr id="84921954" name="Slide Number Placeholder 3"/>
           <p:cNvSpPr>
             <a:spLocks noGrp="1"/>
           </p:cNvSpPr>
@@ -934,7 +1192,7 @@
       </p:grpSpPr>
       <p:sp>
         <p:nvSpPr>
-          <p:cNvPr id="1057453538" name="Slide Image Placeholder 1"/>
+          <p:cNvPr id="1181149953" name="Slide Image Placeholder 1"/>
           <p:cNvSpPr>
             <a:spLocks noChangeAspect="1" noGrp="1" noRot="1"/>
           </p:cNvSpPr>
@@ -946,7 +1204,7 @@
       </p:sp>
       <p:sp>
         <p:nvSpPr>
-          <p:cNvPr id="1269499849" name="Notes Placeholder 2"/>
+          <p:cNvPr id="1593764143" name="Notes Placeholder 2"/>
           <p:cNvSpPr>
             <a:spLocks noGrp="1"/>
           </p:cNvSpPr>
@@ -968,7 +1226,7 @@
       </p:sp>
       <p:sp>
         <p:nvSpPr>
-          <p:cNvPr id="467313885" name="Slide Number Placeholder 3"/>
+          <p:cNvPr id="850410330" name="Slide Number Placeholder 3"/>
           <p:cNvSpPr>
             <a:spLocks noGrp="1"/>
           </p:cNvSpPr>
@@ -984,9 +1242,9 @@
             <a:pPr>
               <a:defRPr/>
             </a:pPr>
-            <a:fld id="{F7021451-1387-4CA6-816F-3879F97B5CBC}" type="slidenum">
+            <a:fld id="{BF918148-E56D-8307-7070-6B419C3F62D2}" type="slidenum">
               <a:rPr lang="en-US"/>
-              <a:t>5</a:t>
+              <a:t/>
             </a:fld>
             <a:endParaRPr lang="en-US"/>
           </a:p>
@@ -1019,7 +1277,7 @@
       </p:grpSpPr>
       <p:sp>
         <p:nvSpPr>
-          <p:cNvPr id="484303195" name="Slide Image Placeholder 1"/>
+          <p:cNvPr id="2146851505" name="Slide Image Placeholder 1"/>
           <p:cNvSpPr>
             <a:spLocks noChangeAspect="1" noGrp="1" noRot="1"/>
           </p:cNvSpPr>
@@ -1031,7 +1289,7 @@
       </p:sp>
       <p:sp>
         <p:nvSpPr>
-          <p:cNvPr id="1457822469" name="Notes Placeholder 2"/>
+          <p:cNvPr id="1641302486" name="Notes Placeholder 2"/>
           <p:cNvSpPr>
             <a:spLocks noGrp="1"/>
           </p:cNvSpPr>
@@ -1053,7 +1311,7 @@
       </p:sp>
       <p:sp>
         <p:nvSpPr>
-          <p:cNvPr id="1065142720" name="Slide Number Placeholder 3"/>
+          <p:cNvPr id="2066620564" name="Slide Number Placeholder 3"/>
           <p:cNvSpPr>
             <a:spLocks noGrp="1"/>
           </p:cNvSpPr>
@@ -1069,7 +1327,7 @@
             <a:pPr>
               <a:defRPr/>
             </a:pPr>
-            <a:fld id="{E97AD6D8-0702-6E2E-3D0D-ECA46E8308EB}" type="slidenum">
+            <a:fld id="{204CC398-4B83-9263-AD84-3007D57E01CD}" type="slidenum">
               <a:rPr lang="en-US"/>
               <a:t/>
             </a:fld>
@@ -1104,7 +1362,7 @@
       </p:grpSpPr>
       <p:sp>
         <p:nvSpPr>
-          <p:cNvPr id="159493110" name="Slide Image Placeholder 1"/>
+          <p:cNvPr id="1513337965" name="Slide Image Placeholder 1"/>
           <p:cNvSpPr>
             <a:spLocks noChangeAspect="1" noGrp="1" noRot="1"/>
           </p:cNvSpPr>
@@ -1116,7 +1374,7 @@
       </p:sp>
       <p:sp>
         <p:nvSpPr>
-          <p:cNvPr id="275986249" name="Notes Placeholder 2"/>
+          <p:cNvPr id="1143417312" name="Notes Placeholder 2"/>
           <p:cNvSpPr>
             <a:spLocks noGrp="1"/>
           </p:cNvSpPr>
@@ -1138,7 +1396,7 @@
       </p:sp>
       <p:sp>
         <p:nvSpPr>
-          <p:cNvPr id="1591742654" name="Slide Number Placeholder 3"/>
+          <p:cNvPr id="414648537" name="Slide Number Placeholder 3"/>
           <p:cNvSpPr>
             <a:spLocks noGrp="1"/>
           </p:cNvSpPr>
@@ -1154,7 +1412,7 @@
             <a:pPr>
               <a:defRPr/>
             </a:pPr>
-            <a:fld id="{D61059C9-B68D-6DB6-B7FE-CB08C2E82FF0}" type="slidenum">
+            <a:fld id="{33547A29-0020-9080-3EAE-C6A738031A26}" type="slidenum">
               <a:rPr lang="en-US"/>
               <a:t/>
             </a:fld>
@@ -1189,7 +1447,7 @@
       </p:grpSpPr>
       <p:sp>
         <p:nvSpPr>
-          <p:cNvPr id="105939940" name="Slide Image Placeholder 1"/>
+          <p:cNvPr id="1142351036" name="Slide Image Placeholder 1"/>
           <p:cNvSpPr>
             <a:spLocks noChangeAspect="1" noGrp="1" noRot="1"/>
           </p:cNvSpPr>
@@ -1201,7 +1459,7 @@
       </p:sp>
       <p:sp>
         <p:nvSpPr>
-          <p:cNvPr id="640835888" name="Notes Placeholder 2"/>
+          <p:cNvPr id="1639363283" name="Notes Placeholder 2"/>
           <p:cNvSpPr>
             <a:spLocks noGrp="1"/>
           </p:cNvSpPr>
@@ -1223,7 +1481,7 @@
       </p:sp>
       <p:sp>
         <p:nvSpPr>
-          <p:cNvPr id="275089568" name="Slide Number Placeholder 3"/>
+          <p:cNvPr id="1568600767" name="Slide Number Placeholder 3"/>
           <p:cNvSpPr>
             <a:spLocks noGrp="1"/>
           </p:cNvSpPr>
@@ -1239,9 +1497,9 @@
             <a:pPr>
               <a:defRPr/>
             </a:pPr>
-            <a:fld id="{4CA882E1-E894-E389-F985-67E5567FD450}" type="slidenum">
+            <a:fld id="{F7021451-1387-4CA6-816F-3879F97B5CBC}" type="slidenum">
               <a:rPr lang="en-US"/>
-              <a:t/>
+              <a:t>5</a:t>
             </a:fld>
             <a:endParaRPr lang="en-US"/>
           </a:p>
@@ -1274,7 +1532,7 @@
       </p:grpSpPr>
       <p:sp>
         <p:nvSpPr>
-          <p:cNvPr id="1393763273" name="Slide Image Placeholder 1"/>
+          <p:cNvPr id="1144713096" name="Slide Image Placeholder 1"/>
           <p:cNvSpPr>
             <a:spLocks noChangeAspect="1" noGrp="1" noRot="1"/>
           </p:cNvSpPr>
@@ -1286,7 +1544,7 @@
       </p:sp>
       <p:sp>
         <p:nvSpPr>
-          <p:cNvPr id="1163987395" name="Notes Placeholder 2"/>
+          <p:cNvPr id="1930252600" name="Notes Placeholder 2"/>
           <p:cNvSpPr>
             <a:spLocks noGrp="1"/>
           </p:cNvSpPr>
@@ -1308,7 +1566,7 @@
       </p:sp>
       <p:sp>
         <p:nvSpPr>
-          <p:cNvPr id="1798715926" name="Slide Number Placeholder 3"/>
+          <p:cNvPr id="1268427092" name="Slide Number Placeholder 3"/>
           <p:cNvSpPr>
             <a:spLocks noGrp="1"/>
           </p:cNvSpPr>
@@ -1324,7 +1582,7 @@
             <a:pPr>
               <a:defRPr/>
             </a:pPr>
-            <a:fld id="{F0734F4C-EE8A-A610-A33B-AFDE398B099E}" type="slidenum">
+            <a:fld id="{E97AD6D8-0702-6E2E-3D0D-ECA46E8308EB}" type="slidenum">
               <a:rPr lang="en-US"/>
               <a:t/>
             </a:fld>
@@ -1673,7 +1931,7 @@
       </p:grpSpPr>
       <p:sp>
         <p:nvSpPr>
-          <p:cNvPr id="1464650310" name="Text 0"/>
+          <p:cNvPr id="189529273" name="Text 0"/>
           <p:cNvSpPr/>
           <p:nvPr/>
         </p:nvSpPr>
@@ -1716,7 +1974,7 @@
       </p:sp>
       <p:sp>
         <p:nvSpPr>
-          <p:cNvPr id="907230385" name="Text 1"/>
+          <p:cNvPr id="899828427" name="Text 1"/>
           <p:cNvSpPr/>
           <p:nvPr/>
         </p:nvSpPr>
@@ -1759,7 +2017,7 @@
       </p:sp>
       <p:sp>
         <p:nvSpPr>
-          <p:cNvPr id="1330927212" name="Text 2"/>
+          <p:cNvPr id="1024910486" name="Text 2"/>
           <p:cNvSpPr/>
           <p:nvPr/>
         </p:nvSpPr>
@@ -1842,7 +2100,7 @@
       </p:grpSpPr>
       <p:sp>
         <p:nvSpPr>
-          <p:cNvPr id="1805904057" name="Text 0"/>
+          <p:cNvPr id="1286501960" name="Text 0"/>
           <p:cNvSpPr/>
           <p:nvPr/>
         </p:nvSpPr>
@@ -1877,11 +2135,7 @@
                 <a:ea typeface="Arial"/>
                 <a:cs typeface="Arial"/>
               </a:rPr>
-              <a:t>Attenzione ai gridbot (Esempio Pratico 2)</a:t>
-            </a:r>
-            <a:r>
-              <a:rPr lang="en-US" sz="2700"/>
-              <a:t>  </a:t>
+              <a:t>Attenzione ai gridbot</a:t>
             </a:r>
             <a:endParaRPr lang="en-US" sz="2700"/>
           </a:p>
@@ -1889,7 +2143,3576 @@
       </p:sp>
       <p:sp>
         <p:nvSpPr>
-          <p:cNvPr id="1308604997" name="Text 1"/>
+          <p:cNvPr id="2091309302" name="Text 1"/>
+          <p:cNvSpPr/>
+          <p:nvPr/>
+        </p:nvSpPr>
+        <p:spPr bwMode="auto">
+          <a:xfrm flipH="0" flipV="0">
+            <a:off x="914399" y="1249660"/>
+            <a:ext cx="7619999" cy="3872672"/>
+          </a:xfrm>
+          <a:prstGeom prst="rect">
+            <a:avLst/>
+          </a:prstGeom>
+          <a:noFill/>
+          <a:ln/>
+        </p:spPr>
+        <p:txBody>
+          <a:bodyPr wrap="square" lIns="0" tIns="0" rIns="0" bIns="0" rtlCol="0" anchor="t"/>
+          <a:lstStyle/>
+          <a:p>
+            <a:pPr marL="342900" indent="-342900">
+              <a:lnSpc>
+                <a:spcPts val="2429"/>
+              </a:lnSpc>
+              <a:buSzPct val="100000"/>
+              <a:buChar char="•"/>
+              <a:defRPr/>
+            </a:pPr>
+            <a:r>
+              <a:rPr lang="en-US" sz="1350" b="0" i="0" u="none" strike="noStrike" cap="none" spc="0">
+                <a:solidFill>
+                  <a:srgbClr val="CBD5E1"/>
+                </a:solidFill>
+                <a:latin typeface="Arial"/>
+                <a:ea typeface="Arial"/>
+                <a:cs typeface="Arial"/>
+              </a:rPr>
+              <a:t>Questa una tabella utile per Binance quindi con fee allo 0,1% e tassazione al 33%</a:t>
+            </a:r>
+            <a:endParaRPr lang="en-US" sz="1350">
+              <a:solidFill>
+                <a:srgbClr val="CBD5E1"/>
+              </a:solidFill>
+              <a:latin typeface="Arial"/>
+              <a:ea typeface="Arial"/>
+              <a:cs typeface="Arial"/>
+            </a:endParaRPr>
+          </a:p>
+          <a:p>
+            <a:pPr>
+              <a:lnSpc>
+                <a:spcPts val="2429"/>
+              </a:lnSpc>
+              <a:defRPr/>
+            </a:pPr>
+            <a:endParaRPr lang="en-US" sz="1350">
+              <a:solidFill>
+                <a:srgbClr val="CBD5E1"/>
+              </a:solidFill>
+              <a:latin typeface="Arial"/>
+              <a:ea typeface="Arial"/>
+              <a:cs typeface="Arial"/>
+            </a:endParaRPr>
+          </a:p>
+          <a:p>
+            <a:pPr>
+              <a:lnSpc>
+                <a:spcPts val="2429"/>
+              </a:lnSpc>
+              <a:defRPr/>
+            </a:pPr>
+            <a:endParaRPr lang="en-US" sz="1350">
+              <a:solidFill>
+                <a:srgbClr val="CBD5E1"/>
+              </a:solidFill>
+              <a:latin typeface="Arial"/>
+              <a:ea typeface="Arial"/>
+              <a:cs typeface="Arial"/>
+            </a:endParaRPr>
+          </a:p>
+          <a:p>
+            <a:pPr>
+              <a:lnSpc>
+                <a:spcPts val="2429"/>
+              </a:lnSpc>
+              <a:defRPr/>
+            </a:pPr>
+            <a:endParaRPr sz="1350">
+              <a:solidFill>
+                <a:schemeClr val="bg1"/>
+              </a:solidFill>
+              <a:latin typeface="Arial"/>
+              <a:ea typeface="Arial"/>
+              <a:cs typeface="Arial"/>
+            </a:endParaRPr>
+          </a:p>
+          <a:p>
+            <a:pPr marL="342900" indent="-342900">
+              <a:lnSpc>
+                <a:spcPts val="2429"/>
+              </a:lnSpc>
+              <a:buSzPct val="100000"/>
+              <a:buChar char="•"/>
+              <a:defRPr/>
+            </a:pPr>
+            <a:endParaRPr lang="en-US" sz="1350"/>
+          </a:p>
+        </p:txBody>
+      </p:sp>
+      <p:graphicFrame>
+        <p:nvGraphicFramePr>
+          <p:cNvPr id="1356863175" name=""/>
+          <p:cNvGraphicFramePr>
+            <a:graphicFrameLocks xmlns:a="http://schemas.openxmlformats.org/drawingml/2006/main"/>
+          </p:cNvGraphicFramePr>
+          <p:nvPr/>
+        </p:nvGraphicFramePr>
+        <p:xfrm rot="0">
+          <a:off x="2046833" y="1755421"/>
+          <a:ext cx="2695574" cy="2754629"/>
+        </p:xfrm>
+        <a:graphic>
+          <a:graphicData uri="http://schemas.openxmlformats.org/drawingml/2006/table">
+            <a:tbl>
+              <a:tblPr firstRow="1" firstCol="1" lastRow="0" lastCol="0" bandRow="1" bandCol="0">
+                <a:tableStyleId>{5C22544A-7EE6-4342-B048-85BDC9FD1C3A}</a:tableStyleId>
+              </a:tblPr>
+              <a:tblGrid>
+                <a:gridCol w="1461169"/>
+                <a:gridCol w="1719683"/>
+              </a:tblGrid>
+              <a:tr h="177800">
+                <a:tc>
+                  <a:txBody>
+                    <a:bodyPr/>
+                    <a:p>
+                      <a:pPr algn="ctr">
+                        <a:defRPr/>
+                      </a:pPr>
+                      <a:r>
+                        <a:rPr sz="1100" b="0" i="0" u="none">
+                          <a:solidFill>
+                            <a:schemeClr val="bg1"/>
+                          </a:solidFill>
+                          <a:latin typeface="Calibri"/>
+                          <a:ea typeface="Calibri"/>
+                          <a:cs typeface="Calibri"/>
+                        </a:rPr>
+                        <a:t>% guadagno netto griglia</a:t>
+                      </a:r>
+                      <a:endParaRPr>
+                        <a:solidFill>
+                          <a:schemeClr val="bg1"/>
+                        </a:solidFill>
+                      </a:endParaRPr>
+                    </a:p>
+                  </a:txBody>
+                  <a:tcPr marL="0" marR="0" marT="0" marB="0" anchor="b">
+                    <a:lnL w="12700" algn="ctr">
+                      <a:noFill/>
+                    </a:lnL>
+                    <a:lnR w="12700" algn="ctr">
+                      <a:noFill/>
+                    </a:lnR>
+                    <a:lnT w="12700" algn="ctr">
+                      <a:noFill/>
+                    </a:lnT>
+                    <a:lnB w="12700" algn="ctr">
+                      <a:noFill/>
+                    </a:lnB>
+                  </a:tcPr>
+                </a:tc>
+                <a:tc>
+                  <a:txBody>
+                    <a:bodyPr/>
+                    <a:p>
+                      <a:pPr algn="ctr">
+                        <a:defRPr/>
+                      </a:pPr>
+                      <a:r>
+                        <a:rPr sz="1100" b="0" i="0" u="none">
+                          <a:solidFill>
+                            <a:srgbClr val="000000"/>
+                          </a:solidFill>
+                          <a:latin typeface="Calibri"/>
+                          <a:ea typeface="Calibri"/>
+                          <a:cs typeface="Calibri"/>
+                        </a:rPr>
+                        <a:t>% Tassazione Reale</a:t>
+                      </a:r>
+                      <a:endParaRPr/>
+                    </a:p>
+                  </a:txBody>
+                  <a:tcPr marL="0" marR="0" marT="0" marB="0" anchor="b">
+                    <a:lnL w="12700" algn="ctr">
+                      <a:noFill/>
+                    </a:lnL>
+                    <a:lnR w="12700" algn="ctr">
+                      <a:noFill/>
+                    </a:lnR>
+                    <a:lnT w="12700" algn="ctr">
+                      <a:noFill/>
+                    </a:lnT>
+                    <a:lnB w="12700" algn="ctr">
+                      <a:noFill/>
+                    </a:lnB>
+                  </a:tcPr>
+                </a:tc>
+              </a:tr>
+              <a:tr h="184150">
+                <a:tc>
+                  <a:txBody>
+                    <a:bodyPr/>
+                    <a:p>
+                      <a:pPr algn="ctr">
+                        <a:defRPr/>
+                      </a:pPr>
+                      <a:r>
+                        <a:rPr sz="1200" b="0" i="0" u="none">
+                          <a:solidFill>
+                            <a:schemeClr val="bg1"/>
+                          </a:solidFill>
+                          <a:latin typeface="Times New Roman"/>
+                          <a:ea typeface="Times New Roman"/>
+                          <a:cs typeface="Times New Roman"/>
+                        </a:rPr>
+                        <a:t>1</a:t>
+                      </a:r>
+                      <a:r>
+                        <a:rPr lang="en-US" sz="1200" b="0" i="0" u="none" strike="noStrike" cap="none" spc="0">
+                          <a:solidFill>
+                            <a:schemeClr val="bg1"/>
+                          </a:solidFill>
+                          <a:latin typeface="Times New Roman"/>
+                          <a:ea typeface="Times New Roman"/>
+                          <a:cs typeface="Times New Roman"/>
+                        </a:rPr>
+                        <a:t> %</a:t>
+                      </a:r>
+                      <a:endParaRPr>
+                        <a:solidFill>
+                          <a:schemeClr val="bg1"/>
+                        </a:solidFill>
+                      </a:endParaRPr>
+                    </a:p>
+                  </a:txBody>
+                  <a:tcPr marL="0" marR="0" marT="0" marB="0" anchor="ctr">
+                    <a:lnL w="12700" algn="ctr">
+                      <a:noFill/>
+                    </a:lnL>
+                    <a:lnR w="12700" algn="ctr">
+                      <a:noFill/>
+                    </a:lnR>
+                    <a:lnT w="12700" algn="ctr">
+                      <a:noFill/>
+                    </a:lnT>
+                    <a:lnB w="12700" algn="ctr">
+                      <a:noFill/>
+                    </a:lnB>
+                  </a:tcPr>
+                </a:tc>
+                <a:tc>
+                  <a:txBody>
+                    <a:bodyPr/>
+                    <a:p>
+                      <a:pPr algn="ctr">
+                        <a:defRPr/>
+                      </a:pPr>
+                      <a:r>
+                        <a:rPr sz="1200" b="0" i="0" u="none">
+                          <a:solidFill>
+                            <a:srgbClr val="000000"/>
+                          </a:solidFill>
+                          <a:latin typeface="Times New Roman"/>
+                          <a:ea typeface="Times New Roman"/>
+                          <a:cs typeface="Times New Roman"/>
+                        </a:rPr>
+                        <a:t>36,34 %</a:t>
+                      </a:r>
+                      <a:endParaRPr/>
+                    </a:p>
+                  </a:txBody>
+                  <a:tcPr marL="0" marR="0" marT="0" marB="0" anchor="ctr">
+                    <a:lnL w="12700" algn="ctr">
+                      <a:noFill/>
+                    </a:lnL>
+                    <a:lnR w="12700" algn="ctr">
+                      <a:noFill/>
+                    </a:lnR>
+                    <a:lnT w="12700" algn="ctr">
+                      <a:noFill/>
+                    </a:lnT>
+                    <a:lnB w="12700" algn="ctr">
+                      <a:noFill/>
+                    </a:lnB>
+                  </a:tcPr>
+                </a:tc>
+              </a:tr>
+              <a:tr h="184150">
+                <a:tc>
+                  <a:txBody>
+                    <a:bodyPr/>
+                    <a:p>
+                      <a:pPr algn="ctr">
+                        <a:defRPr/>
+                      </a:pPr>
+                      <a:r>
+                        <a:rPr sz="1200" b="0" i="0" u="none">
+                          <a:solidFill>
+                            <a:schemeClr val="bg1"/>
+                          </a:solidFill>
+                          <a:latin typeface="Times New Roman"/>
+                          <a:ea typeface="Times New Roman"/>
+                          <a:cs typeface="Times New Roman"/>
+                        </a:rPr>
+                        <a:t>0,9</a:t>
+                      </a:r>
+                      <a:r>
+                        <a:rPr lang="en-US" sz="1200" b="0" i="0" u="none" strike="noStrike" cap="none" spc="0">
+                          <a:solidFill>
+                            <a:schemeClr val="bg1"/>
+                          </a:solidFill>
+                          <a:latin typeface="Times New Roman"/>
+                          <a:ea typeface="Times New Roman"/>
+                          <a:cs typeface="Times New Roman"/>
+                        </a:rPr>
+                        <a:t> %</a:t>
+                      </a:r>
+                      <a:endParaRPr>
+                        <a:solidFill>
+                          <a:schemeClr val="bg1"/>
+                        </a:solidFill>
+                      </a:endParaRPr>
+                    </a:p>
+                  </a:txBody>
+                  <a:tcPr marL="0" marR="0" marT="0" marB="0" anchor="ctr">
+                    <a:lnL w="12700" algn="ctr">
+                      <a:noFill/>
+                    </a:lnL>
+                    <a:lnR w="12700" algn="ctr">
+                      <a:noFill/>
+                    </a:lnR>
+                    <a:lnT w="12700" algn="ctr">
+                      <a:noFill/>
+                    </a:lnT>
+                    <a:lnB w="12700" algn="ctr">
+                      <a:noFill/>
+                    </a:lnB>
+                  </a:tcPr>
+                </a:tc>
+                <a:tc>
+                  <a:txBody>
+                    <a:bodyPr/>
+                    <a:p>
+                      <a:pPr algn="ctr">
+                        <a:defRPr/>
+                      </a:pPr>
+                      <a:r>
+                        <a:rPr sz="1200" b="0" i="0" u="none">
+                          <a:solidFill>
+                            <a:srgbClr val="000000"/>
+                          </a:solidFill>
+                          <a:latin typeface="Times New Roman"/>
+                          <a:ea typeface="Times New Roman"/>
+                          <a:cs typeface="Times New Roman"/>
+                        </a:rPr>
+                        <a:t>36,70</a:t>
+                      </a:r>
+                      <a:r>
+                        <a:rPr lang="en-US" sz="1200" b="0" i="0" u="none" strike="noStrike" cap="none" spc="0">
+                          <a:solidFill>
+                            <a:srgbClr val="000000"/>
+                          </a:solidFill>
+                          <a:latin typeface="Times New Roman"/>
+                          <a:ea typeface="Times New Roman"/>
+                          <a:cs typeface="Times New Roman"/>
+                        </a:rPr>
+                        <a:t> %</a:t>
+                      </a:r>
+                      <a:endParaRPr/>
+                    </a:p>
+                  </a:txBody>
+                  <a:tcPr marL="0" marR="0" marT="0" marB="0" anchor="ctr">
+                    <a:lnL w="12700" algn="ctr">
+                      <a:noFill/>
+                    </a:lnL>
+                    <a:lnR w="12700" algn="ctr">
+                      <a:noFill/>
+                    </a:lnR>
+                    <a:lnT w="12700" algn="ctr">
+                      <a:noFill/>
+                    </a:lnT>
+                    <a:lnB w="12700" algn="ctr">
+                      <a:noFill/>
+                    </a:lnB>
+                  </a:tcPr>
+                </a:tc>
+              </a:tr>
+              <a:tr h="184150">
+                <a:tc>
+                  <a:txBody>
+                    <a:bodyPr/>
+                    <a:p>
+                      <a:pPr algn="ctr">
+                        <a:defRPr/>
+                      </a:pPr>
+                      <a:r>
+                        <a:rPr sz="1200" b="0" i="0" u="none">
+                          <a:solidFill>
+                            <a:schemeClr val="bg1"/>
+                          </a:solidFill>
+                          <a:latin typeface="Times New Roman"/>
+                          <a:ea typeface="Times New Roman"/>
+                          <a:cs typeface="Times New Roman"/>
+                        </a:rPr>
+                        <a:t>0,8</a:t>
+                      </a:r>
+                      <a:r>
+                        <a:rPr lang="en-US" sz="1200" b="0" i="0" u="none" strike="noStrike" cap="none" spc="0">
+                          <a:solidFill>
+                            <a:schemeClr val="bg1"/>
+                          </a:solidFill>
+                          <a:latin typeface="Times New Roman"/>
+                          <a:ea typeface="Times New Roman"/>
+                          <a:cs typeface="Times New Roman"/>
+                        </a:rPr>
+                        <a:t> %</a:t>
+                      </a:r>
+                      <a:endParaRPr>
+                        <a:solidFill>
+                          <a:schemeClr val="bg1"/>
+                        </a:solidFill>
+                      </a:endParaRPr>
+                    </a:p>
+                  </a:txBody>
+                  <a:tcPr marL="0" marR="0" marT="0" marB="0" anchor="ctr">
+                    <a:lnL w="12700" algn="ctr">
+                      <a:noFill/>
+                    </a:lnL>
+                    <a:lnR w="12700" algn="ctr">
+                      <a:noFill/>
+                    </a:lnR>
+                    <a:lnT w="12700" algn="ctr">
+                      <a:noFill/>
+                    </a:lnT>
+                    <a:lnB w="12700" algn="ctr">
+                      <a:noFill/>
+                    </a:lnB>
+                  </a:tcPr>
+                </a:tc>
+                <a:tc>
+                  <a:txBody>
+                    <a:bodyPr/>
+                    <a:p>
+                      <a:pPr algn="ctr">
+                        <a:defRPr/>
+                      </a:pPr>
+                      <a:r>
+                        <a:rPr sz="1200" b="0" i="0" u="none">
+                          <a:solidFill>
+                            <a:srgbClr val="000000"/>
+                          </a:solidFill>
+                          <a:latin typeface="Times New Roman"/>
+                          <a:ea typeface="Times New Roman"/>
+                          <a:cs typeface="Times New Roman"/>
+                        </a:rPr>
+                        <a:t>37,16</a:t>
+                      </a:r>
+                      <a:r>
+                        <a:rPr lang="en-US" sz="1200" b="0" i="0" u="none" strike="noStrike" cap="none" spc="0">
+                          <a:solidFill>
+                            <a:srgbClr val="000000"/>
+                          </a:solidFill>
+                          <a:latin typeface="Times New Roman"/>
+                          <a:ea typeface="Times New Roman"/>
+                          <a:cs typeface="Times New Roman"/>
+                        </a:rPr>
+                        <a:t> %</a:t>
+                      </a:r>
+                      <a:endParaRPr/>
+                    </a:p>
+                  </a:txBody>
+                  <a:tcPr marL="0" marR="0" marT="0" marB="0" anchor="ctr">
+                    <a:lnL w="12700" algn="ctr">
+                      <a:noFill/>
+                    </a:lnL>
+                    <a:lnR w="12700" algn="ctr">
+                      <a:noFill/>
+                    </a:lnR>
+                    <a:lnT w="12700" algn="ctr">
+                      <a:noFill/>
+                    </a:lnT>
+                    <a:lnB w="12700" algn="ctr">
+                      <a:noFill/>
+                    </a:lnB>
+                  </a:tcPr>
+                </a:tc>
+              </a:tr>
+              <a:tr h="177800">
+                <a:tc>
+                  <a:txBody>
+                    <a:bodyPr/>
+                    <a:p>
+                      <a:pPr algn="ctr">
+                        <a:defRPr/>
+                      </a:pPr>
+                      <a:r>
+                        <a:rPr sz="1200" b="0" i="0" u="none">
+                          <a:solidFill>
+                            <a:schemeClr val="bg1"/>
+                          </a:solidFill>
+                          <a:latin typeface="Times New Roman"/>
+                          <a:ea typeface="Times New Roman"/>
+                          <a:cs typeface="Times New Roman"/>
+                        </a:rPr>
+                        <a:t>0,7</a:t>
+                      </a:r>
+                      <a:r>
+                        <a:rPr lang="en-US" sz="1200" b="0" i="0" u="none" strike="noStrike" cap="none" spc="0">
+                          <a:solidFill>
+                            <a:schemeClr val="bg1"/>
+                          </a:solidFill>
+                          <a:latin typeface="Times New Roman"/>
+                          <a:ea typeface="Times New Roman"/>
+                          <a:cs typeface="Times New Roman"/>
+                        </a:rPr>
+                        <a:t> %</a:t>
+                      </a:r>
+                      <a:endParaRPr>
+                        <a:solidFill>
+                          <a:schemeClr val="bg1"/>
+                        </a:solidFill>
+                      </a:endParaRPr>
+                    </a:p>
+                  </a:txBody>
+                  <a:tcPr marL="0" marR="0" marT="0" marB="0" anchor="ctr">
+                    <a:lnL w="12700" algn="ctr">
+                      <a:noFill/>
+                    </a:lnL>
+                    <a:lnR w="12700" algn="ctr">
+                      <a:noFill/>
+                    </a:lnR>
+                    <a:lnT w="12700" algn="ctr">
+                      <a:noFill/>
+                    </a:lnT>
+                    <a:lnB w="12700" algn="ctr">
+                      <a:noFill/>
+                    </a:lnB>
+                  </a:tcPr>
+                </a:tc>
+                <a:tc>
+                  <a:txBody>
+                    <a:bodyPr/>
+                    <a:p>
+                      <a:pPr algn="ctr">
+                        <a:defRPr/>
+                      </a:pPr>
+                      <a:r>
+                        <a:rPr sz="1200" b="0" i="0" u="none">
+                          <a:solidFill>
+                            <a:srgbClr val="000000"/>
+                          </a:solidFill>
+                          <a:latin typeface="Times New Roman"/>
+                          <a:ea typeface="Times New Roman"/>
+                          <a:cs typeface="Times New Roman"/>
+                        </a:rPr>
+                        <a:t>37,75</a:t>
+                      </a:r>
+                      <a:r>
+                        <a:rPr lang="en-US" sz="1200" b="0" i="0" u="none" strike="noStrike" cap="none" spc="0">
+                          <a:solidFill>
+                            <a:srgbClr val="000000"/>
+                          </a:solidFill>
+                          <a:latin typeface="Times New Roman"/>
+                          <a:ea typeface="Times New Roman"/>
+                          <a:cs typeface="Times New Roman"/>
+                        </a:rPr>
+                        <a:t> %</a:t>
+                      </a:r>
+                      <a:endParaRPr/>
+                    </a:p>
+                  </a:txBody>
+                  <a:tcPr marL="0" marR="0" marT="0" marB="0" anchor="ctr">
+                    <a:lnL w="12700" algn="ctr">
+                      <a:noFill/>
+                    </a:lnL>
+                    <a:lnR w="12700" algn="ctr">
+                      <a:noFill/>
+                    </a:lnR>
+                    <a:lnT w="12700" algn="ctr">
+                      <a:noFill/>
+                    </a:lnT>
+                    <a:lnB w="12700" algn="ctr">
+                      <a:noFill/>
+                    </a:lnB>
+                  </a:tcPr>
+                </a:tc>
+              </a:tr>
+              <a:tr h="184150">
+                <a:tc>
+                  <a:txBody>
+                    <a:bodyPr/>
+                    <a:p>
+                      <a:pPr algn="ctr">
+                        <a:defRPr/>
+                      </a:pPr>
+                      <a:r>
+                        <a:rPr sz="1200" b="0" i="0" u="none">
+                          <a:solidFill>
+                            <a:schemeClr val="bg1"/>
+                          </a:solidFill>
+                          <a:latin typeface="Times New Roman"/>
+                          <a:ea typeface="Times New Roman"/>
+                          <a:cs typeface="Times New Roman"/>
+                        </a:rPr>
+                        <a:t>0,6</a:t>
+                      </a:r>
+                      <a:r>
+                        <a:rPr lang="en-US" sz="1200" b="0" i="0" u="none" strike="noStrike" cap="none" spc="0">
+                          <a:solidFill>
+                            <a:schemeClr val="bg1"/>
+                          </a:solidFill>
+                          <a:latin typeface="Times New Roman"/>
+                          <a:ea typeface="Times New Roman"/>
+                          <a:cs typeface="Times New Roman"/>
+                        </a:rPr>
+                        <a:t> %</a:t>
+                      </a:r>
+                      <a:endParaRPr>
+                        <a:solidFill>
+                          <a:schemeClr val="bg1"/>
+                        </a:solidFill>
+                      </a:endParaRPr>
+                    </a:p>
+                  </a:txBody>
+                  <a:tcPr marL="0" marR="0" marT="0" marB="0" anchor="ctr">
+                    <a:lnL w="12700" algn="ctr">
+                      <a:noFill/>
+                    </a:lnL>
+                    <a:lnR w="12700" algn="ctr">
+                      <a:noFill/>
+                    </a:lnR>
+                    <a:lnT w="12700" algn="ctr">
+                      <a:noFill/>
+                    </a:lnT>
+                    <a:lnB w="12700" algn="ctr">
+                      <a:noFill/>
+                    </a:lnB>
+                  </a:tcPr>
+                </a:tc>
+                <a:tc>
+                  <a:txBody>
+                    <a:bodyPr/>
+                    <a:p>
+                      <a:pPr algn="ctr">
+                        <a:defRPr/>
+                      </a:pPr>
+                      <a:r>
+                        <a:rPr sz="1200" b="0" i="0" u="none">
+                          <a:solidFill>
+                            <a:srgbClr val="000000"/>
+                          </a:solidFill>
+                          <a:latin typeface="Times New Roman"/>
+                          <a:ea typeface="Times New Roman"/>
+                          <a:cs typeface="Times New Roman"/>
+                        </a:rPr>
+                        <a:t>38,54</a:t>
+                      </a:r>
+                      <a:r>
+                        <a:rPr lang="en-US" sz="1200" b="0" i="0" u="none" strike="noStrike" cap="none" spc="0">
+                          <a:solidFill>
+                            <a:srgbClr val="000000"/>
+                          </a:solidFill>
+                          <a:latin typeface="Times New Roman"/>
+                          <a:ea typeface="Times New Roman"/>
+                          <a:cs typeface="Times New Roman"/>
+                        </a:rPr>
+                        <a:t> %</a:t>
+                      </a:r>
+                      <a:endParaRPr/>
+                    </a:p>
+                  </a:txBody>
+                  <a:tcPr marL="0" marR="0" marT="0" marB="0" anchor="ctr">
+                    <a:lnL w="12700" algn="ctr">
+                      <a:noFill/>
+                    </a:lnL>
+                    <a:lnR w="12700" algn="ctr">
+                      <a:noFill/>
+                    </a:lnR>
+                    <a:lnT w="12700" algn="ctr">
+                      <a:noFill/>
+                    </a:lnT>
+                    <a:lnB w="12700" algn="ctr">
+                      <a:noFill/>
+                    </a:lnB>
+                  </a:tcPr>
+                </a:tc>
+              </a:tr>
+              <a:tr h="184150">
+                <a:tc>
+                  <a:txBody>
+                    <a:bodyPr/>
+                    <a:p>
+                      <a:pPr algn="ctr">
+                        <a:defRPr/>
+                      </a:pPr>
+                      <a:r>
+                        <a:rPr sz="1200" b="0" i="0" u="none">
+                          <a:solidFill>
+                            <a:schemeClr val="bg1"/>
+                          </a:solidFill>
+                          <a:latin typeface="Times New Roman"/>
+                          <a:ea typeface="Times New Roman"/>
+                          <a:cs typeface="Times New Roman"/>
+                        </a:rPr>
+                        <a:t>0,5</a:t>
+                      </a:r>
+                      <a:r>
+                        <a:rPr lang="en-US" sz="1200" b="0" i="0" u="none" strike="noStrike" cap="none" spc="0">
+                          <a:solidFill>
+                            <a:schemeClr val="bg1"/>
+                          </a:solidFill>
+                          <a:latin typeface="Times New Roman"/>
+                          <a:ea typeface="Times New Roman"/>
+                          <a:cs typeface="Times New Roman"/>
+                        </a:rPr>
+                        <a:t> %</a:t>
+                      </a:r>
+                      <a:endParaRPr>
+                        <a:solidFill>
+                          <a:schemeClr val="bg1"/>
+                        </a:solidFill>
+                      </a:endParaRPr>
+                    </a:p>
+                  </a:txBody>
+                  <a:tcPr marL="0" marR="0" marT="0" marB="0" anchor="ctr">
+                    <a:lnL w="12700" algn="ctr">
+                      <a:noFill/>
+                    </a:lnL>
+                    <a:lnR w="12700" algn="ctr">
+                      <a:noFill/>
+                    </a:lnR>
+                    <a:lnT w="12700" algn="ctr">
+                      <a:noFill/>
+                    </a:lnT>
+                    <a:lnB w="12700" algn="ctr">
+                      <a:noFill/>
+                    </a:lnB>
+                  </a:tcPr>
+                </a:tc>
+                <a:tc>
+                  <a:txBody>
+                    <a:bodyPr/>
+                    <a:p>
+                      <a:pPr algn="ctr">
+                        <a:defRPr/>
+                      </a:pPr>
+                      <a:r>
+                        <a:rPr sz="1200" b="0" i="0" u="none">
+                          <a:solidFill>
+                            <a:srgbClr val="000000"/>
+                          </a:solidFill>
+                          <a:latin typeface="Times New Roman"/>
+                          <a:ea typeface="Times New Roman"/>
+                          <a:cs typeface="Times New Roman"/>
+                        </a:rPr>
+                        <a:t>39,64</a:t>
+                      </a:r>
+                      <a:r>
+                        <a:rPr lang="en-US" sz="1200" b="0" i="0" u="none" strike="noStrike" cap="none" spc="0">
+                          <a:solidFill>
+                            <a:srgbClr val="000000"/>
+                          </a:solidFill>
+                          <a:latin typeface="Times New Roman"/>
+                          <a:ea typeface="Times New Roman"/>
+                          <a:cs typeface="Times New Roman"/>
+                        </a:rPr>
+                        <a:t> %</a:t>
+                      </a:r>
+                      <a:endParaRPr/>
+                    </a:p>
+                  </a:txBody>
+                  <a:tcPr marL="0" marR="0" marT="0" marB="0" anchor="ctr">
+                    <a:lnL w="12700" algn="ctr">
+                      <a:noFill/>
+                    </a:lnL>
+                    <a:lnR w="12700" algn="ctr">
+                      <a:noFill/>
+                    </a:lnR>
+                    <a:lnT w="12700" algn="ctr">
+                      <a:noFill/>
+                    </a:lnT>
+                    <a:lnB w="12700" algn="ctr">
+                      <a:noFill/>
+                    </a:lnB>
+                  </a:tcPr>
+                </a:tc>
+              </a:tr>
+              <a:tr h="184150">
+                <a:tc>
+                  <a:txBody>
+                    <a:bodyPr/>
+                    <a:p>
+                      <a:pPr algn="ctr">
+                        <a:defRPr/>
+                      </a:pPr>
+                      <a:r>
+                        <a:rPr sz="1200" b="0" i="0" u="none">
+                          <a:solidFill>
+                            <a:schemeClr val="bg1"/>
+                          </a:solidFill>
+                          <a:latin typeface="Times New Roman"/>
+                          <a:ea typeface="Times New Roman"/>
+                          <a:cs typeface="Times New Roman"/>
+                        </a:rPr>
+                        <a:t>0,4</a:t>
+                      </a:r>
+                      <a:r>
+                        <a:rPr lang="en-US" sz="1200" b="0" i="0" u="none" strike="noStrike" cap="none" spc="0">
+                          <a:solidFill>
+                            <a:schemeClr val="bg1"/>
+                          </a:solidFill>
+                          <a:latin typeface="Times New Roman"/>
+                          <a:ea typeface="Times New Roman"/>
+                          <a:cs typeface="Times New Roman"/>
+                        </a:rPr>
+                        <a:t> %</a:t>
+                      </a:r>
+                      <a:endParaRPr>
+                        <a:solidFill>
+                          <a:schemeClr val="bg1"/>
+                        </a:solidFill>
+                      </a:endParaRPr>
+                    </a:p>
+                  </a:txBody>
+                  <a:tcPr marL="0" marR="0" marT="0" marB="0" anchor="ctr">
+                    <a:lnL w="12700" algn="ctr">
+                      <a:noFill/>
+                    </a:lnL>
+                    <a:lnR w="12700" algn="ctr">
+                      <a:noFill/>
+                    </a:lnR>
+                    <a:lnT w="12700" algn="ctr">
+                      <a:noFill/>
+                    </a:lnT>
+                    <a:lnB w="12700" algn="ctr">
+                      <a:noFill/>
+                    </a:lnB>
+                  </a:tcPr>
+                </a:tc>
+                <a:tc>
+                  <a:txBody>
+                    <a:bodyPr/>
+                    <a:p>
+                      <a:pPr algn="ctr">
+                        <a:defRPr/>
+                      </a:pPr>
+                      <a:r>
+                        <a:rPr sz="1200" b="0" i="0" u="none">
+                          <a:solidFill>
+                            <a:srgbClr val="000000"/>
+                          </a:solidFill>
+                          <a:latin typeface="Times New Roman"/>
+                          <a:ea typeface="Times New Roman"/>
+                          <a:cs typeface="Times New Roman"/>
+                        </a:rPr>
+                        <a:t>41,32</a:t>
+                      </a:r>
+                      <a:r>
+                        <a:rPr lang="en-US" sz="1200" b="0" i="0" u="none" strike="noStrike" cap="none" spc="0">
+                          <a:solidFill>
+                            <a:srgbClr val="000000"/>
+                          </a:solidFill>
+                          <a:latin typeface="Times New Roman"/>
+                          <a:ea typeface="Times New Roman"/>
+                          <a:cs typeface="Times New Roman"/>
+                        </a:rPr>
+                        <a:t> %</a:t>
+                      </a:r>
+                      <a:endParaRPr/>
+                    </a:p>
+                  </a:txBody>
+                  <a:tcPr marL="0" marR="0" marT="0" marB="0" anchor="ctr">
+                    <a:lnL w="12700" algn="ctr">
+                      <a:noFill/>
+                    </a:lnL>
+                    <a:lnR w="12700" algn="ctr">
+                      <a:noFill/>
+                    </a:lnR>
+                    <a:lnT w="12700" algn="ctr">
+                      <a:noFill/>
+                    </a:lnT>
+                    <a:lnB w="12700" algn="ctr">
+                      <a:noFill/>
+                    </a:lnB>
+                  </a:tcPr>
+                </a:tc>
+              </a:tr>
+              <a:tr h="184150">
+                <a:tc>
+                  <a:txBody>
+                    <a:bodyPr/>
+                    <a:p>
+                      <a:pPr algn="ctr">
+                        <a:defRPr/>
+                      </a:pPr>
+                      <a:r>
+                        <a:rPr sz="1200" b="0" i="0" u="none">
+                          <a:solidFill>
+                            <a:schemeClr val="bg1"/>
+                          </a:solidFill>
+                          <a:latin typeface="Times New Roman"/>
+                          <a:ea typeface="Times New Roman"/>
+                          <a:cs typeface="Times New Roman"/>
+                        </a:rPr>
+                        <a:t>0,3</a:t>
+                      </a:r>
+                      <a:r>
+                        <a:rPr lang="en-US" sz="1200" b="0" i="0" u="none" strike="noStrike" cap="none" spc="0">
+                          <a:solidFill>
+                            <a:schemeClr val="bg1"/>
+                          </a:solidFill>
+                          <a:latin typeface="Times New Roman"/>
+                          <a:ea typeface="Times New Roman"/>
+                          <a:cs typeface="Times New Roman"/>
+                        </a:rPr>
+                        <a:t> %</a:t>
+                      </a:r>
+                      <a:endParaRPr>
+                        <a:solidFill>
+                          <a:schemeClr val="bg1"/>
+                        </a:solidFill>
+                      </a:endParaRPr>
+                    </a:p>
+                  </a:txBody>
+                  <a:tcPr marL="0" marR="0" marT="0" marB="0" anchor="ctr">
+                    <a:lnL w="12700" algn="ctr">
+                      <a:noFill/>
+                    </a:lnL>
+                    <a:lnR w="12700" algn="ctr">
+                      <a:noFill/>
+                    </a:lnR>
+                    <a:lnT w="12700" algn="ctr">
+                      <a:noFill/>
+                    </a:lnT>
+                    <a:lnB w="12700" algn="ctr">
+                      <a:noFill/>
+                    </a:lnB>
+                  </a:tcPr>
+                </a:tc>
+                <a:tc>
+                  <a:txBody>
+                    <a:bodyPr/>
+                    <a:p>
+                      <a:pPr algn="ctr">
+                        <a:defRPr/>
+                      </a:pPr>
+                      <a:r>
+                        <a:rPr sz="1200" b="0" i="0" u="none">
+                          <a:solidFill>
+                            <a:srgbClr val="000000"/>
+                          </a:solidFill>
+                          <a:latin typeface="Times New Roman"/>
+                          <a:ea typeface="Times New Roman"/>
+                          <a:cs typeface="Times New Roman"/>
+                        </a:rPr>
+                        <a:t>44,04</a:t>
+                      </a:r>
+                      <a:r>
+                        <a:rPr lang="en-US" sz="1200" b="0" i="0" u="none" strike="noStrike" cap="none" spc="0">
+                          <a:solidFill>
+                            <a:srgbClr val="000000"/>
+                          </a:solidFill>
+                          <a:latin typeface="Times New Roman"/>
+                          <a:ea typeface="Times New Roman"/>
+                          <a:cs typeface="Times New Roman"/>
+                        </a:rPr>
+                        <a:t> %</a:t>
+                      </a:r>
+                      <a:endParaRPr/>
+                    </a:p>
+                  </a:txBody>
+                  <a:tcPr marL="0" marR="0" marT="0" marB="0" anchor="ctr">
+                    <a:lnL w="12700" algn="ctr">
+                      <a:noFill/>
+                    </a:lnL>
+                    <a:lnR w="12700" algn="ctr">
+                      <a:noFill/>
+                    </a:lnR>
+                    <a:lnT w="12700" algn="ctr">
+                      <a:noFill/>
+                    </a:lnT>
+                    <a:lnB w="12700" algn="ctr">
+                      <a:noFill/>
+                    </a:lnB>
+                  </a:tcPr>
+                </a:tc>
+              </a:tr>
+              <a:tr h="184150">
+                <a:tc>
+                  <a:txBody>
+                    <a:bodyPr/>
+                    <a:p>
+                      <a:pPr algn="ctr">
+                        <a:defRPr/>
+                      </a:pPr>
+                      <a:r>
+                        <a:rPr sz="1200" b="0" i="0" u="none">
+                          <a:solidFill>
+                            <a:schemeClr val="bg1"/>
+                          </a:solidFill>
+                          <a:latin typeface="Times New Roman"/>
+                          <a:ea typeface="Times New Roman"/>
+                          <a:cs typeface="Times New Roman"/>
+                        </a:rPr>
+                        <a:t>0,2</a:t>
+                      </a:r>
+                      <a:r>
+                        <a:rPr lang="en-US" sz="1200" b="0" i="0" u="none" strike="noStrike" cap="none" spc="0">
+                          <a:solidFill>
+                            <a:schemeClr val="bg1"/>
+                          </a:solidFill>
+                          <a:latin typeface="Times New Roman"/>
+                          <a:ea typeface="Times New Roman"/>
+                          <a:cs typeface="Times New Roman"/>
+                        </a:rPr>
+                        <a:t> %</a:t>
+                      </a:r>
+                      <a:endParaRPr>
+                        <a:solidFill>
+                          <a:schemeClr val="bg1"/>
+                        </a:solidFill>
+                      </a:endParaRPr>
+                    </a:p>
+                  </a:txBody>
+                  <a:tcPr marL="0" marR="0" marT="0" marB="0" anchor="ctr">
+                    <a:lnL w="12700" algn="ctr">
+                      <a:noFill/>
+                    </a:lnL>
+                    <a:lnR w="12700" algn="ctr">
+                      <a:noFill/>
+                    </a:lnR>
+                    <a:lnT w="12700" algn="ctr">
+                      <a:noFill/>
+                    </a:lnT>
+                    <a:lnB w="12700" algn="ctr">
+                      <a:noFill/>
+                    </a:lnB>
+                  </a:tcPr>
+                </a:tc>
+                <a:tc>
+                  <a:txBody>
+                    <a:bodyPr/>
+                    <a:p>
+                      <a:pPr algn="ctr">
+                        <a:defRPr/>
+                      </a:pPr>
+                      <a:r>
+                        <a:rPr sz="1200" b="0" i="0" u="none">
+                          <a:solidFill>
+                            <a:srgbClr val="000000"/>
+                          </a:solidFill>
+                          <a:latin typeface="Times New Roman"/>
+                          <a:ea typeface="Times New Roman"/>
+                          <a:cs typeface="Times New Roman"/>
+                        </a:rPr>
+                        <a:t>49,55</a:t>
+                      </a:r>
+                      <a:r>
+                        <a:rPr lang="en-US" sz="1200" b="0" i="0" u="none" strike="noStrike" cap="none" spc="0">
+                          <a:solidFill>
+                            <a:srgbClr val="000000"/>
+                          </a:solidFill>
+                          <a:latin typeface="Times New Roman"/>
+                          <a:ea typeface="Times New Roman"/>
+                          <a:cs typeface="Times New Roman"/>
+                        </a:rPr>
+                        <a:t> %</a:t>
+                      </a:r>
+                      <a:endParaRPr/>
+                    </a:p>
+                  </a:txBody>
+                  <a:tcPr marL="0" marR="0" marT="0" marB="0" anchor="ctr">
+                    <a:lnL w="12700" algn="ctr">
+                      <a:noFill/>
+                    </a:lnL>
+                    <a:lnR w="12700" algn="ctr">
+                      <a:noFill/>
+                    </a:lnR>
+                    <a:lnT w="12700" algn="ctr">
+                      <a:noFill/>
+                    </a:lnT>
+                    <a:lnB w="12700" algn="ctr">
+                      <a:noFill/>
+                    </a:lnB>
+                  </a:tcPr>
+                </a:tc>
+              </a:tr>
+              <a:tr h="184150">
+                <a:tc>
+                  <a:txBody>
+                    <a:bodyPr/>
+                    <a:p>
+                      <a:pPr algn="ctr">
+                        <a:defRPr/>
+                      </a:pPr>
+                      <a:r>
+                        <a:rPr sz="1200" b="0" i="0" u="none">
+                          <a:solidFill>
+                            <a:schemeClr val="bg1"/>
+                          </a:solidFill>
+                          <a:latin typeface="Times New Roman"/>
+                          <a:ea typeface="Times New Roman"/>
+                          <a:cs typeface="Times New Roman"/>
+                        </a:rPr>
+                        <a:t>0,1</a:t>
+                      </a:r>
+                      <a:r>
+                        <a:rPr lang="en-US" sz="1200" b="0" i="0" u="none" strike="noStrike" cap="none" spc="0">
+                          <a:solidFill>
+                            <a:schemeClr val="bg1"/>
+                          </a:solidFill>
+                          <a:latin typeface="Times New Roman"/>
+                          <a:ea typeface="Times New Roman"/>
+                          <a:cs typeface="Times New Roman"/>
+                        </a:rPr>
+                        <a:t> %</a:t>
+                      </a:r>
+                      <a:endParaRPr>
+                        <a:solidFill>
+                          <a:schemeClr val="bg1"/>
+                        </a:solidFill>
+                      </a:endParaRPr>
+                    </a:p>
+                  </a:txBody>
+                  <a:tcPr marL="0" marR="0" marT="0" marB="0" anchor="ctr">
+                    <a:lnL w="12700" algn="ctr">
+                      <a:noFill/>
+                    </a:lnL>
+                    <a:lnR w="12700" algn="ctr">
+                      <a:noFill/>
+                    </a:lnR>
+                    <a:lnT w="12700" algn="ctr">
+                      <a:noFill/>
+                    </a:lnT>
+                    <a:lnB w="12700" algn="ctr">
+                      <a:noFill/>
+                    </a:lnB>
+                  </a:tcPr>
+                </a:tc>
+                <a:tc>
+                  <a:txBody>
+                    <a:bodyPr/>
+                    <a:p>
+                      <a:pPr algn="ctr">
+                        <a:defRPr/>
+                      </a:pPr>
+                      <a:r>
+                        <a:rPr sz="1200" b="0" i="0" u="none">
+                          <a:solidFill>
+                            <a:srgbClr val="000000"/>
+                          </a:solidFill>
+                          <a:latin typeface="Times New Roman"/>
+                          <a:ea typeface="Times New Roman"/>
+                          <a:cs typeface="Times New Roman"/>
+                        </a:rPr>
+                        <a:t>66,07</a:t>
+                      </a:r>
+                      <a:r>
+                        <a:rPr lang="en-US" sz="1200" b="0" i="0" u="none" strike="noStrike" cap="none" spc="0">
+                          <a:solidFill>
+                            <a:srgbClr val="000000"/>
+                          </a:solidFill>
+                          <a:latin typeface="Times New Roman"/>
+                          <a:ea typeface="Times New Roman"/>
+                          <a:cs typeface="Times New Roman"/>
+                        </a:rPr>
+                        <a:t> %</a:t>
+                      </a:r>
+                      <a:endParaRPr/>
+                    </a:p>
+                  </a:txBody>
+                  <a:tcPr marL="0" marR="0" marT="0" marB="0" anchor="ctr">
+                    <a:lnL w="12700" algn="ctr">
+                      <a:noFill/>
+                    </a:lnL>
+                    <a:lnR w="12700" algn="ctr">
+                      <a:noFill/>
+                    </a:lnR>
+                    <a:lnT w="12700" algn="ctr">
+                      <a:noFill/>
+                    </a:lnT>
+                    <a:lnB w="12700" algn="ctr">
+                      <a:noFill/>
+                    </a:lnB>
+                  </a:tcPr>
+                </a:tc>
+              </a:tr>
+              <a:tr h="184150">
+                <a:tc>
+                  <a:txBody>
+                    <a:bodyPr/>
+                    <a:p>
+                      <a:pPr algn="ctr">
+                        <a:defRPr/>
+                      </a:pPr>
+                      <a:r>
+                        <a:rPr sz="1200" b="0" i="0" u="none">
+                          <a:solidFill>
+                            <a:schemeClr val="bg1"/>
+                          </a:solidFill>
+                          <a:latin typeface="Times New Roman"/>
+                          <a:ea typeface="Times New Roman"/>
+                          <a:cs typeface="Times New Roman"/>
+                        </a:rPr>
+                        <a:t>0,08</a:t>
+                      </a:r>
+                      <a:r>
+                        <a:rPr lang="en-US" sz="1200" b="0" i="0" u="none" strike="noStrike" cap="none" spc="0">
+                          <a:solidFill>
+                            <a:schemeClr val="bg1"/>
+                          </a:solidFill>
+                          <a:latin typeface="Times New Roman"/>
+                          <a:ea typeface="Times New Roman"/>
+                          <a:cs typeface="Times New Roman"/>
+                        </a:rPr>
+                        <a:t> %</a:t>
+                      </a:r>
+                      <a:endParaRPr>
+                        <a:solidFill>
+                          <a:schemeClr val="bg1"/>
+                        </a:solidFill>
+                      </a:endParaRPr>
+                    </a:p>
+                  </a:txBody>
+                  <a:tcPr marL="0" marR="0" marT="0" marB="0" anchor="ctr">
+                    <a:lnL w="12700" algn="ctr">
+                      <a:noFill/>
+                    </a:lnL>
+                    <a:lnR w="12700" algn="ctr">
+                      <a:noFill/>
+                    </a:lnR>
+                    <a:lnT w="12700" algn="ctr">
+                      <a:noFill/>
+                    </a:lnT>
+                    <a:lnB w="12700" algn="ctr">
+                      <a:noFill/>
+                    </a:lnB>
+                  </a:tcPr>
+                </a:tc>
+                <a:tc>
+                  <a:txBody>
+                    <a:bodyPr/>
+                    <a:p>
+                      <a:pPr algn="ctr">
+                        <a:defRPr/>
+                      </a:pPr>
+                      <a:r>
+                        <a:rPr sz="1200" b="0" i="0" u="none">
+                          <a:solidFill>
+                            <a:srgbClr val="000000"/>
+                          </a:solidFill>
+                          <a:latin typeface="Times New Roman"/>
+                          <a:ea typeface="Times New Roman"/>
+                          <a:cs typeface="Times New Roman"/>
+                        </a:rPr>
+                        <a:t>74,32</a:t>
+                      </a:r>
+                      <a:r>
+                        <a:rPr lang="en-US" sz="1200" b="0" i="0" u="none" strike="noStrike" cap="none" spc="0">
+                          <a:solidFill>
+                            <a:srgbClr val="000000"/>
+                          </a:solidFill>
+                          <a:latin typeface="Times New Roman"/>
+                          <a:ea typeface="Times New Roman"/>
+                          <a:cs typeface="Times New Roman"/>
+                        </a:rPr>
+                        <a:t> %</a:t>
+                      </a:r>
+                      <a:endParaRPr/>
+                    </a:p>
+                  </a:txBody>
+                  <a:tcPr marL="0" marR="0" marT="0" marB="0" anchor="ctr">
+                    <a:lnL w="12700" algn="ctr">
+                      <a:noFill/>
+                    </a:lnL>
+                    <a:lnR w="12700" algn="ctr">
+                      <a:noFill/>
+                    </a:lnR>
+                    <a:lnT w="12700" algn="ctr">
+                      <a:noFill/>
+                    </a:lnT>
+                    <a:lnB w="12700" algn="ctr">
+                      <a:noFill/>
+                    </a:lnB>
+                  </a:tcPr>
+                </a:tc>
+              </a:tr>
+              <a:tr h="184150">
+                <a:tc>
+                  <a:txBody>
+                    <a:bodyPr/>
+                    <a:p>
+                      <a:pPr algn="ctr">
+                        <a:defRPr/>
+                      </a:pPr>
+                      <a:r>
+                        <a:rPr sz="1200" b="0" i="0" u="none">
+                          <a:solidFill>
+                            <a:schemeClr val="bg1"/>
+                          </a:solidFill>
+                          <a:latin typeface="Times New Roman"/>
+                          <a:ea typeface="Times New Roman"/>
+                          <a:cs typeface="Times New Roman"/>
+                        </a:rPr>
+                        <a:t>0,06</a:t>
+                      </a:r>
+                      <a:r>
+                        <a:rPr lang="en-US" sz="1200" b="0" i="0" u="none" strike="noStrike" cap="none" spc="0">
+                          <a:solidFill>
+                            <a:schemeClr val="bg1"/>
+                          </a:solidFill>
+                          <a:latin typeface="Times New Roman"/>
+                          <a:ea typeface="Times New Roman"/>
+                          <a:cs typeface="Times New Roman"/>
+                        </a:rPr>
+                        <a:t> %</a:t>
+                      </a:r>
+                      <a:endParaRPr>
+                        <a:solidFill>
+                          <a:schemeClr val="bg1"/>
+                        </a:solidFill>
+                      </a:endParaRPr>
+                    </a:p>
+                  </a:txBody>
+                  <a:tcPr marL="0" marR="0" marT="0" marB="0" anchor="ctr">
+                    <a:lnL w="12700" algn="ctr">
+                      <a:noFill/>
+                    </a:lnL>
+                    <a:lnR w="12700" algn="ctr">
+                      <a:noFill/>
+                    </a:lnR>
+                    <a:lnT w="12700" algn="ctr">
+                      <a:noFill/>
+                    </a:lnT>
+                    <a:lnB w="12700" algn="ctr">
+                      <a:noFill/>
+                    </a:lnB>
+                  </a:tcPr>
+                </a:tc>
+                <a:tc>
+                  <a:txBody>
+                    <a:bodyPr/>
+                    <a:p>
+                      <a:pPr algn="ctr">
+                        <a:defRPr/>
+                      </a:pPr>
+                      <a:r>
+                        <a:rPr sz="1200" b="0" i="0" u="none">
+                          <a:solidFill>
+                            <a:srgbClr val="000000"/>
+                          </a:solidFill>
+                          <a:latin typeface="Times New Roman"/>
+                          <a:ea typeface="Times New Roman"/>
+                          <a:cs typeface="Times New Roman"/>
+                        </a:rPr>
+                        <a:t>88,09</a:t>
+                      </a:r>
+                      <a:r>
+                        <a:rPr lang="en-US" sz="1200" b="0" i="0" u="none" strike="noStrike" cap="none" spc="0">
+                          <a:solidFill>
+                            <a:srgbClr val="000000"/>
+                          </a:solidFill>
+                          <a:latin typeface="Times New Roman"/>
+                          <a:ea typeface="Times New Roman"/>
+                          <a:cs typeface="Times New Roman"/>
+                        </a:rPr>
+                        <a:t> %</a:t>
+                      </a:r>
+                      <a:endParaRPr/>
+                    </a:p>
+                  </a:txBody>
+                  <a:tcPr marL="0" marR="0" marT="0" marB="0" anchor="ctr">
+                    <a:lnL w="12700" algn="ctr">
+                      <a:noFill/>
+                    </a:lnL>
+                    <a:lnR w="12700" algn="ctr">
+                      <a:noFill/>
+                    </a:lnR>
+                    <a:lnT w="12700" algn="ctr">
+                      <a:noFill/>
+                    </a:lnT>
+                    <a:lnB w="12700" algn="ctr">
+                      <a:noFill/>
+                    </a:lnB>
+                  </a:tcPr>
+                </a:tc>
+              </a:tr>
+              <a:tr h="184150">
+                <a:tc>
+                  <a:txBody>
+                    <a:bodyPr/>
+                    <a:p>
+                      <a:pPr algn="ctr">
+                        <a:defRPr/>
+                      </a:pPr>
+                      <a:r>
+                        <a:rPr sz="1200" b="0" i="0" u="none">
+                          <a:solidFill>
+                            <a:schemeClr val="bg1"/>
+                          </a:solidFill>
+                          <a:latin typeface="Times New Roman"/>
+                          <a:ea typeface="Times New Roman"/>
+                          <a:cs typeface="Times New Roman"/>
+                        </a:rPr>
+                        <a:t>0,04</a:t>
+                      </a:r>
+                      <a:r>
+                        <a:rPr lang="en-US" sz="1200" b="0" i="0" u="none" strike="noStrike" cap="none" spc="0">
+                          <a:solidFill>
+                            <a:schemeClr val="bg1"/>
+                          </a:solidFill>
+                          <a:latin typeface="Times New Roman"/>
+                          <a:ea typeface="Times New Roman"/>
+                          <a:cs typeface="Times New Roman"/>
+                        </a:rPr>
+                        <a:t> %</a:t>
+                      </a:r>
+                      <a:endParaRPr>
+                        <a:solidFill>
+                          <a:schemeClr val="bg1"/>
+                        </a:solidFill>
+                      </a:endParaRPr>
+                    </a:p>
+                  </a:txBody>
+                  <a:tcPr marL="0" marR="0" marT="0" marB="0" anchor="ctr">
+                    <a:lnL w="12700" algn="ctr">
+                      <a:noFill/>
+                    </a:lnL>
+                    <a:lnR w="12700" algn="ctr">
+                      <a:noFill/>
+                    </a:lnR>
+                    <a:lnT w="12700" algn="ctr">
+                      <a:noFill/>
+                    </a:lnT>
+                    <a:lnB w="12700" algn="ctr">
+                      <a:noFill/>
+                    </a:lnB>
+                  </a:tcPr>
+                </a:tc>
+                <a:tc>
+                  <a:txBody>
+                    <a:bodyPr/>
+                    <a:p>
+                      <a:pPr algn="ctr">
+                        <a:defRPr/>
+                      </a:pPr>
+                      <a:r>
+                        <a:rPr sz="1200" b="0" i="0" u="none">
+                          <a:solidFill>
+                            <a:srgbClr val="000000"/>
+                          </a:solidFill>
+                          <a:latin typeface="Times New Roman"/>
+                          <a:ea typeface="Times New Roman"/>
+                          <a:cs typeface="Times New Roman"/>
+                        </a:rPr>
+                        <a:t>115,62</a:t>
+                      </a:r>
+                      <a:r>
+                        <a:rPr lang="en-US" sz="1200" b="0" i="0" u="none" strike="noStrike" cap="none" spc="0">
+                          <a:solidFill>
+                            <a:srgbClr val="000000"/>
+                          </a:solidFill>
+                          <a:latin typeface="Times New Roman"/>
+                          <a:ea typeface="Times New Roman"/>
+                          <a:cs typeface="Times New Roman"/>
+                        </a:rPr>
+                        <a:t> %</a:t>
+                      </a:r>
+                      <a:endParaRPr/>
+                    </a:p>
+                  </a:txBody>
+                  <a:tcPr marL="0" marR="0" marT="0" marB="0" anchor="ctr">
+                    <a:lnL w="12700" algn="ctr">
+                      <a:noFill/>
+                    </a:lnL>
+                    <a:lnR w="12700" algn="ctr">
+                      <a:noFill/>
+                    </a:lnR>
+                    <a:lnT w="12700" algn="ctr">
+                      <a:noFill/>
+                    </a:lnT>
+                    <a:lnB w="12700" algn="ctr">
+                      <a:noFill/>
+                    </a:lnB>
+                  </a:tcPr>
+                </a:tc>
+              </a:tr>
+              <a:tr h="184150">
+                <a:tc>
+                  <a:txBody>
+                    <a:bodyPr/>
+                    <a:p>
+                      <a:pPr algn="ctr">
+                        <a:defRPr/>
+                      </a:pPr>
+                      <a:r>
+                        <a:rPr sz="1200" b="0" i="0" u="none">
+                          <a:solidFill>
+                            <a:schemeClr val="bg1"/>
+                          </a:solidFill>
+                          <a:latin typeface="Times New Roman"/>
+                          <a:ea typeface="Times New Roman"/>
+                          <a:cs typeface="Times New Roman"/>
+                        </a:rPr>
+                        <a:t>0,02</a:t>
+                      </a:r>
+                      <a:r>
+                        <a:rPr lang="en-US" sz="1200" b="0" i="0" u="none" strike="noStrike" cap="none" spc="0">
+                          <a:solidFill>
+                            <a:schemeClr val="bg1"/>
+                          </a:solidFill>
+                          <a:latin typeface="Times New Roman"/>
+                          <a:ea typeface="Times New Roman"/>
+                          <a:cs typeface="Times New Roman"/>
+                        </a:rPr>
+                        <a:t> %</a:t>
+                      </a:r>
+                      <a:endParaRPr>
+                        <a:solidFill>
+                          <a:schemeClr val="bg1"/>
+                        </a:solidFill>
+                      </a:endParaRPr>
+                    </a:p>
+                  </a:txBody>
+                  <a:tcPr marL="0" marR="0" marT="0" marB="0" anchor="ctr">
+                    <a:lnL w="12700" algn="ctr">
+                      <a:noFill/>
+                    </a:lnL>
+                    <a:lnR w="12700" algn="ctr">
+                      <a:noFill/>
+                    </a:lnR>
+                    <a:lnT w="12700" algn="ctr">
+                      <a:noFill/>
+                    </a:lnT>
+                    <a:lnB w="12700" algn="ctr">
+                      <a:noFill/>
+                    </a:lnB>
+                  </a:tcPr>
+                </a:tc>
+                <a:tc>
+                  <a:txBody>
+                    <a:bodyPr/>
+                    <a:p>
+                      <a:pPr algn="ctr">
+                        <a:defRPr/>
+                      </a:pPr>
+                      <a:r>
+                        <a:rPr sz="1200" b="0" i="0" u="none">
+                          <a:solidFill>
+                            <a:srgbClr val="000000"/>
+                          </a:solidFill>
+                          <a:latin typeface="Times New Roman"/>
+                          <a:ea typeface="Times New Roman"/>
+                          <a:cs typeface="Times New Roman"/>
+                        </a:rPr>
+                        <a:t>198,20</a:t>
+                      </a:r>
+                      <a:r>
+                        <a:rPr lang="en-US" sz="1200" b="0" i="0" u="none" strike="noStrike" cap="none" spc="0">
+                          <a:solidFill>
+                            <a:srgbClr val="000000"/>
+                          </a:solidFill>
+                          <a:latin typeface="Times New Roman"/>
+                          <a:ea typeface="Times New Roman"/>
+                          <a:cs typeface="Times New Roman"/>
+                        </a:rPr>
+                        <a:t> %</a:t>
+                      </a:r>
+                      <a:endParaRPr/>
+                    </a:p>
+                  </a:txBody>
+                  <a:tcPr marL="0" marR="0" marT="0" marB="0" anchor="ctr">
+                    <a:lnL w="12700" algn="ctr">
+                      <a:noFill/>
+                    </a:lnL>
+                    <a:lnR w="12700" algn="ctr">
+                      <a:noFill/>
+                    </a:lnR>
+                    <a:lnT w="12700" algn="ctr">
+                      <a:noFill/>
+                    </a:lnT>
+                    <a:lnB w="12700" algn="ctr">
+                      <a:noFill/>
+                    </a:lnB>
+                  </a:tcPr>
+                </a:tc>
+              </a:tr>
+            </a:tbl>
+          </a:graphicData>
+        </a:graphic>
+      </p:graphicFrame>
+    </p:spTree>
+  </p:cSld>
+  <p:clrMapOvr>
+    <a:masterClrMapping/>
+  </p:clrMapOvr>
+  <mc:AlternateContent xmlns:mc="http://schemas.openxmlformats.org/markup-compatibility/2006">
+    <mc:Choice xmlns:p159="http://schemas.microsoft.com/office/powerpoint/2015/09/main" xmlns:p14="http://schemas.microsoft.com/office/powerpoint/2010/main" Requires="p159">
+      <p:transition p14:dur="2000" advClick="1"/>
+    </mc:Choice>
+    <mc:Fallback>
+      <p:transition advClick="1"/>
+    </mc:Fallback>
+  </mc:AlternateContent>
+</p:sld>
+</file>
+
+<file path=ppt/slides/slide11.xml><?xml version="1.0" encoding="utf-8"?>
+<p:sld xmlns:a="http://schemas.openxmlformats.org/drawingml/2006/main" xmlns:r="http://schemas.openxmlformats.org/officeDocument/2006/relationships" xmlns:p="http://schemas.openxmlformats.org/presentationml/2006/main" xmlns:m="http://schemas.openxmlformats.org/officeDocument/2006/math" xmlns:w="http://schemas.openxmlformats.org/wordprocessingml/2006/main" xmlns:mc="http://schemas.openxmlformats.org/markup-compatibility/2006" showMasterPhAnim="0" showMasterSp="1" show="1">
+  <p:cSld name="Slide 5">
+    <p:bg>
+      <p:bgPr shadeToTitle="0">
+        <a:solidFill>
+          <a:srgbClr val="0F172A"/>
+        </a:solidFill>
+      </p:bgPr>
+    </p:bg>
+    <p:spTree>
+      <p:nvGrpSpPr>
+        <p:cNvPr id="1" name=""/>
+        <p:cNvGrpSpPr/>
+        <p:nvPr/>
+      </p:nvGrpSpPr>
+      <p:grpSpPr bwMode="auto">
+        <a:xfrm>
+          <a:off x="0" y="0"/>
+          <a:ext cx="0" cy="0"/>
+          <a:chOff x="0" y="0"/>
+          <a:chExt cx="0" cy="0"/>
+        </a:xfrm>
+      </p:grpSpPr>
+      <p:sp>
+        <p:nvSpPr>
+          <p:cNvPr id="263374711" name="Text 0"/>
+          <p:cNvSpPr/>
+          <p:nvPr/>
+        </p:nvSpPr>
+        <p:spPr bwMode="auto">
+          <a:xfrm>
+            <a:off x="609599" y="609599"/>
+            <a:ext cx="8083296" cy="411459"/>
+          </a:xfrm>
+          <a:prstGeom prst="rect">
+            <a:avLst/>
+          </a:prstGeom>
+          <a:noFill/>
+          <a:ln/>
+        </p:spPr>
+        <p:txBody>
+          <a:bodyPr wrap="square" lIns="0" tIns="0" rIns="0" bIns="0" rtlCol="0" anchor="t"/>
+          <a:lstStyle/>
+          <a:p>
+            <a:pPr marL="0" indent="0">
+              <a:lnSpc>
+                <a:spcPts val="3239"/>
+              </a:lnSpc>
+              <a:buNone/>
+              <a:defRPr/>
+            </a:pPr>
+            <a:r>
+              <a:rPr lang="en-US" sz="2700" b="1">
+                <a:solidFill>
+                  <a:srgbClr val="38BDF8"/>
+                </a:solidFill>
+                <a:latin typeface="Arial"/>
+                <a:ea typeface="Arial"/>
+                <a:cs typeface="Arial"/>
+              </a:rPr>
+              <a:t>Attenzione ai gridbot</a:t>
+            </a:r>
+            <a:endParaRPr lang="en-US" sz="2700"/>
+          </a:p>
+        </p:txBody>
+      </p:sp>
+      <p:sp>
+        <p:nvSpPr>
+          <p:cNvPr id="1271086719" name="Text 1"/>
+          <p:cNvSpPr/>
+          <p:nvPr/>
+        </p:nvSpPr>
+        <p:spPr bwMode="auto">
+          <a:xfrm flipH="0" flipV="0">
+            <a:off x="914399" y="1249660"/>
+            <a:ext cx="7619999" cy="3872672"/>
+          </a:xfrm>
+          <a:prstGeom prst="rect">
+            <a:avLst/>
+          </a:prstGeom>
+          <a:noFill/>
+          <a:ln/>
+        </p:spPr>
+        <p:txBody>
+          <a:bodyPr wrap="square" lIns="0" tIns="0" rIns="0" bIns="0" rtlCol="0" anchor="t"/>
+          <a:lstStyle/>
+          <a:p>
+            <a:pPr marL="342900" indent="-342900">
+              <a:lnSpc>
+                <a:spcPts val="2429"/>
+              </a:lnSpc>
+              <a:buSzPct val="100000"/>
+              <a:buChar char="•"/>
+              <a:defRPr/>
+            </a:pPr>
+            <a:r>
+              <a:rPr lang="en-US" sz="1350" b="0" i="0" u="none" strike="noStrike" cap="none" spc="0">
+                <a:solidFill>
+                  <a:srgbClr val="CBD5E1"/>
+                </a:solidFill>
+                <a:latin typeface="Arial"/>
+                <a:ea typeface="Arial"/>
+                <a:cs typeface="Arial"/>
+              </a:rPr>
+              <a:t>La tabella di prima valeva però solo se il movimento era unico, siccome i grid bot per completare una griglia devono completare 2 movimenti la cosa è peggiore, non è matematicamente corretto (cambia poco comunque) ma rende bene l’idea, invece che 0,1 mettiamo a 0,2 le fee di Binance nella formula e questo è il risultato </a:t>
+            </a:r>
+            <a:endParaRPr lang="en-US" sz="1350" b="0" i="0" u="none" strike="noStrike" cap="none" spc="0">
+              <a:solidFill>
+                <a:srgbClr val="CBD5E1"/>
+              </a:solidFill>
+              <a:latin typeface="Times New Roman"/>
+              <a:cs typeface="Times New Roman"/>
+            </a:endParaRPr>
+          </a:p>
+          <a:p>
+            <a:pPr>
+              <a:lnSpc>
+                <a:spcPts val="2429"/>
+              </a:lnSpc>
+              <a:defRPr/>
+            </a:pPr>
+            <a:endParaRPr lang="en-US" sz="1350">
+              <a:solidFill>
+                <a:srgbClr val="CBD5E1"/>
+              </a:solidFill>
+              <a:latin typeface="Arial"/>
+              <a:ea typeface="Arial"/>
+              <a:cs typeface="Arial"/>
+            </a:endParaRPr>
+          </a:p>
+          <a:p>
+            <a:pPr>
+              <a:lnSpc>
+                <a:spcPts val="2429"/>
+              </a:lnSpc>
+              <a:defRPr/>
+            </a:pPr>
+            <a:endParaRPr lang="en-US" sz="1350">
+              <a:solidFill>
+                <a:srgbClr val="CBD5E1"/>
+              </a:solidFill>
+              <a:latin typeface="Arial"/>
+              <a:ea typeface="Arial"/>
+              <a:cs typeface="Arial"/>
+            </a:endParaRPr>
+          </a:p>
+          <a:p>
+            <a:pPr>
+              <a:lnSpc>
+                <a:spcPts val="2429"/>
+              </a:lnSpc>
+              <a:defRPr/>
+            </a:pPr>
+            <a:endParaRPr sz="1350">
+              <a:solidFill>
+                <a:schemeClr val="bg1"/>
+              </a:solidFill>
+              <a:latin typeface="Arial"/>
+              <a:ea typeface="Arial"/>
+              <a:cs typeface="Arial"/>
+            </a:endParaRPr>
+          </a:p>
+          <a:p>
+            <a:pPr marL="342900" indent="-342900">
+              <a:lnSpc>
+                <a:spcPts val="2429"/>
+              </a:lnSpc>
+              <a:buSzPct val="100000"/>
+              <a:buChar char="•"/>
+              <a:defRPr/>
+            </a:pPr>
+            <a:endParaRPr lang="en-US" sz="1350"/>
+          </a:p>
+        </p:txBody>
+      </p:sp>
+      <p:graphicFrame>
+        <p:nvGraphicFramePr>
+          <p:cNvPr id="1059071458" name=""/>
+          <p:cNvGraphicFramePr>
+            <a:graphicFrameLocks xmlns:a="http://schemas.openxmlformats.org/drawingml/2006/main"/>
+          </p:cNvGraphicFramePr>
+          <p:nvPr/>
+        </p:nvGraphicFramePr>
+        <p:xfrm rot="0">
+          <a:off x="2920166" y="2571750"/>
+          <a:ext cx="2324098" cy="2018029"/>
+        </p:xfrm>
+        <a:graphic>
+          <a:graphicData uri="http://schemas.openxmlformats.org/drawingml/2006/table">
+            <a:tbl>
+              <a:tblPr firstRow="1" firstCol="1" lastRow="0" lastCol="0" bandRow="1" bandCol="0">
+                <a:tableStyleId>{5C22544A-7EE6-4342-B048-85BDC9FD1C3A}</a:tableStyleId>
+              </a:tblPr>
+              <a:tblGrid>
+                <a:gridCol w="1143000"/>
+                <a:gridCol w="1181099"/>
+              </a:tblGrid>
+              <a:tr h="177800">
+                <a:tc>
+                  <a:txBody>
+                    <a:bodyPr/>
+                    <a:p>
+                      <a:pPr algn="ctr">
+                        <a:defRPr/>
+                      </a:pPr>
+                      <a:r>
+                        <a:rPr sz="1100" b="0" i="0" u="none">
+                          <a:solidFill>
+                            <a:schemeClr val="bg1"/>
+                          </a:solidFill>
+                          <a:latin typeface="Calibri"/>
+                          <a:ea typeface="Calibri"/>
+                          <a:cs typeface="Calibri"/>
+                        </a:rPr>
+                        <a:t>% guadagno griglia</a:t>
+                      </a:r>
+                      <a:endParaRPr>
+                        <a:solidFill>
+                          <a:schemeClr val="bg1"/>
+                        </a:solidFill>
+                      </a:endParaRPr>
+                    </a:p>
+                  </a:txBody>
+                  <a:tcPr marL="0" marR="0" marT="0" marB="0" anchor="b">
+                    <a:lnL w="12700" algn="ctr">
+                      <a:noFill/>
+                    </a:lnL>
+                    <a:lnR w="12700" algn="ctr">
+                      <a:noFill/>
+                    </a:lnR>
+                    <a:lnT w="12700" algn="ctr">
+                      <a:noFill/>
+                    </a:lnT>
+                    <a:lnB w="12700" algn="ctr">
+                      <a:noFill/>
+                    </a:lnB>
+                  </a:tcPr>
+                </a:tc>
+                <a:tc>
+                  <a:txBody>
+                    <a:bodyPr/>
+                    <a:p>
+                      <a:pPr algn="ctr">
+                        <a:defRPr/>
+                      </a:pPr>
+                      <a:r>
+                        <a:rPr sz="1100" b="0" i="0" u="none">
+                          <a:solidFill>
+                            <a:srgbClr val="000000"/>
+                          </a:solidFill>
+                          <a:latin typeface="Calibri"/>
+                          <a:ea typeface="Calibri"/>
+                          <a:cs typeface="Calibri"/>
+                        </a:rPr>
+                        <a:t>Tassazione Reale</a:t>
+                      </a:r>
+                      <a:endParaRPr/>
+                    </a:p>
+                  </a:txBody>
+                  <a:tcPr marL="0" marR="0" marT="0" marB="0" anchor="b">
+                    <a:lnL w="12700" algn="ctr">
+                      <a:noFill/>
+                    </a:lnL>
+                    <a:lnR w="12700" algn="ctr">
+                      <a:noFill/>
+                    </a:lnR>
+                    <a:lnT w="12700" algn="ctr">
+                      <a:noFill/>
+                    </a:lnT>
+                    <a:lnB w="12700" algn="ctr">
+                      <a:noFill/>
+                    </a:lnB>
+                  </a:tcPr>
+                </a:tc>
+              </a:tr>
+              <a:tr h="184150">
+                <a:tc>
+                  <a:txBody>
+                    <a:bodyPr/>
+                    <a:p>
+                      <a:pPr algn="ctr">
+                        <a:defRPr/>
+                      </a:pPr>
+                      <a:r>
+                        <a:rPr sz="1200" b="0" i="0" u="none">
+                          <a:solidFill>
+                            <a:schemeClr val="bg1"/>
+                          </a:solidFill>
+                          <a:latin typeface="Times New Roman"/>
+                          <a:ea typeface="Times New Roman"/>
+                          <a:cs typeface="Times New Roman"/>
+                        </a:rPr>
+                        <a:t>1 %</a:t>
+                      </a:r>
+                      <a:endParaRPr>
+                        <a:solidFill>
+                          <a:schemeClr val="bg1"/>
+                        </a:solidFill>
+                      </a:endParaRPr>
+                    </a:p>
+                  </a:txBody>
+                  <a:tcPr marL="0" marR="0" marT="0" marB="0" anchor="ctr">
+                    <a:lnL w="12700" algn="ctr">
+                      <a:noFill/>
+                    </a:lnL>
+                    <a:lnR w="12700" algn="ctr">
+                      <a:noFill/>
+                    </a:lnR>
+                    <a:lnT w="12700" algn="ctr">
+                      <a:noFill/>
+                    </a:lnT>
+                    <a:lnB w="12700" algn="ctr">
+                      <a:noFill/>
+                    </a:lnB>
+                  </a:tcPr>
+                </a:tc>
+                <a:tc>
+                  <a:txBody>
+                    <a:bodyPr/>
+                    <a:p>
+                      <a:pPr algn="ctr">
+                        <a:defRPr/>
+                      </a:pPr>
+                      <a:r>
+                        <a:rPr sz="1200" b="0" i="0" u="none">
+                          <a:solidFill>
+                            <a:schemeClr val="tx1"/>
+                          </a:solidFill>
+                          <a:latin typeface="Times New Roman"/>
+                          <a:ea typeface="Times New Roman"/>
+                          <a:cs typeface="Times New Roman"/>
+                        </a:rPr>
+                        <a:t>39,67</a:t>
+                      </a:r>
+                      <a:r>
+                        <a:rPr lang="en-US" sz="1200" b="0" i="0" u="none" strike="noStrike" cap="none" spc="0">
+                          <a:solidFill>
+                            <a:schemeClr val="tx1"/>
+                          </a:solidFill>
+                          <a:latin typeface="Times New Roman"/>
+                          <a:ea typeface="Times New Roman"/>
+                          <a:cs typeface="Times New Roman"/>
+                        </a:rPr>
+                        <a:t> %</a:t>
+                      </a:r>
+                      <a:endParaRPr>
+                        <a:solidFill>
+                          <a:schemeClr val="tx1"/>
+                        </a:solidFill>
+                      </a:endParaRPr>
+                    </a:p>
+                  </a:txBody>
+                  <a:tcPr marL="0" marR="0" marT="0" marB="0" anchor="ctr">
+                    <a:lnL w="12700" algn="ctr">
+                      <a:noFill/>
+                    </a:lnL>
+                    <a:lnR w="12700" algn="ctr">
+                      <a:noFill/>
+                    </a:lnR>
+                    <a:lnT w="12700" algn="ctr">
+                      <a:noFill/>
+                    </a:lnT>
+                    <a:lnB w="12700" algn="ctr">
+                      <a:noFill/>
+                    </a:lnB>
+                  </a:tcPr>
+                </a:tc>
+              </a:tr>
+              <a:tr h="184150">
+                <a:tc>
+                  <a:txBody>
+                    <a:bodyPr/>
+                    <a:p>
+                      <a:pPr algn="ctr">
+                        <a:defRPr/>
+                      </a:pPr>
+                      <a:r>
+                        <a:rPr sz="1200" b="0" i="0" u="none">
+                          <a:solidFill>
+                            <a:schemeClr val="bg1"/>
+                          </a:solidFill>
+                          <a:latin typeface="Times New Roman"/>
+                          <a:ea typeface="Times New Roman"/>
+                          <a:cs typeface="Times New Roman"/>
+                        </a:rPr>
+                        <a:t>0,8</a:t>
+                      </a:r>
+                      <a:r>
+                        <a:rPr lang="en-US" sz="1200" b="0" i="0" u="none" strike="noStrike" cap="none" spc="0">
+                          <a:solidFill>
+                            <a:schemeClr val="bg1"/>
+                          </a:solidFill>
+                          <a:latin typeface="Times New Roman"/>
+                          <a:ea typeface="Times New Roman"/>
+                          <a:cs typeface="Times New Roman"/>
+                        </a:rPr>
+                        <a:t> %</a:t>
+                      </a:r>
+                      <a:endParaRPr>
+                        <a:solidFill>
+                          <a:schemeClr val="bg1"/>
+                        </a:solidFill>
+                      </a:endParaRPr>
+                    </a:p>
+                  </a:txBody>
+                  <a:tcPr marL="0" marR="0" marT="0" marB="0" anchor="ctr">
+                    <a:lnL w="12700" algn="ctr">
+                      <a:noFill/>
+                    </a:lnL>
+                    <a:lnR w="12700" algn="ctr">
+                      <a:noFill/>
+                    </a:lnR>
+                    <a:lnT w="12700" algn="ctr">
+                      <a:noFill/>
+                    </a:lnT>
+                    <a:lnB w="12700" algn="ctr">
+                      <a:noFill/>
+                    </a:lnB>
+                  </a:tcPr>
+                </a:tc>
+                <a:tc>
+                  <a:txBody>
+                    <a:bodyPr/>
+                    <a:p>
+                      <a:pPr algn="ctr">
+                        <a:defRPr/>
+                      </a:pPr>
+                      <a:r>
+                        <a:rPr sz="1200" b="0" i="0" u="none">
+                          <a:solidFill>
+                            <a:schemeClr val="tx1"/>
+                          </a:solidFill>
+                          <a:latin typeface="Times New Roman"/>
+                          <a:ea typeface="Times New Roman"/>
+                          <a:cs typeface="Times New Roman"/>
+                        </a:rPr>
+                        <a:t>41,27</a:t>
+                      </a:r>
+                      <a:r>
+                        <a:rPr lang="en-US" sz="1200" b="0" i="0" u="none" strike="noStrike" cap="none" spc="0">
+                          <a:solidFill>
+                            <a:schemeClr val="tx1"/>
+                          </a:solidFill>
+                          <a:latin typeface="Times New Roman"/>
+                          <a:ea typeface="Times New Roman"/>
+                          <a:cs typeface="Times New Roman"/>
+                        </a:rPr>
+                        <a:t> %</a:t>
+                      </a:r>
+                      <a:endParaRPr>
+                        <a:solidFill>
+                          <a:schemeClr val="tx1"/>
+                        </a:solidFill>
+                      </a:endParaRPr>
+                    </a:p>
+                  </a:txBody>
+                  <a:tcPr marL="0" marR="0" marT="0" marB="0" anchor="ctr">
+                    <a:lnL w="12700" algn="ctr">
+                      <a:noFill/>
+                    </a:lnL>
+                    <a:lnR w="12700" algn="ctr">
+                      <a:noFill/>
+                    </a:lnR>
+                    <a:lnT w="12700" algn="ctr">
+                      <a:noFill/>
+                    </a:lnT>
+                    <a:lnB w="12700" algn="ctr">
+                      <a:noFill/>
+                    </a:lnB>
+                  </a:tcPr>
+                </a:tc>
+              </a:tr>
+              <a:tr h="184150">
+                <a:tc>
+                  <a:txBody>
+                    <a:bodyPr/>
+                    <a:p>
+                      <a:pPr algn="ctr">
+                        <a:defRPr/>
+                      </a:pPr>
+                      <a:r>
+                        <a:rPr sz="1200" b="0" i="0" u="none">
+                          <a:solidFill>
+                            <a:schemeClr val="bg1"/>
+                          </a:solidFill>
+                          <a:latin typeface="Times New Roman"/>
+                          <a:ea typeface="Times New Roman"/>
+                          <a:cs typeface="Times New Roman"/>
+                        </a:rPr>
+                        <a:t>0,6</a:t>
+                      </a:r>
+                      <a:r>
+                        <a:rPr lang="en-US" sz="1200" b="0" i="0" u="none" strike="noStrike" cap="none" spc="0">
+                          <a:solidFill>
+                            <a:schemeClr val="bg1"/>
+                          </a:solidFill>
+                          <a:latin typeface="Times New Roman"/>
+                          <a:ea typeface="Times New Roman"/>
+                          <a:cs typeface="Times New Roman"/>
+                        </a:rPr>
+                        <a:t> %</a:t>
+                      </a:r>
+                      <a:endParaRPr>
+                        <a:solidFill>
+                          <a:schemeClr val="bg1"/>
+                        </a:solidFill>
+                      </a:endParaRPr>
+                    </a:p>
+                  </a:txBody>
+                  <a:tcPr marL="0" marR="0" marT="0" marB="0" anchor="ctr">
+                    <a:lnL w="12700" algn="ctr">
+                      <a:noFill/>
+                    </a:lnL>
+                    <a:lnR w="12700" algn="ctr">
+                      <a:noFill/>
+                    </a:lnR>
+                    <a:lnT w="12700" algn="ctr">
+                      <a:noFill/>
+                    </a:lnT>
+                    <a:lnB w="12700" algn="ctr">
+                      <a:noFill/>
+                    </a:lnB>
+                  </a:tcPr>
+                </a:tc>
+                <a:tc>
+                  <a:txBody>
+                    <a:bodyPr/>
+                    <a:p>
+                      <a:pPr algn="ctr">
+                        <a:defRPr/>
+                      </a:pPr>
+                      <a:r>
+                        <a:rPr sz="1200" b="0" i="0" u="none">
+                          <a:solidFill>
+                            <a:schemeClr val="tx1"/>
+                          </a:solidFill>
+                          <a:latin typeface="Times New Roman"/>
+                          <a:ea typeface="Times New Roman"/>
+                          <a:cs typeface="Times New Roman"/>
+                        </a:rPr>
+                        <a:t>43,59</a:t>
+                      </a:r>
+                      <a:r>
+                        <a:rPr lang="en-US" sz="1200" b="0" i="0" u="none" strike="noStrike" cap="none" spc="0">
+                          <a:solidFill>
+                            <a:schemeClr val="tx1"/>
+                          </a:solidFill>
+                          <a:latin typeface="Times New Roman"/>
+                          <a:ea typeface="Times New Roman"/>
+                          <a:cs typeface="Times New Roman"/>
+                        </a:rPr>
+                        <a:t> %</a:t>
+                      </a:r>
+                      <a:endParaRPr>
+                        <a:solidFill>
+                          <a:schemeClr val="tx1"/>
+                        </a:solidFill>
+                      </a:endParaRPr>
+                    </a:p>
+                  </a:txBody>
+                  <a:tcPr marL="0" marR="0" marT="0" marB="0" anchor="ctr">
+                    <a:lnL w="12700" algn="ctr">
+                      <a:noFill/>
+                    </a:lnL>
+                    <a:lnR w="12700" algn="ctr">
+                      <a:noFill/>
+                    </a:lnR>
+                    <a:lnT w="12700" algn="ctr">
+                      <a:noFill/>
+                    </a:lnT>
+                    <a:lnB w="12700" algn="ctr">
+                      <a:noFill/>
+                    </a:lnB>
+                  </a:tcPr>
+                </a:tc>
+              </a:tr>
+              <a:tr h="177800">
+                <a:tc>
+                  <a:txBody>
+                    <a:bodyPr/>
+                    <a:p>
+                      <a:pPr algn="ctr">
+                        <a:defRPr/>
+                      </a:pPr>
+                      <a:r>
+                        <a:rPr sz="1200" b="0" i="0" u="none">
+                          <a:solidFill>
+                            <a:schemeClr val="bg1"/>
+                          </a:solidFill>
+                          <a:latin typeface="Times New Roman"/>
+                          <a:ea typeface="Times New Roman"/>
+                          <a:cs typeface="Times New Roman"/>
+                        </a:rPr>
+                        <a:t>0,5</a:t>
+                      </a:r>
+                      <a:r>
+                        <a:rPr lang="en-US" sz="1200" b="0" i="0" u="none" strike="noStrike" cap="none" spc="0">
+                          <a:solidFill>
+                            <a:schemeClr val="bg1"/>
+                          </a:solidFill>
+                          <a:latin typeface="Times New Roman"/>
+                          <a:ea typeface="Times New Roman"/>
+                          <a:cs typeface="Times New Roman"/>
+                        </a:rPr>
+                        <a:t> %</a:t>
+                      </a:r>
+                      <a:endParaRPr>
+                        <a:solidFill>
+                          <a:schemeClr val="bg1"/>
+                        </a:solidFill>
+                      </a:endParaRPr>
+                    </a:p>
+                  </a:txBody>
+                  <a:tcPr marL="0" marR="0" marT="0" marB="0" anchor="ctr">
+                    <a:lnL w="12700" algn="ctr">
+                      <a:noFill/>
+                    </a:lnL>
+                    <a:lnR w="12700" algn="ctr">
+                      <a:noFill/>
+                    </a:lnR>
+                    <a:lnT w="12700" algn="ctr">
+                      <a:noFill/>
+                    </a:lnT>
+                    <a:lnB w="12700" algn="ctr">
+                      <a:noFill/>
+                    </a:lnB>
+                  </a:tcPr>
+                </a:tc>
+                <a:tc>
+                  <a:txBody>
+                    <a:bodyPr/>
+                    <a:p>
+                      <a:pPr algn="ctr">
+                        <a:defRPr/>
+                      </a:pPr>
+                      <a:r>
+                        <a:rPr sz="1200" b="0" i="0" u="none">
+                          <a:solidFill>
+                            <a:schemeClr val="tx1"/>
+                          </a:solidFill>
+                          <a:latin typeface="Times New Roman"/>
+                          <a:ea typeface="Times New Roman"/>
+                          <a:cs typeface="Times New Roman"/>
+                        </a:rPr>
+                        <a:t>46,29</a:t>
+                      </a:r>
+                      <a:r>
+                        <a:rPr lang="en-US" sz="1200" b="0" i="0" u="none" strike="noStrike" cap="none" spc="0">
+                          <a:solidFill>
+                            <a:schemeClr val="tx1"/>
+                          </a:solidFill>
+                          <a:latin typeface="Times New Roman"/>
+                          <a:ea typeface="Times New Roman"/>
+                          <a:cs typeface="Times New Roman"/>
+                        </a:rPr>
+                        <a:t> %</a:t>
+                      </a:r>
+                      <a:r>
+                        <a:rPr lang="en-US" sz="1800" b="0" i="0" u="none" strike="noStrike" cap="none" spc="0">
+                          <a:solidFill>
+                            <a:schemeClr val="tx1"/>
+                          </a:solidFill>
+                          <a:latin typeface="Times New Roman"/>
+                          <a:ea typeface="Times New Roman"/>
+                          <a:cs typeface="Times New Roman"/>
+                        </a:rPr>
+                        <a:t> </a:t>
+                      </a:r>
+                      <a:endParaRPr>
+                        <a:solidFill>
+                          <a:schemeClr val="tx1"/>
+                        </a:solidFill>
+                      </a:endParaRPr>
+                    </a:p>
+                  </a:txBody>
+                  <a:tcPr marL="0" marR="0" marT="0" marB="0" anchor="ctr">
+                    <a:lnL w="12700" algn="ctr">
+                      <a:noFill/>
+                    </a:lnL>
+                    <a:lnR w="12700" algn="ctr">
+                      <a:noFill/>
+                    </a:lnR>
+                    <a:lnT w="12700" algn="ctr">
+                      <a:noFill/>
+                    </a:lnT>
+                    <a:lnB w="12700" algn="ctr">
+                      <a:noFill/>
+                    </a:lnB>
+                  </a:tcPr>
+                </a:tc>
+              </a:tr>
+              <a:tr h="184150">
+                <a:tc>
+                  <a:txBody>
+                    <a:bodyPr/>
+                    <a:p>
+                      <a:pPr algn="ctr">
+                        <a:defRPr/>
+                      </a:pPr>
+                      <a:r>
+                        <a:rPr sz="1200" b="0" i="0" u="none">
+                          <a:solidFill>
+                            <a:schemeClr val="bg1"/>
+                          </a:solidFill>
+                          <a:latin typeface="Times New Roman"/>
+                          <a:ea typeface="Times New Roman"/>
+                          <a:cs typeface="Times New Roman"/>
+                        </a:rPr>
+                        <a:t>0,4</a:t>
+                      </a:r>
+                      <a:r>
+                        <a:rPr lang="en-US" sz="1200" b="0" i="0" u="none" strike="noStrike" cap="none" spc="0">
+                          <a:solidFill>
+                            <a:schemeClr val="bg1"/>
+                          </a:solidFill>
+                          <a:latin typeface="Times New Roman"/>
+                          <a:ea typeface="Times New Roman"/>
+                          <a:cs typeface="Times New Roman"/>
+                        </a:rPr>
+                        <a:t> %</a:t>
+                      </a:r>
+                      <a:endParaRPr>
+                        <a:solidFill>
+                          <a:schemeClr val="bg1"/>
+                        </a:solidFill>
+                      </a:endParaRPr>
+                    </a:p>
+                  </a:txBody>
+                  <a:tcPr marL="0" marR="0" marT="0" marB="0" anchor="ctr">
+                    <a:lnL w="12700" algn="ctr">
+                      <a:noFill/>
+                    </a:lnL>
+                    <a:lnR w="12700" algn="ctr">
+                      <a:noFill/>
+                    </a:lnR>
+                    <a:lnT w="12700" algn="ctr">
+                      <a:noFill/>
+                    </a:lnT>
+                    <a:lnB w="12700" algn="ctr">
+                      <a:noFill/>
+                    </a:lnB>
+                  </a:tcPr>
+                </a:tc>
+                <a:tc>
+                  <a:txBody>
+                    <a:bodyPr/>
+                    <a:p>
+                      <a:pPr algn="ctr">
+                        <a:defRPr/>
+                      </a:pPr>
+                      <a:r>
+                        <a:rPr sz="1200" b="0" i="0" u="none">
+                          <a:solidFill>
+                            <a:schemeClr val="tx1"/>
+                          </a:solidFill>
+                          <a:latin typeface="Times New Roman"/>
+                          <a:ea typeface="Times New Roman"/>
+                          <a:cs typeface="Times New Roman"/>
+                        </a:rPr>
+                        <a:t>49,60</a:t>
+                      </a:r>
+                      <a:r>
+                        <a:rPr lang="en-US" sz="1200" b="0" i="0" u="none" strike="noStrike" cap="none" spc="0">
+                          <a:solidFill>
+                            <a:schemeClr val="tx1"/>
+                          </a:solidFill>
+                          <a:latin typeface="Times New Roman"/>
+                          <a:ea typeface="Times New Roman"/>
+                          <a:cs typeface="Times New Roman"/>
+                        </a:rPr>
+                        <a:t> %</a:t>
+                      </a:r>
+                      <a:endParaRPr>
+                        <a:solidFill>
+                          <a:schemeClr val="tx1"/>
+                        </a:solidFill>
+                      </a:endParaRPr>
+                    </a:p>
+                  </a:txBody>
+                  <a:tcPr marL="0" marR="0" marT="0" marB="0" anchor="ctr">
+                    <a:lnL w="12700" algn="ctr">
+                      <a:noFill/>
+                    </a:lnL>
+                    <a:lnR w="12700" algn="ctr">
+                      <a:noFill/>
+                    </a:lnR>
+                    <a:lnT w="12700" algn="ctr">
+                      <a:noFill/>
+                    </a:lnT>
+                    <a:lnB w="12700" algn="ctr">
+                      <a:noFill/>
+                    </a:lnB>
+                  </a:tcPr>
+                </a:tc>
+              </a:tr>
+              <a:tr h="184150">
+                <a:tc>
+                  <a:txBody>
+                    <a:bodyPr/>
+                    <a:p>
+                      <a:pPr algn="ctr">
+                        <a:defRPr/>
+                      </a:pPr>
+                      <a:r>
+                        <a:rPr sz="1200" b="0" i="0" u="none">
+                          <a:solidFill>
+                            <a:schemeClr val="bg1"/>
+                          </a:solidFill>
+                          <a:latin typeface="Times New Roman"/>
+                          <a:ea typeface="Times New Roman"/>
+                          <a:cs typeface="Times New Roman"/>
+                        </a:rPr>
+                        <a:t>0,3</a:t>
+                      </a:r>
+                      <a:r>
+                        <a:rPr lang="en-US" sz="1200" b="0" i="0" u="none" strike="noStrike" cap="none" spc="0">
+                          <a:solidFill>
+                            <a:schemeClr val="bg1"/>
+                          </a:solidFill>
+                          <a:latin typeface="Times New Roman"/>
+                          <a:ea typeface="Times New Roman"/>
+                          <a:cs typeface="Times New Roman"/>
+                        </a:rPr>
+                        <a:t> %</a:t>
+                      </a:r>
+                      <a:endParaRPr>
+                        <a:solidFill>
+                          <a:schemeClr val="bg1"/>
+                        </a:solidFill>
+                      </a:endParaRPr>
+                    </a:p>
+                  </a:txBody>
+                  <a:tcPr marL="0" marR="0" marT="0" marB="0" anchor="ctr">
+                    <a:lnL w="12700" algn="ctr">
+                      <a:noFill/>
+                    </a:lnL>
+                    <a:lnR w="12700" algn="ctr">
+                      <a:noFill/>
+                    </a:lnR>
+                    <a:lnT w="12700" algn="ctr">
+                      <a:noFill/>
+                    </a:lnT>
+                    <a:lnB w="12700" algn="ctr">
+                      <a:noFill/>
+                    </a:lnB>
+                  </a:tcPr>
+                </a:tc>
+                <a:tc>
+                  <a:txBody>
+                    <a:bodyPr/>
+                    <a:p>
+                      <a:pPr algn="ctr">
+                        <a:defRPr/>
+                      </a:pPr>
+                      <a:r>
+                        <a:rPr sz="1200" b="0" i="0" u="none">
+                          <a:solidFill>
+                            <a:schemeClr val="tx1"/>
+                          </a:solidFill>
+                          <a:latin typeface="Times New Roman"/>
+                          <a:ea typeface="Times New Roman"/>
+                          <a:cs typeface="Times New Roman"/>
+                        </a:rPr>
+                        <a:t>55,11</a:t>
+                      </a:r>
+                      <a:r>
+                        <a:rPr lang="en-US" sz="1200" b="0" i="0" u="none" strike="noStrike" cap="none" spc="0">
+                          <a:solidFill>
+                            <a:schemeClr val="tx1"/>
+                          </a:solidFill>
+                          <a:latin typeface="Times New Roman"/>
+                          <a:ea typeface="Times New Roman"/>
+                          <a:cs typeface="Times New Roman"/>
+                        </a:rPr>
+                        <a:t> %</a:t>
+                      </a:r>
+                      <a:endParaRPr>
+                        <a:solidFill>
+                          <a:schemeClr val="tx1"/>
+                        </a:solidFill>
+                      </a:endParaRPr>
+                    </a:p>
+                  </a:txBody>
+                  <a:tcPr marL="0" marR="0" marT="0" marB="0" anchor="ctr">
+                    <a:lnL w="12700" algn="ctr">
+                      <a:noFill/>
+                    </a:lnL>
+                    <a:lnR w="12700" algn="ctr">
+                      <a:noFill/>
+                    </a:lnR>
+                    <a:lnT w="12700" algn="ctr">
+                      <a:noFill/>
+                    </a:lnT>
+                    <a:lnB w="12700" algn="ctr">
+                      <a:noFill/>
+                    </a:lnB>
+                  </a:tcPr>
+                </a:tc>
+              </a:tr>
+              <a:tr h="184150">
+                <a:tc>
+                  <a:txBody>
+                    <a:bodyPr/>
+                    <a:p>
+                      <a:pPr algn="ctr">
+                        <a:defRPr/>
+                      </a:pPr>
+                      <a:r>
+                        <a:rPr sz="1200" b="0" i="0" u="none">
+                          <a:solidFill>
+                            <a:schemeClr val="bg1"/>
+                          </a:solidFill>
+                          <a:latin typeface="Times New Roman"/>
+                          <a:ea typeface="Times New Roman"/>
+                          <a:cs typeface="Times New Roman"/>
+                        </a:rPr>
+                        <a:t>0,2</a:t>
+                      </a:r>
+                      <a:r>
+                        <a:rPr lang="en-US" sz="1200" b="0" i="0" u="none" strike="noStrike" cap="none" spc="0">
+                          <a:solidFill>
+                            <a:schemeClr val="bg1"/>
+                          </a:solidFill>
+                          <a:latin typeface="Times New Roman"/>
+                          <a:ea typeface="Times New Roman"/>
+                          <a:cs typeface="Times New Roman"/>
+                        </a:rPr>
+                        <a:t> %</a:t>
+                      </a:r>
+                      <a:endParaRPr>
+                        <a:solidFill>
+                          <a:schemeClr val="bg1"/>
+                        </a:solidFill>
+                      </a:endParaRPr>
+                    </a:p>
+                  </a:txBody>
+                  <a:tcPr marL="0" marR="0" marT="0" marB="0" anchor="ctr">
+                    <a:lnL w="12700" algn="ctr">
+                      <a:noFill/>
+                    </a:lnL>
+                    <a:lnR w="12700" algn="ctr">
+                      <a:noFill/>
+                    </a:lnR>
+                    <a:lnT w="12700" algn="ctr">
+                      <a:noFill/>
+                    </a:lnT>
+                    <a:lnB w="12700" algn="ctr">
+                      <a:noFill/>
+                    </a:lnB>
+                  </a:tcPr>
+                </a:tc>
+                <a:tc>
+                  <a:txBody>
+                    <a:bodyPr/>
+                    <a:p>
+                      <a:pPr algn="ctr">
+                        <a:defRPr/>
+                      </a:pPr>
+                      <a:r>
+                        <a:rPr sz="1200" b="0" i="0" u="none">
+                          <a:solidFill>
+                            <a:schemeClr val="tx1"/>
+                          </a:solidFill>
+                          <a:latin typeface="Times New Roman"/>
+                          <a:ea typeface="Times New Roman"/>
+                          <a:cs typeface="Times New Roman"/>
+                        </a:rPr>
+                        <a:t>66,13</a:t>
+                      </a:r>
+                      <a:r>
+                        <a:rPr lang="en-US" sz="1200" b="0" i="0" u="none" strike="noStrike" cap="none" spc="0">
+                          <a:solidFill>
+                            <a:schemeClr val="tx1"/>
+                          </a:solidFill>
+                          <a:latin typeface="Times New Roman"/>
+                          <a:ea typeface="Times New Roman"/>
+                          <a:cs typeface="Times New Roman"/>
+                        </a:rPr>
+                        <a:t> %</a:t>
+                      </a:r>
+                      <a:endParaRPr>
+                        <a:solidFill>
+                          <a:schemeClr val="tx1"/>
+                        </a:solidFill>
+                      </a:endParaRPr>
+                    </a:p>
+                  </a:txBody>
+                  <a:tcPr marL="0" marR="0" marT="0" marB="0" anchor="ctr">
+                    <a:lnL w="12700" algn="ctr">
+                      <a:noFill/>
+                    </a:lnL>
+                    <a:lnR w="12700" algn="ctr">
+                      <a:noFill/>
+                    </a:lnR>
+                    <a:lnT w="12700" algn="ctr">
+                      <a:noFill/>
+                    </a:lnT>
+                    <a:lnB w="12700" algn="ctr">
+                      <a:noFill/>
+                    </a:lnB>
+                  </a:tcPr>
+                </a:tc>
+              </a:tr>
+              <a:tr h="184150">
+                <a:tc>
+                  <a:txBody>
+                    <a:bodyPr/>
+                    <a:p>
+                      <a:pPr algn="ctr">
+                        <a:defRPr/>
+                      </a:pPr>
+                      <a:r>
+                        <a:rPr sz="1200" b="0" i="0" u="none">
+                          <a:solidFill>
+                            <a:schemeClr val="bg1"/>
+                          </a:solidFill>
+                          <a:latin typeface="Times New Roman"/>
+                          <a:ea typeface="Times New Roman"/>
+                          <a:cs typeface="Times New Roman"/>
+                        </a:rPr>
+                        <a:t>0,15</a:t>
+                      </a:r>
+                      <a:r>
+                        <a:rPr lang="en-US" sz="1200" b="0" i="0" u="none" strike="noStrike" cap="none" spc="0">
+                          <a:solidFill>
+                            <a:schemeClr val="bg1"/>
+                          </a:solidFill>
+                          <a:latin typeface="Times New Roman"/>
+                          <a:ea typeface="Times New Roman"/>
+                          <a:cs typeface="Times New Roman"/>
+                        </a:rPr>
+                        <a:t> %</a:t>
+                      </a:r>
+                      <a:endParaRPr>
+                        <a:solidFill>
+                          <a:schemeClr val="bg1"/>
+                        </a:solidFill>
+                      </a:endParaRPr>
+                    </a:p>
+                  </a:txBody>
+                  <a:tcPr marL="0" marR="0" marT="0" marB="0" anchor="ctr">
+                    <a:lnL w="12700" algn="ctr">
+                      <a:noFill/>
+                    </a:lnL>
+                    <a:lnR w="12700" algn="ctr">
+                      <a:noFill/>
+                    </a:lnR>
+                    <a:lnT w="12700" algn="ctr">
+                      <a:noFill/>
+                    </a:lnT>
+                    <a:lnB w="12700" algn="ctr">
+                      <a:noFill/>
+                    </a:lnB>
+                  </a:tcPr>
+                </a:tc>
+                <a:tc>
+                  <a:txBody>
+                    <a:bodyPr/>
+                    <a:p>
+                      <a:pPr algn="ctr">
+                        <a:defRPr/>
+                      </a:pPr>
+                      <a:r>
+                        <a:rPr sz="1200" b="0" i="0" u="none">
+                          <a:solidFill>
+                            <a:schemeClr val="tx1"/>
+                          </a:solidFill>
+                          <a:latin typeface="Times New Roman"/>
+                          <a:ea typeface="Times New Roman"/>
+                          <a:cs typeface="Times New Roman"/>
+                        </a:rPr>
+                        <a:t>77,15</a:t>
+                      </a:r>
+                      <a:r>
+                        <a:rPr lang="en-US" sz="1200" b="0" i="0" u="none" strike="noStrike" cap="none" spc="0">
+                          <a:solidFill>
+                            <a:schemeClr val="tx1"/>
+                          </a:solidFill>
+                          <a:latin typeface="Times New Roman"/>
+                          <a:ea typeface="Times New Roman"/>
+                          <a:cs typeface="Times New Roman"/>
+                        </a:rPr>
+                        <a:t> %</a:t>
+                      </a:r>
+                      <a:endParaRPr>
+                        <a:solidFill>
+                          <a:schemeClr val="tx1"/>
+                        </a:solidFill>
+                      </a:endParaRPr>
+                    </a:p>
+                  </a:txBody>
+                  <a:tcPr marL="0" marR="0" marT="0" marB="0" anchor="ctr">
+                    <a:lnL w="12700" algn="ctr">
+                      <a:noFill/>
+                    </a:lnL>
+                    <a:lnR w="12700" algn="ctr">
+                      <a:noFill/>
+                    </a:lnR>
+                    <a:lnT w="12700" algn="ctr">
+                      <a:noFill/>
+                    </a:lnT>
+                    <a:lnB w="12700" algn="ctr">
+                      <a:noFill/>
+                    </a:lnB>
+                  </a:tcPr>
+                </a:tc>
+              </a:tr>
+              <a:tr h="184150">
+                <a:tc>
+                  <a:txBody>
+                    <a:bodyPr/>
+                    <a:p>
+                      <a:pPr algn="ctr">
+                        <a:defRPr/>
+                      </a:pPr>
+                      <a:r>
+                        <a:rPr sz="1200" b="0" i="0" u="none">
+                          <a:solidFill>
+                            <a:schemeClr val="bg1"/>
+                          </a:solidFill>
+                          <a:latin typeface="Times New Roman"/>
+                          <a:ea typeface="Times New Roman"/>
+                          <a:cs typeface="Times New Roman"/>
+                        </a:rPr>
+                        <a:t>0,1</a:t>
+                      </a:r>
+                      <a:r>
+                        <a:rPr lang="en-US" sz="1200" b="0" i="0" u="none" strike="noStrike" cap="none" spc="0">
+                          <a:solidFill>
+                            <a:schemeClr val="bg1"/>
+                          </a:solidFill>
+                          <a:latin typeface="Times New Roman"/>
+                          <a:ea typeface="Times New Roman"/>
+                          <a:cs typeface="Times New Roman"/>
+                        </a:rPr>
+                        <a:t> %</a:t>
+                      </a:r>
+                      <a:endParaRPr>
+                        <a:solidFill>
+                          <a:schemeClr val="bg1"/>
+                        </a:solidFill>
+                      </a:endParaRPr>
+                    </a:p>
+                  </a:txBody>
+                  <a:tcPr marL="0" marR="0" marT="0" marB="0" anchor="ctr">
+                    <a:lnL w="12700" algn="ctr">
+                      <a:noFill/>
+                    </a:lnL>
+                    <a:lnR w="12700" algn="ctr">
+                      <a:noFill/>
+                    </a:lnR>
+                    <a:lnT w="12700" algn="ctr">
+                      <a:noFill/>
+                    </a:lnT>
+                    <a:lnB w="12700" algn="ctr">
+                      <a:noFill/>
+                    </a:lnB>
+                  </a:tcPr>
+                </a:tc>
+                <a:tc>
+                  <a:txBody>
+                    <a:bodyPr/>
+                    <a:p>
+                      <a:pPr algn="ctr">
+                        <a:defRPr/>
+                      </a:pPr>
+                      <a:r>
+                        <a:rPr sz="1200" b="0" i="0" u="none">
+                          <a:solidFill>
+                            <a:schemeClr val="tx1"/>
+                          </a:solidFill>
+                          <a:latin typeface="Times New Roman"/>
+                          <a:ea typeface="Times New Roman"/>
+                          <a:cs typeface="Times New Roman"/>
+                        </a:rPr>
+                        <a:t>99,20</a:t>
+                      </a:r>
+                      <a:r>
+                        <a:rPr lang="en-US" sz="1200" b="0" i="0" u="none" strike="noStrike" cap="none" spc="0">
+                          <a:solidFill>
+                            <a:schemeClr val="tx1"/>
+                          </a:solidFill>
+                          <a:latin typeface="Times New Roman"/>
+                          <a:ea typeface="Times New Roman"/>
+                          <a:cs typeface="Times New Roman"/>
+                        </a:rPr>
+                        <a:t> %</a:t>
+                      </a:r>
+                      <a:endParaRPr>
+                        <a:solidFill>
+                          <a:schemeClr val="tx1"/>
+                        </a:solidFill>
+                      </a:endParaRPr>
+                    </a:p>
+                  </a:txBody>
+                  <a:tcPr marL="0" marR="0" marT="0" marB="0" anchor="ctr">
+                    <a:lnL w="12700" algn="ctr">
+                      <a:noFill/>
+                    </a:lnL>
+                    <a:lnR w="12700" algn="ctr">
+                      <a:noFill/>
+                    </a:lnR>
+                    <a:lnT w="12700" algn="ctr">
+                      <a:noFill/>
+                    </a:lnT>
+                    <a:lnB w="12700" algn="ctr">
+                      <a:noFill/>
+                    </a:lnB>
+                  </a:tcPr>
+                </a:tc>
+              </a:tr>
+              <a:tr h="184150">
+                <a:tc>
+                  <a:txBody>
+                    <a:bodyPr/>
+                    <a:p>
+                      <a:pPr algn="ctr">
+                        <a:defRPr/>
+                      </a:pPr>
+                      <a:r>
+                        <a:rPr sz="1200" b="0" i="0" u="none">
+                          <a:solidFill>
+                            <a:schemeClr val="bg1"/>
+                          </a:solidFill>
+                          <a:latin typeface="Times New Roman"/>
+                          <a:ea typeface="Times New Roman"/>
+                          <a:cs typeface="Times New Roman"/>
+                        </a:rPr>
+                        <a:t>0,02</a:t>
+                      </a:r>
+                      <a:r>
+                        <a:rPr lang="en-US" sz="1200" b="0" i="0" u="none" strike="noStrike" cap="none" spc="0">
+                          <a:solidFill>
+                            <a:schemeClr val="bg1"/>
+                          </a:solidFill>
+                          <a:latin typeface="Times New Roman"/>
+                          <a:ea typeface="Times New Roman"/>
+                          <a:cs typeface="Times New Roman"/>
+                        </a:rPr>
+                        <a:t> %</a:t>
+                      </a:r>
+                      <a:endParaRPr>
+                        <a:solidFill>
+                          <a:schemeClr val="bg1"/>
+                        </a:solidFill>
+                      </a:endParaRPr>
+                    </a:p>
+                  </a:txBody>
+                  <a:tcPr marL="0" marR="0" marT="0" marB="0" anchor="ctr">
+                    <a:lnL w="12700" algn="ctr">
+                      <a:noFill/>
+                    </a:lnL>
+                    <a:lnR w="12700" algn="ctr">
+                      <a:noFill/>
+                    </a:lnR>
+                    <a:lnT w="12700" algn="ctr">
+                      <a:noFill/>
+                    </a:lnT>
+                    <a:lnB w="12700" algn="ctr">
+                      <a:noFill/>
+                    </a:lnB>
+                  </a:tcPr>
+                </a:tc>
+                <a:tc>
+                  <a:txBody>
+                    <a:bodyPr/>
+                    <a:p>
+                      <a:pPr algn="ctr">
+                        <a:defRPr/>
+                      </a:pPr>
+                      <a:r>
+                        <a:rPr sz="1200" b="0" i="0" u="none">
+                          <a:solidFill>
+                            <a:schemeClr val="tx1"/>
+                          </a:solidFill>
+                          <a:latin typeface="Times New Roman"/>
+                          <a:ea typeface="Times New Roman"/>
+                          <a:cs typeface="Times New Roman"/>
+                        </a:rPr>
+                        <a:t>363,73</a:t>
+                      </a:r>
+                      <a:r>
+                        <a:rPr lang="en-US" sz="1200" b="0" i="0" u="none" strike="noStrike" cap="none" spc="0">
+                          <a:solidFill>
+                            <a:schemeClr val="tx1"/>
+                          </a:solidFill>
+                          <a:latin typeface="Times New Roman"/>
+                          <a:ea typeface="Times New Roman"/>
+                          <a:cs typeface="Times New Roman"/>
+                        </a:rPr>
+                        <a:t> %</a:t>
+                      </a:r>
+                      <a:endParaRPr>
+                        <a:solidFill>
+                          <a:schemeClr val="tx1"/>
+                        </a:solidFill>
+                      </a:endParaRPr>
+                    </a:p>
+                  </a:txBody>
+                  <a:tcPr marL="0" marR="0" marT="0" marB="0" anchor="ctr">
+                    <a:lnL w="12700" algn="ctr">
+                      <a:noFill/>
+                    </a:lnL>
+                    <a:lnR w="12700" algn="ctr">
+                      <a:noFill/>
+                    </a:lnR>
+                    <a:lnT w="12700" algn="ctr">
+                      <a:noFill/>
+                    </a:lnT>
+                    <a:lnB w="12700" algn="ctr">
+                      <a:noFill/>
+                    </a:lnB>
+                  </a:tcPr>
+                </a:tc>
+              </a:tr>
+            </a:tbl>
+          </a:graphicData>
+        </a:graphic>
+      </p:graphicFrame>
+    </p:spTree>
+  </p:cSld>
+  <p:clrMapOvr>
+    <a:masterClrMapping/>
+  </p:clrMapOvr>
+  <mc:AlternateContent xmlns:mc="http://schemas.openxmlformats.org/markup-compatibility/2006">
+    <mc:Choice xmlns:p159="http://schemas.microsoft.com/office/powerpoint/2015/09/main" xmlns:p14="http://schemas.microsoft.com/office/powerpoint/2010/main" Requires="p159">
+      <p:transition p14:dur="2000" advClick="1"/>
+    </mc:Choice>
+    <mc:Fallback>
+      <p:transition advClick="1"/>
+    </mc:Fallback>
+  </mc:AlternateContent>
+</p:sld>
+</file>
+
+<file path=ppt/slides/slide12.xml><?xml version="1.0" encoding="utf-8"?>
+<p:sld xmlns:a="http://schemas.openxmlformats.org/drawingml/2006/main" xmlns:r="http://schemas.openxmlformats.org/officeDocument/2006/relationships" xmlns:p="http://schemas.openxmlformats.org/presentationml/2006/main" xmlns:m="http://schemas.openxmlformats.org/officeDocument/2006/math" xmlns:w="http://schemas.openxmlformats.org/wordprocessingml/2006/main" xmlns:mc="http://schemas.openxmlformats.org/markup-compatibility/2006" showMasterPhAnim="0" showMasterSp="1" show="1">
+  <p:cSld name="Slide 5">
+    <p:bg>
+      <p:bgPr shadeToTitle="0">
+        <a:solidFill>
+          <a:srgbClr val="0F172A"/>
+        </a:solidFill>
+      </p:bgPr>
+    </p:bg>
+    <p:spTree>
+      <p:nvGrpSpPr>
+        <p:cNvPr id="1" name=""/>
+        <p:cNvGrpSpPr/>
+        <p:nvPr/>
+      </p:nvGrpSpPr>
+      <p:grpSpPr bwMode="auto">
+        <a:xfrm>
+          <a:off x="0" y="0"/>
+          <a:ext cx="0" cy="0"/>
+          <a:chOff x="0" y="0"/>
+          <a:chExt cx="0" cy="0"/>
+        </a:xfrm>
+      </p:grpSpPr>
+      <p:sp>
+        <p:nvSpPr>
+          <p:cNvPr id="1254710707" name="Text 0"/>
+          <p:cNvSpPr/>
+          <p:nvPr/>
+        </p:nvSpPr>
+        <p:spPr bwMode="auto">
+          <a:xfrm>
+            <a:off x="609599" y="609599"/>
+            <a:ext cx="8083296" cy="411459"/>
+          </a:xfrm>
+          <a:prstGeom prst="rect">
+            <a:avLst/>
+          </a:prstGeom>
+          <a:noFill/>
+          <a:ln/>
+        </p:spPr>
+        <p:txBody>
+          <a:bodyPr wrap="square" lIns="0" tIns="0" rIns="0" bIns="0" rtlCol="0" anchor="t"/>
+          <a:lstStyle/>
+          <a:p>
+            <a:pPr marL="0" indent="0">
+              <a:lnSpc>
+                <a:spcPts val="3239"/>
+              </a:lnSpc>
+              <a:buNone/>
+              <a:defRPr/>
+            </a:pPr>
+            <a:r>
+              <a:rPr lang="en-US" sz="2700" b="1">
+                <a:solidFill>
+                  <a:srgbClr val="38BDF8"/>
+                </a:solidFill>
+                <a:latin typeface="Arial"/>
+                <a:ea typeface="Arial"/>
+                <a:cs typeface="Arial"/>
+              </a:rPr>
+              <a:t>Attenzione ai gridbot (Esempio Pratico 1)</a:t>
+            </a:r>
+            <a:r>
+              <a:rPr lang="en-US" sz="2700"/>
+              <a:t>  </a:t>
+            </a:r>
+            <a:endParaRPr lang="en-US" sz="2700"/>
+          </a:p>
+        </p:txBody>
+      </p:sp>
+      <p:sp>
+        <p:nvSpPr>
+          <p:cNvPr id="1439058577" name="Text 1"/>
+          <p:cNvSpPr/>
+          <p:nvPr/>
+        </p:nvSpPr>
+        <p:spPr bwMode="auto">
+          <a:xfrm flipH="0" flipV="0">
+            <a:off x="914399" y="1249660"/>
+            <a:ext cx="7619999" cy="3872672"/>
+          </a:xfrm>
+          <a:prstGeom prst="rect">
+            <a:avLst/>
+          </a:prstGeom>
+          <a:noFill/>
+          <a:ln/>
+        </p:spPr>
+        <p:txBody>
+          <a:bodyPr wrap="square" lIns="0" tIns="0" rIns="0" bIns="0" rtlCol="0" anchor="t"/>
+          <a:lstStyle/>
+          <a:p>
+            <a:pPr marL="342900" indent="-342900">
+              <a:lnSpc>
+                <a:spcPts val="2429"/>
+              </a:lnSpc>
+              <a:buSzPct val="100000"/>
+              <a:buChar char="•"/>
+              <a:defRPr/>
+            </a:pPr>
+            <a:r>
+              <a:rPr lang="en-US" sz="1350" b="0" i="0" u="none" strike="noStrike" cap="none" spc="0">
+                <a:solidFill>
+                  <a:srgbClr val="CBD5E1"/>
+                </a:solidFill>
+                <a:latin typeface="Arial"/>
+                <a:ea typeface="Arial"/>
+                <a:cs typeface="Arial"/>
+              </a:rPr>
+              <a:t>Esempio su Binance (1 operazione completa su griglia, guadagno lordo 0,7% che equivale ad un guadagno netto griglia di circa 0,5%)</a:t>
+            </a:r>
+            <a:endParaRPr lang="en-US" sz="1350" b="0" i="0" u="none" strike="noStrike" cap="none" spc="0">
+              <a:solidFill>
+                <a:srgbClr val="CBD5E1"/>
+              </a:solidFill>
+              <a:latin typeface="Times New Roman"/>
+              <a:cs typeface="Times New Roman"/>
+            </a:endParaRPr>
+          </a:p>
+          <a:p>
+            <a:pPr>
+              <a:lnSpc>
+                <a:spcPts val="2429"/>
+              </a:lnSpc>
+              <a:defRPr/>
+            </a:pPr>
+            <a:r>
+              <a:rPr lang="en-US" sz="1350" b="0" i="0" u="none" strike="noStrike" cap="none" spc="0">
+                <a:solidFill>
+                  <a:srgbClr val="CBD5E1"/>
+                </a:solidFill>
+                <a:latin typeface="Arial"/>
+                <a:ea typeface="Arial"/>
+                <a:cs typeface="Arial"/>
+              </a:rPr>
+              <a:t>Compro 100 Euro di BTC quando stanno a 100.000</a:t>
+            </a:r>
+            <a:endParaRPr lang="en-US" sz="1350" b="0" i="0" u="none" strike="noStrike" cap="none" spc="0">
+              <a:solidFill>
+                <a:srgbClr val="CBD5E1"/>
+              </a:solidFill>
+              <a:latin typeface="Times New Roman"/>
+              <a:cs typeface="Times New Roman"/>
+            </a:endParaRPr>
+          </a:p>
+          <a:p>
+            <a:pPr>
+              <a:lnSpc>
+                <a:spcPts val="2429"/>
+              </a:lnSpc>
+              <a:defRPr/>
+            </a:pPr>
+            <a:r>
+              <a:rPr lang="en-US" sz="1350" b="0" i="0" u="none" strike="noStrike" cap="none" spc="0">
+                <a:solidFill>
+                  <a:srgbClr val="CBD5E1"/>
+                </a:solidFill>
+                <a:latin typeface="Arial"/>
+                <a:ea typeface="Arial"/>
+                <a:cs typeface="Arial"/>
+              </a:rPr>
+              <a:t>Con le fee me ne arrivano 0,00999 caricati con costo di carico 99,9 (fee non deducibili)</a:t>
+            </a:r>
+            <a:endParaRPr lang="en-US" sz="1350" b="0" i="0" u="none" strike="noStrike" cap="none" spc="0">
+              <a:solidFill>
+                <a:srgbClr val="CBD5E1"/>
+              </a:solidFill>
+              <a:latin typeface="Times New Roman"/>
+              <a:cs typeface="Times New Roman"/>
+            </a:endParaRPr>
+          </a:p>
+          <a:p>
+            <a:pPr>
+              <a:lnSpc>
+                <a:spcPts val="2429"/>
+              </a:lnSpc>
+              <a:defRPr/>
+            </a:pPr>
+            <a:r>
+              <a:rPr lang="en-US" sz="1350" b="0" i="0" u="none" strike="noStrike" cap="none" spc="0">
+                <a:solidFill>
+                  <a:srgbClr val="CBD5E1"/>
+                </a:solidFill>
+                <a:latin typeface="Arial"/>
+                <a:ea typeface="Arial"/>
+                <a:cs typeface="Arial"/>
+              </a:rPr>
+              <a:t>Vendo BTC quando sta a 100.700 (+0,7%)</a:t>
+            </a:r>
+            <a:r>
+              <a:rPr lang="en-US" sz="1350" b="0" i="0" u="none" strike="noStrike" cap="none" spc="0">
+                <a:solidFill>
+                  <a:srgbClr val="CBD5E1"/>
+                </a:solidFill>
+                <a:latin typeface="Arial"/>
+                <a:ea typeface="Arial"/>
+                <a:cs typeface="Arial"/>
+              </a:rPr>
+              <a:t> valore transazione lordo €100.60 </a:t>
+            </a:r>
+            <a:endParaRPr lang="en-US" sz="1350" b="0" i="0" u="none" strike="noStrike" cap="none" spc="0">
+              <a:solidFill>
+                <a:srgbClr val="CBD5E1"/>
+              </a:solidFill>
+              <a:latin typeface="Times New Roman"/>
+              <a:cs typeface="Times New Roman"/>
+            </a:endParaRPr>
+          </a:p>
+          <a:p>
+            <a:pPr>
+              <a:lnSpc>
+                <a:spcPts val="2429"/>
+              </a:lnSpc>
+              <a:defRPr/>
+            </a:pPr>
+            <a:r>
+              <a:rPr lang="en-US" sz="1350" b="0" i="0" u="none" strike="noStrike" cap="none" spc="0">
+                <a:solidFill>
+                  <a:srgbClr val="CBD5E1"/>
+                </a:solidFill>
+                <a:latin typeface="Arial"/>
+                <a:ea typeface="Arial"/>
+                <a:cs typeface="Arial"/>
+              </a:rPr>
+              <a:t>Pluvalenza = €0,70</a:t>
+            </a:r>
+            <a:r>
+              <a:rPr lang="en-US" sz="1350" b="0" i="0" u="none" strike="noStrike" cap="none" spc="0">
+                <a:solidFill>
+                  <a:srgbClr val="CBD5E1"/>
+                </a:solidFill>
+                <a:latin typeface="Times New Roman"/>
+                <a:cs typeface="Times New Roman"/>
+              </a:rPr>
+              <a:t> (100,60-99,9)</a:t>
+            </a:r>
+            <a:endParaRPr lang="en-US" sz="1350" b="0" i="0" u="none" strike="noStrike" cap="none" spc="0">
+              <a:solidFill>
+                <a:srgbClr val="CBD5E1"/>
+              </a:solidFill>
+              <a:latin typeface="Times New Roman"/>
+              <a:cs typeface="Times New Roman"/>
+            </a:endParaRPr>
+          </a:p>
+          <a:p>
+            <a:pPr>
+              <a:lnSpc>
+                <a:spcPts val="2429"/>
+              </a:lnSpc>
+              <a:defRPr/>
+            </a:pPr>
+            <a:r>
+              <a:rPr lang="en-US" sz="1350" b="0" i="0" u="none" strike="noStrike" cap="none" spc="0">
+                <a:solidFill>
+                  <a:srgbClr val="CBD5E1"/>
+                </a:solidFill>
+                <a:latin typeface="Arial"/>
+                <a:ea typeface="Arial"/>
+                <a:cs typeface="Arial"/>
+              </a:rPr>
+              <a:t>Tasse da pagare = €0,70 * 33% = €0.23</a:t>
+            </a:r>
+            <a:endParaRPr lang="en-US" sz="1350" b="0" i="0" u="none" strike="noStrike" cap="none" spc="0">
+              <a:solidFill>
+                <a:srgbClr val="CBD5E1"/>
+              </a:solidFill>
+              <a:latin typeface="Times New Roman"/>
+              <a:cs typeface="Times New Roman"/>
+            </a:endParaRPr>
+          </a:p>
+          <a:p>
+            <a:pPr>
+              <a:lnSpc>
+                <a:spcPts val="2429"/>
+              </a:lnSpc>
+              <a:defRPr/>
+            </a:pPr>
+            <a:r>
+              <a:rPr lang="en-US" sz="1350" b="1" i="0" u="none" strike="noStrike" cap="none" spc="0">
+                <a:solidFill>
+                  <a:srgbClr val="CBD5E1"/>
+                </a:solidFill>
+                <a:latin typeface="Arial"/>
+                <a:ea typeface="Arial"/>
+                <a:cs typeface="Arial"/>
+              </a:rPr>
+              <a:t>Fee = </a:t>
+            </a:r>
+            <a:r>
+              <a:rPr lang="en-US" sz="1350" b="0" i="0" u="none" strike="noStrike" cap="none" spc="0">
+                <a:solidFill>
+                  <a:srgbClr val="CBD5E1"/>
+                </a:solidFill>
+                <a:latin typeface="Arial"/>
+                <a:ea typeface="Arial"/>
+                <a:cs typeface="Arial"/>
+              </a:rPr>
+              <a:t>100,60*0,1%</a:t>
+            </a:r>
+            <a:r>
+              <a:rPr lang="en-US" sz="1350" b="1" i="0" u="none" strike="noStrike" cap="none" spc="0">
+                <a:solidFill>
+                  <a:srgbClr val="CBD5E1"/>
+                </a:solidFill>
+                <a:latin typeface="Arial"/>
+                <a:ea typeface="Arial"/>
+                <a:cs typeface="Arial"/>
+              </a:rPr>
+              <a:t> = €0,1</a:t>
+            </a:r>
+            <a:endParaRPr sz="1350" b="0" i="0" u="none" strike="noStrike" cap="none" spc="0">
+              <a:solidFill>
+                <a:srgbClr val="CBD5E1"/>
+              </a:solidFill>
+              <a:latin typeface="Times New Roman"/>
+              <a:cs typeface="Times New Roman"/>
+            </a:endParaRPr>
+          </a:p>
+          <a:p>
+            <a:pPr>
+              <a:lnSpc>
+                <a:spcPts val="2429"/>
+              </a:lnSpc>
+              <a:defRPr/>
+            </a:pPr>
+            <a:r>
+              <a:rPr lang="en-US" sz="1350" b="1" i="0" u="none" strike="noStrike" cap="none" spc="0">
+                <a:solidFill>
+                  <a:srgbClr val="CBD5E1"/>
+                </a:solidFill>
+                <a:latin typeface="Arial"/>
+                <a:ea typeface="Arial"/>
+                <a:cs typeface="Arial"/>
+              </a:rPr>
+              <a:t>Rimanenze = 100.50</a:t>
+            </a:r>
+            <a:r>
+              <a:rPr lang="en-US" sz="1350" b="1" i="0" u="none" strike="noStrike" cap="none" spc="0">
+                <a:solidFill>
+                  <a:srgbClr val="CBD5E1"/>
+                </a:solidFill>
+                <a:latin typeface="Arial"/>
+                <a:ea typeface="Arial"/>
+                <a:cs typeface="Arial"/>
+              </a:rPr>
+              <a:t> EUR</a:t>
+            </a:r>
+            <a:r>
+              <a:rPr lang="en-US" sz="1350" b="0" i="0" u="none" strike="noStrike" cap="none" spc="0">
+                <a:solidFill>
+                  <a:srgbClr val="CBD5E1"/>
+                </a:solidFill>
+                <a:latin typeface="Arial"/>
+                <a:ea typeface="Arial"/>
+                <a:cs typeface="Arial"/>
+              </a:rPr>
+              <a:t> (100,60-0,1)</a:t>
+            </a:r>
+            <a:endParaRPr lang="en-US" sz="1350" b="0" i="0" u="none" strike="noStrike" cap="none" spc="0">
+              <a:solidFill>
+                <a:srgbClr val="CBD5E1"/>
+              </a:solidFill>
+              <a:latin typeface="Times New Roman"/>
+              <a:cs typeface="Times New Roman"/>
+            </a:endParaRPr>
+          </a:p>
+          <a:p>
+            <a:pPr>
+              <a:lnSpc>
+                <a:spcPts val="2429"/>
+              </a:lnSpc>
+              <a:defRPr/>
+            </a:pPr>
+            <a:r>
+              <a:rPr lang="en-US" sz="1350" b="1" i="0" u="none" strike="noStrike" cap="none" spc="0">
+                <a:solidFill>
+                  <a:srgbClr val="CBD5E1"/>
+                </a:solidFill>
+                <a:latin typeface="Arial"/>
+                <a:ea typeface="Arial"/>
+                <a:cs typeface="Arial"/>
+              </a:rPr>
+              <a:t>Guadagno effettivo : </a:t>
+            </a:r>
+            <a:r>
+              <a:rPr lang="en-US" sz="1350" b="0" i="0" u="none" strike="noStrike" cap="none" spc="0">
+                <a:solidFill>
+                  <a:srgbClr val="CBD5E1"/>
+                </a:solidFill>
+                <a:latin typeface="Arial"/>
+                <a:ea typeface="Arial"/>
+                <a:cs typeface="Arial"/>
+              </a:rPr>
+              <a:t>€100.50 (Rimanenze) - €100 (Investimento iniziale) = </a:t>
+            </a:r>
+            <a:r>
+              <a:rPr lang="en-US" sz="1350" b="1" i="0" u="none" strike="noStrike" cap="none" spc="0">
+                <a:solidFill>
+                  <a:srgbClr val="CBD5E1"/>
+                </a:solidFill>
+                <a:latin typeface="Arial"/>
+                <a:ea typeface="Arial"/>
+                <a:cs typeface="Arial"/>
+              </a:rPr>
+              <a:t>0,50€</a:t>
+            </a:r>
+            <a:endParaRPr lang="en-US" sz="1350" b="0" i="0" u="none" strike="noStrike" cap="none" spc="0">
+              <a:solidFill>
+                <a:srgbClr val="CBD5E1"/>
+              </a:solidFill>
+              <a:latin typeface="Times New Roman"/>
+              <a:cs typeface="Times New Roman"/>
+            </a:endParaRPr>
+          </a:p>
+          <a:p>
+            <a:pPr>
+              <a:lnSpc>
+                <a:spcPts val="2429"/>
+              </a:lnSpc>
+              <a:defRPr/>
+            </a:pPr>
+            <a:r>
+              <a:rPr lang="en-US" sz="1350" b="0" i="0" u="none" strike="noStrike" cap="none" spc="0">
+                <a:solidFill>
+                  <a:srgbClr val="CBD5E1"/>
+                </a:solidFill>
+                <a:latin typeface="Arial"/>
+                <a:ea typeface="Arial"/>
+                <a:cs typeface="Arial"/>
+              </a:rPr>
+              <a:t>Incidenza delle tasse sul guadagno effettivo -&gt; 0.23/0.50*100 = 46%</a:t>
+            </a:r>
+            <a:endParaRPr lang="en-US" sz="1350" b="0" i="0" u="none" strike="noStrike" cap="none" spc="0">
+              <a:solidFill>
+                <a:srgbClr val="CBD5E1"/>
+              </a:solidFill>
+              <a:latin typeface="Times New Roman"/>
+              <a:cs typeface="Times New Roman"/>
+            </a:endParaRPr>
+          </a:p>
+          <a:p>
+            <a:pPr>
+              <a:lnSpc>
+                <a:spcPts val="2429"/>
+              </a:lnSpc>
+              <a:defRPr/>
+            </a:pPr>
+            <a:r>
+              <a:rPr lang="en-US" sz="1350" b="0" i="0" u="none" strike="noStrike" cap="none" spc="0">
+                <a:solidFill>
+                  <a:srgbClr val="CBD5E1"/>
+                </a:solidFill>
+                <a:latin typeface="Arial"/>
+                <a:ea typeface="Arial"/>
+                <a:cs typeface="Arial"/>
+              </a:rPr>
+              <a:t>Guadagno rimanente dopo tassazione -&gt; €0.27</a:t>
+            </a:r>
+            <a:endParaRPr lang="en-US" sz="1350" b="0" i="0" u="none" strike="noStrike" cap="none" spc="0">
+              <a:solidFill>
+                <a:srgbClr val="CBD5E1"/>
+              </a:solidFill>
+              <a:latin typeface="Times New Roman"/>
+              <a:cs typeface="Times New Roman"/>
+            </a:endParaRPr>
+          </a:p>
+          <a:p>
+            <a:pPr>
+              <a:lnSpc>
+                <a:spcPts val="2429"/>
+              </a:lnSpc>
+              <a:defRPr/>
+            </a:pPr>
+            <a:endParaRPr lang="en-US" sz="1350">
+              <a:solidFill>
+                <a:srgbClr val="CBD5E1"/>
+              </a:solidFill>
+              <a:latin typeface="Arial"/>
+              <a:ea typeface="Arial"/>
+              <a:cs typeface="Arial"/>
+            </a:endParaRPr>
+          </a:p>
+          <a:p>
+            <a:pPr>
+              <a:lnSpc>
+                <a:spcPts val="2429"/>
+              </a:lnSpc>
+              <a:defRPr/>
+            </a:pPr>
+            <a:endParaRPr lang="en-US" sz="1350">
+              <a:solidFill>
+                <a:srgbClr val="CBD5E1"/>
+              </a:solidFill>
+              <a:latin typeface="Arial"/>
+              <a:ea typeface="Arial"/>
+              <a:cs typeface="Arial"/>
+            </a:endParaRPr>
+          </a:p>
+          <a:p>
+            <a:pPr>
+              <a:lnSpc>
+                <a:spcPts val="2429"/>
+              </a:lnSpc>
+              <a:defRPr/>
+            </a:pPr>
+            <a:endParaRPr sz="1350">
+              <a:solidFill>
+                <a:schemeClr val="bg1"/>
+              </a:solidFill>
+              <a:latin typeface="Arial"/>
+              <a:ea typeface="Arial"/>
+              <a:cs typeface="Arial"/>
+            </a:endParaRPr>
+          </a:p>
+          <a:p>
+            <a:pPr marL="342900" indent="-342900">
+              <a:lnSpc>
+                <a:spcPts val="2429"/>
+              </a:lnSpc>
+              <a:buSzPct val="100000"/>
+              <a:buChar char="•"/>
+              <a:defRPr/>
+            </a:pPr>
+            <a:endParaRPr lang="en-US" sz="1350"/>
+          </a:p>
+        </p:txBody>
+      </p:sp>
+    </p:spTree>
+  </p:cSld>
+  <p:clrMapOvr>
+    <a:masterClrMapping/>
+  </p:clrMapOvr>
+  <mc:AlternateContent xmlns:mc="http://schemas.openxmlformats.org/markup-compatibility/2006">
+    <mc:Choice xmlns:p159="http://schemas.microsoft.com/office/powerpoint/2015/09/main" xmlns:p14="http://schemas.microsoft.com/office/powerpoint/2010/main" Requires="p159">
+      <p:transition p14:dur="2000" advClick="1"/>
+    </mc:Choice>
+    <mc:Fallback>
+      <p:transition advClick="1"/>
+    </mc:Fallback>
+  </mc:AlternateContent>
+</p:sld>
+</file>
+
+<file path=ppt/slides/slide13.xml><?xml version="1.0" encoding="utf-8"?>
+<p:sld xmlns:a="http://schemas.openxmlformats.org/drawingml/2006/main" xmlns:r="http://schemas.openxmlformats.org/officeDocument/2006/relationships" xmlns:p="http://schemas.openxmlformats.org/presentationml/2006/main" xmlns:m="http://schemas.openxmlformats.org/officeDocument/2006/math" xmlns:w="http://schemas.openxmlformats.org/wordprocessingml/2006/main" xmlns:mc="http://schemas.openxmlformats.org/markup-compatibility/2006" showMasterPhAnim="0" showMasterSp="1" show="1">
+  <p:cSld name="Slide 5">
+    <p:bg>
+      <p:bgPr shadeToTitle="0">
+        <a:solidFill>
+          <a:srgbClr val="0F172A"/>
+        </a:solidFill>
+      </p:bgPr>
+    </p:bg>
+    <p:spTree>
+      <p:nvGrpSpPr>
+        <p:cNvPr id="1" name=""/>
+        <p:cNvGrpSpPr/>
+        <p:nvPr/>
+      </p:nvGrpSpPr>
+      <p:grpSpPr bwMode="auto">
+        <a:xfrm>
+          <a:off x="0" y="0"/>
+          <a:ext cx="0" cy="0"/>
+          <a:chOff x="0" y="0"/>
+          <a:chExt cx="0" cy="0"/>
+        </a:xfrm>
+      </p:grpSpPr>
+      <p:sp>
+        <p:nvSpPr>
+          <p:cNvPr id="2067059994" name="Text 0"/>
+          <p:cNvSpPr/>
+          <p:nvPr/>
+        </p:nvSpPr>
+        <p:spPr bwMode="auto">
+          <a:xfrm>
+            <a:off x="609599" y="609599"/>
+            <a:ext cx="8083296" cy="411459"/>
+          </a:xfrm>
+          <a:prstGeom prst="rect">
+            <a:avLst/>
+          </a:prstGeom>
+          <a:noFill/>
+          <a:ln/>
+        </p:spPr>
+        <p:txBody>
+          <a:bodyPr wrap="square" lIns="0" tIns="0" rIns="0" bIns="0" rtlCol="0" anchor="t"/>
+          <a:lstStyle/>
+          <a:p>
+            <a:pPr marL="0" indent="0">
+              <a:lnSpc>
+                <a:spcPts val="3239"/>
+              </a:lnSpc>
+              <a:buNone/>
+              <a:defRPr/>
+            </a:pPr>
+            <a:r>
+              <a:rPr lang="en-US" sz="2700" b="1">
+                <a:solidFill>
+                  <a:srgbClr val="38BDF8"/>
+                </a:solidFill>
+                <a:latin typeface="Arial"/>
+                <a:ea typeface="Arial"/>
+                <a:cs typeface="Arial"/>
+              </a:rPr>
+              <a:t>Attenzione ai gridbot (Esempio Pratico 2)</a:t>
+            </a:r>
+            <a:r>
+              <a:rPr lang="en-US" sz="2700"/>
+              <a:t>  </a:t>
+            </a:r>
+            <a:endParaRPr lang="en-US" sz="2700"/>
+          </a:p>
+        </p:txBody>
+      </p:sp>
+      <p:sp>
+        <p:nvSpPr>
+          <p:cNvPr id="1917439778" name="Text 1"/>
           <p:cNvSpPr/>
           <p:nvPr/>
         </p:nvSpPr>
@@ -2387,7 +6210,7 @@
       </p:grpSpPr>
       <p:sp>
         <p:nvSpPr>
-          <p:cNvPr id="1241716095" name="Text 0"/>
+          <p:cNvPr id="416828309" name="Text 0"/>
           <p:cNvSpPr/>
           <p:nvPr/>
         </p:nvSpPr>
@@ -2430,7 +6253,7 @@
       </p:sp>
       <p:sp>
         <p:nvSpPr>
-          <p:cNvPr id="1649737351" name="Text 1"/>
+          <p:cNvPr id="1329792924" name="Text 1"/>
           <p:cNvSpPr/>
           <p:nvPr/>
         </p:nvSpPr>
@@ -2563,7 +6386,7 @@
       </p:sp>
       <p:sp>
         <p:nvSpPr>
-          <p:cNvPr id="1363765826" name="Text 0"/>
+          <p:cNvPr id="833053107" name="Text 0"/>
           <p:cNvSpPr/>
           <p:nvPr/>
         </p:nvSpPr>
@@ -2606,7 +6429,7 @@
       </p:sp>
       <p:sp>
         <p:nvSpPr>
-          <p:cNvPr id="31064542" name="Text 1"/>
+          <p:cNvPr id="971735248" name="Text 1"/>
           <p:cNvSpPr/>
           <p:nvPr/>
         </p:nvSpPr>
@@ -2735,7 +6558,7 @@
       </p:grpSpPr>
       <p:sp>
         <p:nvSpPr>
-          <p:cNvPr id="1571605662" name="Text 0"/>
+          <p:cNvPr id="1893288467" name="Text 0"/>
           <p:cNvSpPr/>
           <p:nvPr/>
         </p:nvSpPr>
@@ -2775,7 +6598,7 @@
       </p:sp>
       <p:sp>
         <p:nvSpPr>
-          <p:cNvPr id="70588028" name="Text 1"/>
+          <p:cNvPr id="1060313732" name="Text 1"/>
           <p:cNvSpPr/>
           <p:nvPr/>
         </p:nvSpPr>
@@ -2818,7 +6641,7 @@
       </p:sp>
       <p:sp>
         <p:nvSpPr>
-          <p:cNvPr id="991130442" name="Text 2"/>
+          <p:cNvPr id="1697051251" name="Text 2"/>
           <p:cNvSpPr/>
           <p:nvPr/>
         </p:nvSpPr>
@@ -2861,7 +6684,7 @@
       </p:sp>
       <p:sp>
         <p:nvSpPr>
-          <p:cNvPr id="1267758455" name="Text 3"/>
+          <p:cNvPr id="764256756" name="Text 3"/>
           <p:cNvSpPr/>
           <p:nvPr/>
         </p:nvSpPr>
@@ -3212,7 +7035,7 @@
       </p:grpSpPr>
       <p:sp>
         <p:nvSpPr>
-          <p:cNvPr id="720685102" name="Text 1"/>
+          <p:cNvPr id="1527444353" name="Text 1"/>
           <p:cNvSpPr/>
           <p:nvPr/>
         </p:nvSpPr>
@@ -3255,7 +7078,7 @@
       </p:sp>
       <p:sp>
         <p:nvSpPr>
-          <p:cNvPr id="365105443" name="Text 2"/>
+          <p:cNvPr id="153862271" name="Text 2"/>
           <p:cNvSpPr/>
           <p:nvPr/>
         </p:nvSpPr>
@@ -3298,7 +7121,7 @@
       </p:sp>
       <p:sp>
         <p:nvSpPr>
-          <p:cNvPr id="883422635" name="Text 3"/>
+          <p:cNvPr id="1775773238" name="Text 3"/>
           <p:cNvSpPr/>
           <p:nvPr/>
         </p:nvSpPr>
@@ -3555,7 +7378,7 @@
 
 <file path=ppt/slides/slide5.xml><?xml version="1.0" encoding="utf-8"?>
 <p:sld xmlns:a="http://schemas.openxmlformats.org/drawingml/2006/main" xmlns:r="http://schemas.openxmlformats.org/officeDocument/2006/relationships" xmlns:p="http://schemas.openxmlformats.org/presentationml/2006/main" xmlns:m="http://schemas.openxmlformats.org/officeDocument/2006/math" xmlns:w="http://schemas.openxmlformats.org/wordprocessingml/2006/main" xmlns:mc="http://schemas.openxmlformats.org/markup-compatibility/2006" showMasterPhAnim="0" showMasterSp="1" show="1">
-  <p:cSld name="Slide 5">
+  <p:cSld name="Slide 4">
     <p:bg>
       <p:bgPr shadeToTitle="0">
         <a:solidFill>
@@ -3579,14 +7402,14 @@
       </p:grpSpPr>
       <p:sp>
         <p:nvSpPr>
-          <p:cNvPr id="1289987380" name="Text 0"/>
+          <p:cNvPr id="941214691" name="Text 1"/>
           <p:cNvSpPr/>
           <p:nvPr/>
         </p:nvSpPr>
         <p:spPr bwMode="auto">
           <a:xfrm>
-            <a:off x="609599" y="607362"/>
-            <a:ext cx="8083296" cy="411460"/>
+            <a:off x="609599" y="609599"/>
+            <a:ext cx="8083296" cy="411459"/>
           </a:xfrm>
           <a:prstGeom prst="rect">
             <a:avLst/>
@@ -3600,7 +7423,7 @@
           <a:p>
             <a:pPr marL="0" indent="0">
               <a:lnSpc>
-                <a:spcPts val="3240"/>
+                <a:spcPts val="3239"/>
               </a:lnSpc>
               <a:buNone/>
               <a:defRPr/>
@@ -3614,7 +7437,7 @@
                 <a:ea typeface="Arial"/>
                 <a:cs typeface="Arial"/>
               </a:rPr>
-              <a:t>Attenzione ai gridbot</a:t>
+              <a:t>Fee in Moneta di Acquisto</a:t>
             </a:r>
             <a:endParaRPr lang="en-US" sz="2700"/>
           </a:p>
@@ -3622,14 +7445,14 @@
       </p:sp>
       <p:sp>
         <p:nvSpPr>
-          <p:cNvPr id="1993474818" name="Text 1"/>
+          <p:cNvPr id="1364199468" name="Text 3"/>
           <p:cNvSpPr/>
           <p:nvPr/>
         </p:nvSpPr>
         <p:spPr bwMode="auto">
           <a:xfrm flipH="0" flipV="0">
-            <a:off x="841248" y="1291994"/>
-            <a:ext cx="7619999" cy="3872672"/>
+            <a:off x="120666" y="1164166"/>
+            <a:ext cx="8875888" cy="3598331"/>
           </a:xfrm>
           <a:prstGeom prst="rect">
             <a:avLst/>
@@ -3641,12 +7464,10 @@
           <a:bodyPr wrap="square" lIns="0" tIns="0" rIns="0" bIns="0" rtlCol="0" anchor="t"/>
           <a:lstStyle/>
           <a:p>
-            <a:pPr marL="342900" indent="-342900">
-              <a:lnSpc>
-                <a:spcPts val="2430"/>
-              </a:lnSpc>
-              <a:buSzPct val="100000"/>
-              <a:buChar char="•"/>
+            <a:pPr>
+              <a:lnSpc>
+                <a:spcPts val="2429"/>
+              </a:lnSpc>
               <a:defRPr/>
             </a:pPr>
             <a:r>
@@ -3658,7 +7479,7 @@
                 <a:ea typeface="Arial"/>
                 <a:cs typeface="Arial"/>
               </a:rPr>
-              <a:t>Come abbiamo detto la plusvalenza si paga con le fee non dedotte quindi la tassazione reale è più alta di quella nominale perchè il guadagno reale è minore.</a:t>
+              <a:t>Dati:</a:t>
             </a:r>
             <a:endParaRPr lang="en-US" sz="1350">
               <a:solidFill>
@@ -3670,12 +7491,25 @@
             </a:endParaRPr>
           </a:p>
           <a:p>
-            <a:pPr>
-              <a:lnSpc>
-                <a:spcPts val="2429"/>
-              </a:lnSpc>
-              <a:defRPr/>
-            </a:pPr>
+            <a:pPr marL="342900" indent="-342900">
+              <a:lnSpc>
+                <a:spcPts val="2429"/>
+              </a:lnSpc>
+              <a:buSzPct val="100000"/>
+              <a:buChar char="•"/>
+              <a:defRPr/>
+            </a:pPr>
+            <a:r>
+              <a:rPr lang="en-US" sz="1350">
+                <a:solidFill>
+                  <a:srgbClr val="CBD5E1"/>
+                </a:solidFill>
+                <a:latin typeface="Arial"/>
+                <a:ea typeface="Arial"/>
+                <a:cs typeface="Arial"/>
+              </a:rPr>
+              <a:t>Posseggo 10 token “PIPPO” con costo di carico unitario 0,5€</a:t>
+            </a:r>
             <a:endParaRPr lang="en-US" sz="1350">
               <a:solidFill>
                 <a:srgbClr val="CBD5E1"/>
@@ -3695,15 +7529,15 @@
               <a:defRPr/>
             </a:pPr>
             <a:r>
-              <a:rPr lang="en-US" sz="1350">
-                <a:solidFill>
-                  <a:srgbClr val="CBD5E1"/>
-                </a:solidFill>
-                <a:latin typeface="Arial"/>
-                <a:ea typeface="Arial"/>
-                <a:cs typeface="Arial"/>
-              </a:rPr>
-              <a:t>I grid bot degli exchange generalmente (ad esempio Binance) danno il guadagno di griglia netto quindi già scorporato dalle fees, ma non è su quello che si pagano le plusvalenze bensì sul guadagno lordo.</a:t>
+              <a:rPr lang="en-US" sz="1200">
+                <a:solidFill>
+                  <a:srgbClr val="CBD5E1"/>
+                </a:solidFill>
+                <a:latin typeface="Arial"/>
+                <a:ea typeface="Arial"/>
+                <a:cs typeface="Arial"/>
+              </a:rPr>
+              <a:t>Al momento della vendita 1 token PIPPO vale 1€ ma l’exchange si trattiene 1 PIPPO di commissioni (fee al 10%)</a:t>
             </a:r>
             <a:endParaRPr lang="en-US" sz="1350">
               <a:solidFill>
@@ -3715,12 +7549,25 @@
             </a:endParaRPr>
           </a:p>
           <a:p>
-            <a:pPr>
-              <a:lnSpc>
-                <a:spcPts val="2429"/>
-              </a:lnSpc>
-              <a:defRPr/>
-            </a:pPr>
+            <a:pPr marL="342900" indent="-342900">
+              <a:lnSpc>
+                <a:spcPts val="2429"/>
+              </a:lnSpc>
+              <a:buSzPct val="100000"/>
+              <a:buChar char="•"/>
+              <a:defRPr/>
+            </a:pPr>
+            <a:r>
+              <a:rPr lang="en-US" sz="1350">
+                <a:solidFill>
+                  <a:srgbClr val="CBD5E1"/>
+                </a:solidFill>
+                <a:latin typeface="Arial"/>
+                <a:ea typeface="Arial"/>
+                <a:cs typeface="Arial"/>
+              </a:rPr>
+              <a:t>Vendo quindi 9 PIPPO per 9 EURO (Incremento di valore del 100%)</a:t>
+            </a:r>
             <a:endParaRPr lang="en-US" sz="1350">
               <a:solidFill>
                 <a:srgbClr val="CBD5E1"/>
@@ -3731,12 +7578,10 @@
             </a:endParaRPr>
           </a:p>
           <a:p>
-            <a:pPr marL="342900" indent="-342900">
-              <a:lnSpc>
-                <a:spcPts val="2429"/>
-              </a:lnSpc>
-              <a:buSzPct val="100000"/>
-              <a:buChar char="•"/>
+            <a:pPr>
+              <a:lnSpc>
+                <a:spcPts val="2429"/>
+              </a:lnSpc>
               <a:defRPr/>
             </a:pPr>
             <a:r>
@@ -3748,7 +7593,7 @@
                 <a:ea typeface="Arial"/>
                 <a:cs typeface="Arial"/>
               </a:rPr>
-              <a:t>Questo significa che mano a mano che diminuisce il profitto di griglia aumenta la percentuale di tassazione reale sul provento mostrato.</a:t>
+              <a:t>Calcolo Plusvalenza</a:t>
             </a:r>
             <a:endParaRPr lang="en-US" sz="1350">
               <a:solidFill>
@@ -3760,12 +7605,25 @@
             </a:endParaRPr>
           </a:p>
           <a:p>
-            <a:pPr>
-              <a:lnSpc>
-                <a:spcPts val="2429"/>
-              </a:lnSpc>
-              <a:defRPr/>
-            </a:pPr>
+            <a:pPr marL="234314" indent="-234314">
+              <a:lnSpc>
+                <a:spcPts val="2429"/>
+              </a:lnSpc>
+              <a:buFont typeface="Arial"/>
+              <a:buAutoNum type="arabicPeriod"/>
+              <a:defRPr/>
+            </a:pPr>
+            <a:r>
+              <a:rPr lang="en-US" sz="1350">
+                <a:solidFill>
+                  <a:srgbClr val="CBD5E1"/>
+                </a:solidFill>
+                <a:latin typeface="Arial"/>
+                <a:ea typeface="Arial"/>
+                <a:cs typeface="Arial"/>
+              </a:rPr>
+              <a:t>P/L = 9 (Prezzo di vendita) - 4,5 (Costo di carico dei 9 PIPPO) = 4,5€</a:t>
+            </a:r>
             <a:endParaRPr lang="en-US" sz="1350">
               <a:solidFill>
                 <a:srgbClr val="CBD5E1"/>
@@ -3776,11 +7634,166 @@
             </a:endParaRPr>
           </a:p>
           <a:p>
-            <a:pPr marL="342900" indent="-342900">
-              <a:lnSpc>
-                <a:spcPts val="2429"/>
-              </a:lnSpc>
-              <a:buSzPct val="100000"/>
+            <a:pPr marL="234314" indent="-234314">
+              <a:lnSpc>
+                <a:spcPts val="2429"/>
+              </a:lnSpc>
+              <a:buFont typeface="Arial"/>
+              <a:buAutoNum type="arabicPeriod"/>
+              <a:defRPr/>
+            </a:pPr>
+            <a:r>
+              <a:rPr lang="en-US" sz="1350" b="0" i="0" u="none" strike="noStrike" cap="none" spc="0">
+                <a:solidFill>
+                  <a:srgbClr val="CBD5E1"/>
+                </a:solidFill>
+                <a:latin typeface="Arial"/>
+                <a:ea typeface="Arial"/>
+                <a:cs typeface="Arial"/>
+              </a:rPr>
+              <a:t>Do all ’exchange 1 PIPPO come commissione (Valore 1€ Costo di carico 0,5€) </a:t>
+            </a:r>
+            <a:endParaRPr lang="en-US" sz="1350" b="0" i="0" u="none" strike="noStrike" cap="none" spc="0">
+              <a:solidFill>
+                <a:srgbClr val="CBD5E1"/>
+              </a:solidFill>
+              <a:latin typeface="Times New Roman"/>
+              <a:cs typeface="Times New Roman"/>
+            </a:endParaRPr>
+          </a:p>
+          <a:p>
+            <a:pPr>
+              <a:lnSpc>
+                <a:spcPts val="2429"/>
+              </a:lnSpc>
+              <a:defRPr/>
+            </a:pPr>
+            <a:r>
+              <a:rPr lang="en-US" sz="1350" b="0" i="0" u="none" strike="noStrike" cap="none" spc="0">
+                <a:solidFill>
+                  <a:srgbClr val="CBD5E1"/>
+                </a:solidFill>
+                <a:latin typeface="Arial"/>
+                <a:ea typeface="Arial"/>
+                <a:cs typeface="Arial"/>
+              </a:rPr>
+              <a:t>	(Plusvalenza accessoria da calcolare se considerate le fee come un acquisto di servizi)</a:t>
+            </a:r>
+            <a:endParaRPr lang="en-US" sz="1350" b="0" i="0" u="none" strike="noStrike" cap="none" spc="0">
+              <a:solidFill>
+                <a:srgbClr val="CBD5E1"/>
+              </a:solidFill>
+              <a:latin typeface="Times New Roman"/>
+              <a:cs typeface="Times New Roman"/>
+            </a:endParaRPr>
+          </a:p>
+          <a:p>
+            <a:pPr>
+              <a:lnSpc>
+                <a:spcPts val="2429"/>
+              </a:lnSpc>
+              <a:defRPr/>
+            </a:pPr>
+            <a:r>
+              <a:rPr lang="en-US" sz="1350" b="0" i="0" u="none" strike="noStrike" cap="none" spc="0">
+                <a:solidFill>
+                  <a:srgbClr val="CBD5E1"/>
+                </a:solidFill>
+                <a:latin typeface="Arial"/>
+                <a:ea typeface="Arial"/>
+                <a:cs typeface="Arial"/>
+              </a:rPr>
+              <a:t>Plusvalenza Base : 4,5</a:t>
+            </a:r>
+            <a:r>
+              <a:rPr lang="en-US" sz="1350">
+                <a:solidFill>
+                  <a:srgbClr val="CBD5E1"/>
+                </a:solidFill>
+                <a:latin typeface="Arial"/>
+                <a:ea typeface="Arial"/>
+                <a:cs typeface="Arial"/>
+              </a:rPr>
+              <a:t>€</a:t>
+            </a:r>
+            <a:endParaRPr lang="en-US" sz="1350" b="0" i="0" u="none" strike="noStrike" cap="none" spc="0">
+              <a:solidFill>
+                <a:srgbClr val="CBD5E1"/>
+              </a:solidFill>
+              <a:latin typeface="Times New Roman"/>
+              <a:cs typeface="Times New Roman"/>
+            </a:endParaRPr>
+          </a:p>
+          <a:p>
+            <a:pPr>
+              <a:lnSpc>
+                <a:spcPts val="2429"/>
+              </a:lnSpc>
+              <a:defRPr/>
+            </a:pPr>
+            <a:r>
+              <a:rPr lang="en-US" sz="1350" b="0" i="0" u="none" strike="noStrike" cap="none" spc="0">
+                <a:solidFill>
+                  <a:srgbClr val="CBD5E1"/>
+                </a:solidFill>
+                <a:latin typeface="Arial"/>
+                <a:ea typeface="Arial"/>
+                <a:cs typeface="Arial"/>
+              </a:rPr>
+              <a:t>Plusvalenza considerando le fee : 5</a:t>
+            </a:r>
+            <a:r>
+              <a:rPr lang="en-US" sz="1350" b="0" i="0" u="none" strike="noStrike" cap="none" spc="0">
+                <a:solidFill>
+                  <a:srgbClr val="CBD5E1"/>
+                </a:solidFill>
+                <a:latin typeface="Arial"/>
+                <a:ea typeface="Arial"/>
+                <a:cs typeface="Arial"/>
+              </a:rPr>
+              <a:t>€ </a:t>
+            </a:r>
+            <a:endParaRPr lang="en-US" sz="1350" b="0" i="0" u="none" strike="noStrike" cap="none" spc="0">
+              <a:solidFill>
+                <a:srgbClr val="CBD5E1"/>
+              </a:solidFill>
+              <a:latin typeface="Times New Roman"/>
+              <a:cs typeface="Times New Roman"/>
+            </a:endParaRPr>
+          </a:p>
+          <a:p>
+            <a:pPr>
+              <a:lnSpc>
+                <a:spcPts val="2429"/>
+              </a:lnSpc>
+              <a:defRPr/>
+            </a:pPr>
+            <a:r>
+              <a:rPr lang="en-US" sz="1350" b="0" i="0" u="none" strike="noStrike" cap="none" spc="0">
+                <a:solidFill>
+                  <a:srgbClr val="CBD5E1"/>
+                </a:solidFill>
+                <a:latin typeface="Arial"/>
+                <a:ea typeface="Arial"/>
+                <a:cs typeface="Arial"/>
+              </a:rPr>
+              <a:t>Guadagno Reale : 4€</a:t>
+            </a:r>
+            <a:endParaRPr lang="en-US" sz="1350">
+              <a:solidFill>
+                <a:srgbClr val="CBD5E1"/>
+              </a:solidFill>
+              <a:latin typeface="Arial"/>
+              <a:ea typeface="Arial"/>
+              <a:cs typeface="Arial"/>
+            </a:endParaRPr>
+          </a:p>
+          <a:p>
+            <a:pPr marL="234314" indent="-234314">
+              <a:lnSpc>
+                <a:spcPts val="2428"/>
+              </a:lnSpc>
+              <a:buFont typeface="Arial"/>
               <a:buChar char="•"/>
               <a:defRPr/>
             </a:pPr>
@@ -3806,7 +7819,7 @@
 
 <file path=ppt/slides/slide6.xml><?xml version="1.0" encoding="utf-8"?>
 <p:sld xmlns:a="http://schemas.openxmlformats.org/drawingml/2006/main" xmlns:r="http://schemas.openxmlformats.org/officeDocument/2006/relationships" xmlns:p="http://schemas.openxmlformats.org/presentationml/2006/main" xmlns:m="http://schemas.openxmlformats.org/officeDocument/2006/math" xmlns:w="http://schemas.openxmlformats.org/wordprocessingml/2006/main" xmlns:mc="http://schemas.openxmlformats.org/markup-compatibility/2006" showMasterPhAnim="0" showMasterSp="1" show="1">
-  <p:cSld name="Slide 5">
+  <p:cSld name="Slide 4">
     <p:bg>
       <p:bgPr shadeToTitle="0">
         <a:solidFill>
@@ -3830,7 +7843,7 @@
       </p:grpSpPr>
       <p:sp>
         <p:nvSpPr>
-          <p:cNvPr id="1933732064" name="Text 0"/>
+          <p:cNvPr id="268364317" name="Text 1"/>
           <p:cNvSpPr/>
           <p:nvPr/>
         </p:nvSpPr>
@@ -3865,7 +7878,7 @@
                 <a:ea typeface="Arial"/>
                 <a:cs typeface="Arial"/>
               </a:rPr>
-              <a:t>Attenzione ai gridbot</a:t>
+              <a:t>Fee in Moneta di Vendita</a:t>
             </a:r>
             <a:endParaRPr lang="en-US" sz="2700"/>
           </a:p>
@@ -3873,14 +7886,14 @@
       </p:sp>
       <p:sp>
         <p:nvSpPr>
-          <p:cNvPr id="1641045069" name="Text 1"/>
+          <p:cNvPr id="269900734" name="Text 3"/>
           <p:cNvSpPr/>
           <p:nvPr/>
         </p:nvSpPr>
         <p:spPr bwMode="auto">
           <a:xfrm flipH="0" flipV="0">
-            <a:off x="914399" y="1249660"/>
-            <a:ext cx="7619999" cy="3872672"/>
+            <a:off x="120666" y="1164166"/>
+            <a:ext cx="8875888" cy="3598331"/>
           </a:xfrm>
           <a:prstGeom prst="rect">
             <a:avLst/>
@@ -3892,24 +7905,22 @@
           <a:bodyPr wrap="square" lIns="0" tIns="0" rIns="0" bIns="0" rtlCol="0" anchor="t"/>
           <a:lstStyle/>
           <a:p>
-            <a:pPr marL="342900" indent="-342900">
-              <a:lnSpc>
-                <a:spcPts val="2429"/>
-              </a:lnSpc>
-              <a:buSzPct val="100000"/>
-              <a:buChar char="•"/>
-              <a:defRPr/>
-            </a:pPr>
-            <a:r>
-              <a:rPr lang="en-US" sz="1350" b="0" i="0" u="none" strike="noStrike" cap="none" spc="0">
-                <a:solidFill>
-                  <a:srgbClr val="CBD5E1"/>
-                </a:solidFill>
-                <a:latin typeface="Arial"/>
-                <a:ea typeface="Arial"/>
-                <a:cs typeface="Arial"/>
-              </a:rPr>
-              <a:t>Questa è una formula che ho ricavato per trovare l’incisione reale della tassazione sul provento netto :</a:t>
+            <a:pPr>
+              <a:lnSpc>
+                <a:spcPts val="2429"/>
+              </a:lnSpc>
+              <a:defRPr/>
+            </a:pPr>
+            <a:r>
+              <a:rPr lang="en-US" sz="1350">
+                <a:solidFill>
+                  <a:srgbClr val="CBD5E1"/>
+                </a:solidFill>
+                <a:latin typeface="Arial"/>
+                <a:ea typeface="Arial"/>
+                <a:cs typeface="Arial"/>
+              </a:rPr>
+              <a:t>Dati:</a:t>
             </a:r>
             <a:endParaRPr lang="en-US" sz="1350">
               <a:solidFill>
@@ -3929,6 +7940,17 @@
               <a:buChar char="•"/>
               <a:defRPr/>
             </a:pPr>
+            <a:r>
+              <a:rPr lang="en-US" sz="1350">
+                <a:solidFill>
+                  <a:srgbClr val="CBD5E1"/>
+                </a:solidFill>
+                <a:latin typeface="Arial"/>
+                <a:ea typeface="Arial"/>
+                <a:cs typeface="Arial"/>
+              </a:rPr>
+              <a:t>Posseggo 10 token “PIPPO” con costo di carico unitario 0,5€</a:t>
+            </a:r>
             <a:endParaRPr lang="en-US" sz="1350">
               <a:solidFill>
                 <a:srgbClr val="CBD5E1"/>
@@ -3939,10 +7961,12 @@
             </a:endParaRPr>
           </a:p>
           <a:p>
-            <a:pPr>
-              <a:lnSpc>
-                <a:spcPts val="2429"/>
-              </a:lnSpc>
+            <a:pPr marL="342900" indent="-342900">
+              <a:lnSpc>
+                <a:spcPts val="2429"/>
+              </a:lnSpc>
+              <a:buSzPct val="100000"/>
+              <a:buChar char="•"/>
               <a:defRPr/>
             </a:pPr>
             <a:r>
@@ -3954,7 +7978,7 @@
                 <a:ea typeface="Arial"/>
                 <a:cs typeface="Arial"/>
               </a:rPr>
-              <a:t>T=Tassazione Attuale (indicare 0,33 per il 33%)</a:t>
+              <a:t>Vendo quindi 10 PIPPO per 10 EURO (Incremento di valore del 100%)</a:t>
             </a:r>
             <a:endParaRPr lang="en-US" sz="1350">
               <a:solidFill>
@@ -3966,33 +7990,24 @@
             </a:endParaRPr>
           </a:p>
           <a:p>
-            <a:pPr>
-              <a:lnSpc>
-                <a:spcPts val="2429"/>
-              </a:lnSpc>
-              <a:defRPr/>
-            </a:pPr>
-            <a:r>
-              <a:rPr lang="en-US" sz="1350">
-                <a:solidFill>
-                  <a:srgbClr val="CBD5E1"/>
-                </a:solidFill>
-                <a:latin typeface="Arial"/>
-                <a:ea typeface="Arial"/>
-                <a:cs typeface="Arial"/>
-              </a:rPr>
-              <a:t>GN=Guadagno netto griglia (indicare 0,005 per</a:t>
-            </a:r>
-            <a:r>
-              <a:rPr lang="en-US" sz="1350">
-                <a:solidFill>
-                  <a:srgbClr val="CBD5E1"/>
-                </a:solidFill>
-                <a:latin typeface="Arial"/>
-                <a:ea typeface="Arial"/>
-                <a:cs typeface="Arial"/>
-              </a:rPr>
-              <a:t> lo 0,5%)</a:t>
+            <a:pPr marL="342900" indent="-342900">
+              <a:lnSpc>
+                <a:spcPts val="2429"/>
+              </a:lnSpc>
+              <a:buSzPct val="100000"/>
+              <a:buChar char="•"/>
+              <a:defRPr/>
+            </a:pPr>
+            <a:r>
+              <a:rPr lang="en-US" sz="1200" b="0" i="0" u="none" strike="noStrike" cap="none" spc="0">
+                <a:solidFill>
+                  <a:srgbClr val="CBD5E1"/>
+                </a:solidFill>
+                <a:latin typeface="Arial"/>
+                <a:ea typeface="Arial"/>
+                <a:cs typeface="Arial"/>
+              </a:rPr>
+              <a:t>Dopo la vendita 1€ lo trattiene l’exchange per le commissioni (fee al 10%)</a:t>
             </a:r>
             <a:endParaRPr lang="en-US" sz="1350">
               <a:solidFill>
@@ -4019,7 +8034,7 @@
                 <a:ea typeface="Arial"/>
                 <a:cs typeface="Arial"/>
               </a:rPr>
-              <a:t>Fee=Fee dell’exchange (indicare 0,001 per lo 0,1%)</a:t>
+              <a:t>Calcolo Plusvalenza</a:t>
             </a:r>
             <a:endParaRPr lang="en-US" sz="1350">
               <a:solidFill>
@@ -4031,12 +8046,25 @@
             </a:endParaRPr>
           </a:p>
           <a:p>
-            <a:pPr>
-              <a:lnSpc>
-                <a:spcPts val="2429"/>
-              </a:lnSpc>
-              <a:defRPr/>
-            </a:pPr>
+            <a:pPr marL="234314" indent="-234314">
+              <a:lnSpc>
+                <a:spcPts val="2429"/>
+              </a:lnSpc>
+              <a:buFont typeface="Arial"/>
+              <a:buAutoNum type="arabicPeriod"/>
+              <a:defRPr/>
+            </a:pPr>
+            <a:r>
+              <a:rPr lang="en-US" sz="1350">
+                <a:solidFill>
+                  <a:srgbClr val="CBD5E1"/>
+                </a:solidFill>
+                <a:latin typeface="Arial"/>
+                <a:ea typeface="Arial"/>
+                <a:cs typeface="Arial"/>
+              </a:rPr>
+              <a:t>P/L = 10 (Prezzo di vendita) - 5 (Costo di carico dei 10 PIPPO) = 5€</a:t>
+            </a:r>
             <a:endParaRPr lang="en-US" sz="1350">
               <a:solidFill>
                 <a:srgbClr val="CBD5E1"/>
@@ -4047,15 +8075,154 @@
             </a:endParaRPr>
           </a:p>
           <a:p>
-            <a:pPr>
-              <a:lnSpc>
-                <a:spcPts val="2429"/>
-              </a:lnSpc>
-              <a:defRPr/>
-            </a:pPr>
-            <a:endParaRPr sz="1350">
-              <a:solidFill>
-                <a:schemeClr val="bg1"/>
+            <a:pPr marL="234314" indent="-234314">
+              <a:lnSpc>
+                <a:spcPts val="2429"/>
+              </a:lnSpc>
+              <a:buFont typeface="Arial"/>
+              <a:buAutoNum type="arabicPeriod"/>
+              <a:defRPr/>
+            </a:pPr>
+            <a:r>
+              <a:rPr lang="en-US" sz="1350" b="0" i="0" u="none" strike="noStrike" cap="none" spc="0">
+                <a:solidFill>
+                  <a:srgbClr val="CBD5E1"/>
+                </a:solidFill>
+                <a:latin typeface="Arial"/>
+                <a:ea typeface="Arial"/>
+                <a:cs typeface="Arial"/>
+              </a:rPr>
+              <a:t>Do all ’exchange 1 EUR come commissione (Valore 1€ Costo di carico 1€) </a:t>
+            </a:r>
+            <a:endParaRPr lang="en-US" sz="1350" b="0" i="0" u="none" strike="noStrike" cap="none" spc="0">
+              <a:solidFill>
+                <a:srgbClr val="CBD5E1"/>
+              </a:solidFill>
+              <a:latin typeface="Times New Roman"/>
+              <a:cs typeface="Times New Roman"/>
+            </a:endParaRPr>
+          </a:p>
+          <a:p>
+            <a:pPr>
+              <a:lnSpc>
+                <a:spcPts val="2429"/>
+              </a:lnSpc>
+              <a:defRPr/>
+            </a:pPr>
+            <a:r>
+              <a:rPr lang="en-US" sz="1350" b="0" i="0" u="none" strike="noStrike" cap="none" spc="0">
+                <a:solidFill>
+                  <a:srgbClr val="CBD5E1"/>
+                </a:solidFill>
+                <a:latin typeface="Arial"/>
+                <a:ea typeface="Arial"/>
+                <a:cs typeface="Arial"/>
+              </a:rPr>
+              <a:t>	(In ogni caso non vi sono ulteriori plusvalenze)</a:t>
+            </a:r>
+            <a:endParaRPr lang="en-US" sz="1350" b="0" i="0" u="none" strike="noStrike" cap="none" spc="0">
+              <a:solidFill>
+                <a:srgbClr val="CBD5E1"/>
+              </a:solidFill>
+              <a:latin typeface="Times New Roman"/>
+              <a:cs typeface="Times New Roman"/>
+            </a:endParaRPr>
+          </a:p>
+          <a:p>
+            <a:pPr>
+              <a:lnSpc>
+                <a:spcPts val="2429"/>
+              </a:lnSpc>
+              <a:defRPr/>
+            </a:pPr>
+            <a:r>
+              <a:rPr lang="en-US" sz="1350" b="0" i="0" u="none" strike="noStrike" cap="none" spc="0">
+                <a:solidFill>
+                  <a:srgbClr val="CBD5E1"/>
+                </a:solidFill>
+                <a:latin typeface="Arial"/>
+                <a:ea typeface="Arial"/>
+                <a:cs typeface="Arial"/>
+              </a:rPr>
+              <a:t>Plusvalenza Base : 5</a:t>
+            </a:r>
+            <a:r>
+              <a:rPr lang="en-US" sz="1350">
+                <a:solidFill>
+                  <a:srgbClr val="CBD5E1"/>
+                </a:solidFill>
+                <a:latin typeface="Arial"/>
+                <a:ea typeface="Arial"/>
+                <a:cs typeface="Arial"/>
+              </a:rPr>
+              <a:t>€</a:t>
+            </a:r>
+            <a:endParaRPr lang="en-US" sz="1350" b="0" i="0" u="none" strike="noStrike" cap="none" spc="0">
+              <a:solidFill>
+                <a:srgbClr val="CBD5E1"/>
+              </a:solidFill>
+              <a:latin typeface="Times New Roman"/>
+              <a:cs typeface="Times New Roman"/>
+            </a:endParaRPr>
+          </a:p>
+          <a:p>
+            <a:pPr>
+              <a:lnSpc>
+                <a:spcPts val="2429"/>
+              </a:lnSpc>
+              <a:defRPr/>
+            </a:pPr>
+            <a:r>
+              <a:rPr lang="en-US" sz="1350" b="0" i="0" u="none" strike="noStrike" cap="none" spc="0">
+                <a:solidFill>
+                  <a:srgbClr val="CBD5E1"/>
+                </a:solidFill>
+                <a:latin typeface="Arial"/>
+                <a:ea typeface="Arial"/>
+                <a:cs typeface="Arial"/>
+              </a:rPr>
+              <a:t>Plusvalenza considerando le fee : 5</a:t>
+            </a:r>
+            <a:r>
+              <a:rPr lang="en-US" sz="1350" b="0" i="0" u="none" strike="noStrike" cap="none" spc="0">
+                <a:solidFill>
+                  <a:srgbClr val="CBD5E1"/>
+                </a:solidFill>
+                <a:latin typeface="Arial"/>
+                <a:ea typeface="Arial"/>
+                <a:cs typeface="Arial"/>
+              </a:rPr>
+              <a:t>€ </a:t>
+            </a:r>
+            <a:endParaRPr lang="en-US" sz="1350" b="0" i="0" u="none" strike="noStrike" cap="none" spc="0">
+              <a:solidFill>
+                <a:srgbClr val="CBD5E1"/>
+              </a:solidFill>
+              <a:latin typeface="Times New Roman"/>
+              <a:cs typeface="Times New Roman"/>
+            </a:endParaRPr>
+          </a:p>
+          <a:p>
+            <a:pPr>
+              <a:lnSpc>
+                <a:spcPts val="2429"/>
+              </a:lnSpc>
+              <a:defRPr/>
+            </a:pPr>
+            <a:r>
+              <a:rPr lang="en-US" sz="1350" b="0" i="0" u="none" strike="noStrike" cap="none" spc="0">
+                <a:solidFill>
+                  <a:srgbClr val="CBD5E1"/>
+                </a:solidFill>
+                <a:latin typeface="Arial"/>
+                <a:ea typeface="Arial"/>
+                <a:cs typeface="Arial"/>
+              </a:rPr>
+              <a:t>Guadagno Reale : 4€</a:t>
+            </a:r>
+            <a:endParaRPr lang="en-US" sz="1350">
+              <a:solidFill>
+                <a:srgbClr val="CBD5E1"/>
               </a:solidFill>
               <a:latin typeface="Arial"/>
               <a:ea typeface="Arial"/>
@@ -4063,11 +8230,11 @@
             </a:endParaRPr>
           </a:p>
           <a:p>
-            <a:pPr marL="342900" indent="-342900">
-              <a:lnSpc>
-                <a:spcPts val="2429"/>
-              </a:lnSpc>
-              <a:buSzPct val="100000"/>
+            <a:pPr marL="234314" indent="-234314">
+              <a:lnSpc>
+                <a:spcPts val="2428"/>
+              </a:lnSpc>
+              <a:buFont typeface="Arial"/>
               <a:buChar char="•"/>
               <a:defRPr/>
             </a:pPr>
@@ -4075,28 +8242,6 @@
           </a:p>
         </p:txBody>
       </p:sp>
-      <p:pic>
-        <p:nvPicPr>
-          <p:cNvPr id="126915738" name=""/>
-          <p:cNvPicPr>
-            <a:picLocks noChangeAspect="1"/>
-          </p:cNvPicPr>
-          <p:nvPr/>
-        </p:nvPicPr>
-        <p:blipFill rotWithShape="1">
-          <a:blip r:embed="rId3"/>
-          <a:stretch/>
-        </p:blipFill>
-        <p:spPr bwMode="auto">
-          <a:xfrm>
-            <a:off x="1199444" y="3355330"/>
-            <a:ext cx="5981699" cy="1104899"/>
-          </a:xfrm>
-          <a:prstGeom prst="rect">
-            <a:avLst/>
-          </a:prstGeom>
-        </p:spPr>
-      </p:pic>
     </p:spTree>
   </p:cSld>
   <p:clrMapOvr>
@@ -4115,7 +8260,7 @@
 
 <file path=ppt/slides/slide7.xml><?xml version="1.0" encoding="utf-8"?>
 <p:sld xmlns:a="http://schemas.openxmlformats.org/drawingml/2006/main" xmlns:r="http://schemas.openxmlformats.org/officeDocument/2006/relationships" xmlns:p="http://schemas.openxmlformats.org/presentationml/2006/main" xmlns:m="http://schemas.openxmlformats.org/officeDocument/2006/math" xmlns:w="http://schemas.openxmlformats.org/wordprocessingml/2006/main" xmlns:mc="http://schemas.openxmlformats.org/markup-compatibility/2006" showMasterPhAnim="0" showMasterSp="1" show="1">
-  <p:cSld name="Slide 5">
+  <p:cSld name="Slide 4">
     <p:bg>
       <p:bgPr shadeToTitle="0">
         <a:solidFill>
@@ -4139,7 +8284,7 @@
       </p:grpSpPr>
       <p:sp>
         <p:nvSpPr>
-          <p:cNvPr id="1137631933" name="Text 0"/>
+          <p:cNvPr id="1021663393" name="Text 1"/>
           <p:cNvSpPr/>
           <p:nvPr/>
         </p:nvSpPr>
@@ -4174,7 +8319,7 @@
                 <a:ea typeface="Arial"/>
                 <a:cs typeface="Arial"/>
               </a:rPr>
-              <a:t>Attenzione ai gridbot</a:t>
+              <a:t>Fee in Moneta diversa</a:t>
             </a:r>
             <a:endParaRPr lang="en-US" sz="2700"/>
           </a:p>
@@ -4182,14 +8327,14 @@
       </p:sp>
       <p:sp>
         <p:nvSpPr>
-          <p:cNvPr id="1105376215" name="Text 1"/>
+          <p:cNvPr id="2027393157" name="Text 3"/>
           <p:cNvSpPr/>
           <p:nvPr/>
         </p:nvSpPr>
         <p:spPr bwMode="auto">
           <a:xfrm flipH="0" flipV="0">
-            <a:off x="914399" y="1249660"/>
-            <a:ext cx="7619999" cy="3872672"/>
+            <a:off x="120666" y="1164166"/>
+            <a:ext cx="8875888" cy="3598331"/>
           </a:xfrm>
           <a:prstGeom prst="rect">
             <a:avLst/>
@@ -4201,24 +8346,22 @@
           <a:bodyPr wrap="square" lIns="0" tIns="0" rIns="0" bIns="0" rtlCol="0" anchor="t"/>
           <a:lstStyle/>
           <a:p>
-            <a:pPr marL="342900" indent="-342900">
-              <a:lnSpc>
-                <a:spcPts val="2429"/>
-              </a:lnSpc>
-              <a:buSzPct val="100000"/>
-              <a:buChar char="•"/>
-              <a:defRPr/>
-            </a:pPr>
-            <a:r>
-              <a:rPr lang="en-US" sz="1350" b="0" i="0" u="none" strike="noStrike" cap="none" spc="0">
-                <a:solidFill>
-                  <a:srgbClr val="CBD5E1"/>
-                </a:solidFill>
-                <a:latin typeface="Arial"/>
-                <a:ea typeface="Arial"/>
-                <a:cs typeface="Arial"/>
-              </a:rPr>
-              <a:t>Questa una tabella utile per Binance quindi con fee allo 0,1% e tassazione al 33%</a:t>
+            <a:pPr>
+              <a:lnSpc>
+                <a:spcPts val="2429"/>
+              </a:lnSpc>
+              <a:defRPr/>
+            </a:pPr>
+            <a:r>
+              <a:rPr lang="en-US" sz="1350">
+                <a:solidFill>
+                  <a:srgbClr val="CBD5E1"/>
+                </a:solidFill>
+                <a:latin typeface="Arial"/>
+                <a:ea typeface="Arial"/>
+                <a:cs typeface="Arial"/>
+              </a:rPr>
+              <a:t>Dati:</a:t>
             </a:r>
             <a:endParaRPr lang="en-US" sz="1350">
               <a:solidFill>
@@ -4230,12 +8373,25 @@
             </a:endParaRPr>
           </a:p>
           <a:p>
-            <a:pPr>
-              <a:lnSpc>
-                <a:spcPts val="2429"/>
-              </a:lnSpc>
-              <a:defRPr/>
-            </a:pPr>
+            <a:pPr marL="342900" indent="-342900">
+              <a:lnSpc>
+                <a:spcPts val="2429"/>
+              </a:lnSpc>
+              <a:buSzPct val="100000"/>
+              <a:buChar char="•"/>
+              <a:defRPr/>
+            </a:pPr>
+            <a:r>
+              <a:rPr lang="en-US" sz="1350">
+                <a:solidFill>
+                  <a:srgbClr val="CBD5E1"/>
+                </a:solidFill>
+                <a:latin typeface="Arial"/>
+                <a:ea typeface="Arial"/>
+                <a:cs typeface="Arial"/>
+              </a:rPr>
+              <a:t>Posseggo 9 token “PIPPO” con costo di carico unitario 0,5€</a:t>
+            </a:r>
             <a:endParaRPr lang="en-US" sz="1350">
               <a:solidFill>
                 <a:srgbClr val="CBD5E1"/>
@@ -4246,12 +8402,25 @@
             </a:endParaRPr>
           </a:p>
           <a:p>
-            <a:pPr>
-              <a:lnSpc>
-                <a:spcPts val="2429"/>
-              </a:lnSpc>
-              <a:defRPr/>
-            </a:pPr>
+            <a:pPr marL="342900" indent="-342900">
+              <a:lnSpc>
+                <a:spcPts val="2429"/>
+              </a:lnSpc>
+              <a:buSzPct val="100000"/>
+              <a:buChar char="•"/>
+              <a:defRPr/>
+            </a:pPr>
+            <a:r>
+              <a:rPr lang="en-US" sz="1350">
+                <a:solidFill>
+                  <a:srgbClr val="CBD5E1"/>
+                </a:solidFill>
+                <a:latin typeface="Arial"/>
+                <a:ea typeface="Arial"/>
+                <a:cs typeface="Arial"/>
+              </a:rPr>
+              <a:t>Vendo quindi 9 PIPPO per 9 EURO (Incremento di valore del 100%)</a:t>
+            </a:r>
             <a:endParaRPr lang="en-US" sz="1350">
               <a:solidFill>
                 <a:srgbClr val="CBD5E1"/>
@@ -4262,15 +8431,28 @@
             </a:endParaRPr>
           </a:p>
           <a:p>
-            <a:pPr>
-              <a:lnSpc>
-                <a:spcPts val="2429"/>
-              </a:lnSpc>
-              <a:defRPr/>
-            </a:pPr>
-            <a:endParaRPr sz="1350">
-              <a:solidFill>
-                <a:schemeClr val="bg1"/>
+            <a:pPr marL="342900" indent="-342900">
+              <a:lnSpc>
+                <a:spcPts val="2429"/>
+              </a:lnSpc>
+              <a:buSzPct val="100000"/>
+              <a:buChar char="•"/>
+              <a:defRPr/>
+            </a:pPr>
+            <a:r>
+              <a:rPr lang="en-US" sz="1200" b="0" i="0" u="none" strike="noStrike" cap="none" spc="0">
+                <a:solidFill>
+                  <a:srgbClr val="CBD5E1"/>
+                </a:solidFill>
+                <a:latin typeface="Arial"/>
+                <a:ea typeface="Arial"/>
+                <a:cs typeface="Arial"/>
+              </a:rPr>
+              <a:t>Pago la fee di 0,0001 ETH che avevano un costo di carico di 0,5€ e un prezzo al momento della cessione di 1€</a:t>
+            </a:r>
+            <a:endParaRPr lang="en-US" sz="1350">
+              <a:solidFill>
+                <a:srgbClr val="CBD5E1"/>
               </a:solidFill>
               <a:latin typeface="Arial"/>
               <a:ea typeface="Arial"/>
@@ -4278,11 +8460,244 @@
             </a:endParaRPr>
           </a:p>
           <a:p>
-            <a:pPr marL="342900" indent="-342900">
-              <a:lnSpc>
-                <a:spcPts val="2429"/>
-              </a:lnSpc>
-              <a:buSzPct val="100000"/>
+            <a:pPr>
+              <a:lnSpc>
+                <a:spcPts val="2429"/>
+              </a:lnSpc>
+              <a:defRPr/>
+            </a:pPr>
+            <a:r>
+              <a:rPr lang="en-US" sz="1350">
+                <a:solidFill>
+                  <a:srgbClr val="CBD5E1"/>
+                </a:solidFill>
+                <a:latin typeface="Arial"/>
+                <a:ea typeface="Arial"/>
+                <a:cs typeface="Arial"/>
+              </a:rPr>
+              <a:t>Calcolo Plusvalenza</a:t>
+            </a:r>
+            <a:endParaRPr lang="en-US" sz="1350">
+              <a:solidFill>
+                <a:srgbClr val="CBD5E1"/>
+              </a:solidFill>
+              <a:latin typeface="Arial"/>
+              <a:ea typeface="Arial"/>
+              <a:cs typeface="Arial"/>
+            </a:endParaRPr>
+          </a:p>
+          <a:p>
+            <a:pPr marL="234314" indent="-234314">
+              <a:lnSpc>
+                <a:spcPts val="2429"/>
+              </a:lnSpc>
+              <a:buFont typeface="Arial"/>
+              <a:buAutoNum type="arabicPeriod"/>
+              <a:defRPr/>
+            </a:pPr>
+            <a:r>
+              <a:rPr lang="en-US" sz="1350">
+                <a:solidFill>
+                  <a:srgbClr val="CBD5E1"/>
+                </a:solidFill>
+                <a:latin typeface="Arial"/>
+                <a:ea typeface="Arial"/>
+                <a:cs typeface="Arial"/>
+              </a:rPr>
+              <a:t>P/L = 9 (Prezzo di vendita) - 9 (Costo di carico dei 9 PIPPO) = 4.5€</a:t>
+            </a:r>
+            <a:endParaRPr lang="en-US" sz="1350">
+              <a:solidFill>
+                <a:srgbClr val="CBD5E1"/>
+              </a:solidFill>
+              <a:latin typeface="Arial"/>
+              <a:ea typeface="Arial"/>
+              <a:cs typeface="Arial"/>
+            </a:endParaRPr>
+          </a:p>
+          <a:p>
+            <a:pPr marL="234314" indent="-234314">
+              <a:lnSpc>
+                <a:spcPts val="2429"/>
+              </a:lnSpc>
+              <a:buFont typeface="Arial"/>
+              <a:buAutoNum type="arabicPeriod"/>
+              <a:defRPr/>
+            </a:pPr>
+            <a:r>
+              <a:rPr lang="en-US" sz="1350" b="0" i="0" u="none" strike="noStrike" cap="none" spc="0">
+                <a:solidFill>
+                  <a:srgbClr val="CBD5E1"/>
+                </a:solidFill>
+                <a:latin typeface="Arial"/>
+                <a:ea typeface="Arial"/>
+                <a:cs typeface="Arial"/>
+              </a:rPr>
+              <a:t>Fee </a:t>
+            </a:r>
+            <a:r>
+              <a:rPr lang="en-US" sz="1350" b="0" i="0" u="none" strike="noStrike" cap="none" spc="0">
+                <a:solidFill>
+                  <a:srgbClr val="CBD5E1"/>
+                </a:solidFill>
+                <a:latin typeface="Arial"/>
+                <a:ea typeface="Arial"/>
+                <a:cs typeface="Arial"/>
+              </a:rPr>
+              <a:t>0,0001 ETH</a:t>
+            </a:r>
+            <a:r>
+              <a:rPr lang="en-US" sz="1350" b="0" i="0" u="none" strike="noStrike" cap="none" spc="0">
+                <a:solidFill>
+                  <a:srgbClr val="CBD5E1"/>
+                </a:solidFill>
+                <a:latin typeface="Arial"/>
+                <a:ea typeface="Arial"/>
+                <a:cs typeface="Arial"/>
+              </a:rPr>
+              <a:t> (Valore 1€ Costo di carico 0,5€) </a:t>
+            </a:r>
+            <a:endParaRPr lang="en-US" sz="1350" b="0" i="0" u="none" strike="noStrike" cap="none" spc="0">
+              <a:solidFill>
+                <a:srgbClr val="CBD5E1"/>
+              </a:solidFill>
+              <a:latin typeface="Times New Roman"/>
+              <a:cs typeface="Times New Roman"/>
+            </a:endParaRPr>
+          </a:p>
+          <a:p>
+            <a:pPr>
+              <a:lnSpc>
+                <a:spcPts val="2429"/>
+              </a:lnSpc>
+              <a:defRPr/>
+            </a:pPr>
+            <a:r>
+              <a:rPr lang="en-US" sz="1350" b="0" i="0" u="none" strike="noStrike" cap="none" spc="0">
+                <a:solidFill>
+                  <a:srgbClr val="CBD5E1"/>
+                </a:solidFill>
+                <a:latin typeface="Arial"/>
+                <a:ea typeface="Arial"/>
+                <a:cs typeface="Arial"/>
+              </a:rPr>
+              <a:t>	(Plusvalenza accessoria da calcolare se considerate le fee come un acquisto di servizi)</a:t>
+            </a:r>
+            <a:endParaRPr lang="en-US" sz="1350" b="0" i="0" u="none" strike="noStrike" cap="none" spc="0">
+              <a:solidFill>
+                <a:srgbClr val="CBD5E1"/>
+              </a:solidFill>
+              <a:latin typeface="Times New Roman"/>
+              <a:cs typeface="Times New Roman"/>
+            </a:endParaRPr>
+          </a:p>
+          <a:p>
+            <a:pPr>
+              <a:lnSpc>
+                <a:spcPts val="2429"/>
+              </a:lnSpc>
+              <a:defRPr/>
+            </a:pPr>
+            <a:r>
+              <a:rPr lang="en-US" sz="1350" b="0" i="0" u="none" strike="noStrike" cap="none" spc="0">
+                <a:solidFill>
+                  <a:srgbClr val="CBD5E1"/>
+                </a:solidFill>
+                <a:latin typeface="Arial"/>
+                <a:ea typeface="Arial"/>
+                <a:cs typeface="Arial"/>
+              </a:rPr>
+              <a:t>Plusvalenza Base : 4,5</a:t>
+            </a:r>
+            <a:r>
+              <a:rPr lang="en-US" sz="1350">
+                <a:solidFill>
+                  <a:srgbClr val="CBD5E1"/>
+                </a:solidFill>
+                <a:latin typeface="Arial"/>
+                <a:ea typeface="Arial"/>
+                <a:cs typeface="Arial"/>
+              </a:rPr>
+              <a:t>€</a:t>
+            </a:r>
+            <a:endParaRPr lang="en-US" sz="1350" b="0" i="0" u="none" strike="noStrike" cap="none" spc="0">
+              <a:solidFill>
+                <a:srgbClr val="CBD5E1"/>
+              </a:solidFill>
+              <a:latin typeface="Times New Roman"/>
+              <a:cs typeface="Times New Roman"/>
+            </a:endParaRPr>
+          </a:p>
+          <a:p>
+            <a:pPr>
+              <a:lnSpc>
+                <a:spcPts val="2429"/>
+              </a:lnSpc>
+              <a:defRPr/>
+            </a:pPr>
+            <a:r>
+              <a:rPr lang="en-US" sz="1350" b="0" i="0" u="none" strike="noStrike" cap="none" spc="0">
+                <a:solidFill>
+                  <a:srgbClr val="CBD5E1"/>
+                </a:solidFill>
+                <a:latin typeface="Arial"/>
+                <a:ea typeface="Arial"/>
+                <a:cs typeface="Arial"/>
+              </a:rPr>
+              <a:t>Plusvalenza considerando le fee : 5</a:t>
+            </a:r>
+            <a:r>
+              <a:rPr lang="en-US" sz="1350" b="0" i="0" u="none" strike="noStrike" cap="none" spc="0">
+                <a:solidFill>
+                  <a:srgbClr val="CBD5E1"/>
+                </a:solidFill>
+                <a:latin typeface="Arial"/>
+                <a:ea typeface="Arial"/>
+                <a:cs typeface="Arial"/>
+              </a:rPr>
+              <a:t>€ </a:t>
+            </a:r>
+            <a:endParaRPr lang="en-US" sz="1350" b="0" i="0" u="none" strike="noStrike" cap="none" spc="0">
+              <a:solidFill>
+                <a:srgbClr val="CBD5E1"/>
+              </a:solidFill>
+              <a:latin typeface="Times New Roman"/>
+              <a:cs typeface="Times New Roman"/>
+            </a:endParaRPr>
+          </a:p>
+          <a:p>
+            <a:pPr>
+              <a:lnSpc>
+                <a:spcPts val="2429"/>
+              </a:lnSpc>
+              <a:defRPr/>
+            </a:pPr>
+            <a:r>
+              <a:rPr lang="en-US" sz="1350" b="0" i="0" u="none" strike="noStrike" cap="none" spc="0">
+                <a:solidFill>
+                  <a:srgbClr val="CBD5E1"/>
+                </a:solidFill>
+                <a:latin typeface="Arial"/>
+                <a:ea typeface="Arial"/>
+                <a:cs typeface="Arial"/>
+              </a:rPr>
+              <a:t>Guadagno Reale : 4€</a:t>
+            </a:r>
+            <a:endParaRPr lang="en-US" sz="1350">
+              <a:solidFill>
+                <a:srgbClr val="CBD5E1"/>
+              </a:solidFill>
+              <a:latin typeface="Arial"/>
+              <a:ea typeface="Arial"/>
+              <a:cs typeface="Arial"/>
+            </a:endParaRPr>
+          </a:p>
+          <a:p>
+            <a:pPr marL="234314" indent="-234314">
+              <a:lnSpc>
+                <a:spcPts val="2428"/>
+              </a:lnSpc>
+              <a:buFont typeface="Arial"/>
               <a:buChar char="•"/>
               <a:defRPr/>
             </a:pPr>
@@ -4290,1499 +8705,6 @@
           </a:p>
         </p:txBody>
       </p:sp>
-      <p:graphicFrame>
-        <p:nvGraphicFramePr>
-          <p:cNvPr id="66683373" name=""/>
-          <p:cNvGraphicFramePr>
-            <a:graphicFrameLocks xmlns:a="http://schemas.openxmlformats.org/drawingml/2006/main"/>
-          </p:cNvGraphicFramePr>
-          <p:nvPr/>
-        </p:nvGraphicFramePr>
-        <p:xfrm>
-          <a:off x="2046833" y="1755421"/>
-          <a:ext cx="2695574" cy="2754629"/>
-        </p:xfrm>
-        <a:graphic>
-          <a:graphicData uri="http://schemas.openxmlformats.org/drawingml/2006/table">
-            <a:tbl>
-              <a:tblPr firstRow="1" firstCol="1" lastRow="0" lastCol="0" bandRow="1" bandCol="0">
-                <a:tableStyleId>{5C22544A-7EE6-4342-B048-85BDC9FD1C3A}</a:tableStyleId>
-              </a:tblPr>
-              <a:tblGrid>
-                <a:gridCol w="1461169"/>
-                <a:gridCol w="1719683"/>
-              </a:tblGrid>
-              <a:tr h="177800">
-                <a:tc>
-                  <a:txBody>
-                    <a:bodyPr/>
-                    <a:p>
-                      <a:pPr algn="ctr">
-                        <a:defRPr/>
-                      </a:pPr>
-                      <a:r>
-                        <a:rPr sz="1100" b="0" i="0" u="none">
-                          <a:solidFill>
-                            <a:schemeClr val="bg1"/>
-                          </a:solidFill>
-                          <a:latin typeface="Calibri"/>
-                          <a:ea typeface="Calibri"/>
-                          <a:cs typeface="Calibri"/>
-                        </a:rPr>
-                        <a:t>% guadagno netto griglia</a:t>
-                      </a:r>
-                      <a:endParaRPr>
-                        <a:solidFill>
-                          <a:schemeClr val="bg1"/>
-                        </a:solidFill>
-                      </a:endParaRPr>
-                    </a:p>
-                  </a:txBody>
-                  <a:tcPr marL="0" marR="0" marT="0" marB="0" anchor="b">
-                    <a:lnL algn="ctr">
-                      <a:noFill/>
-                    </a:lnL>
-                    <a:lnR algn="ctr">
-                      <a:noFill/>
-                    </a:lnR>
-                    <a:lnT algn="ctr">
-                      <a:noFill/>
-                    </a:lnT>
-                    <a:lnB algn="ctr">
-                      <a:noFill/>
-                    </a:lnB>
-                  </a:tcPr>
-                </a:tc>
-                <a:tc>
-                  <a:txBody>
-                    <a:bodyPr/>
-                    <a:p>
-                      <a:pPr algn="ctr">
-                        <a:defRPr/>
-                      </a:pPr>
-                      <a:r>
-                        <a:rPr sz="1100" b="0" i="0" u="none">
-                          <a:solidFill>
-                            <a:srgbClr val="000000"/>
-                          </a:solidFill>
-                          <a:latin typeface="Calibri"/>
-                          <a:ea typeface="Calibri"/>
-                          <a:cs typeface="Calibri"/>
-                        </a:rPr>
-                        <a:t>% Tassazione Reale</a:t>
-                      </a:r>
-                      <a:endParaRPr/>
-                    </a:p>
-                  </a:txBody>
-                  <a:tcPr marL="0" marR="0" marT="0" marB="0" anchor="b">
-                    <a:lnL algn="ctr">
-                      <a:noFill/>
-                    </a:lnL>
-                    <a:lnR algn="ctr">
-                      <a:noFill/>
-                    </a:lnR>
-                    <a:lnT algn="ctr">
-                      <a:noFill/>
-                    </a:lnT>
-                    <a:lnB algn="ctr">
-                      <a:noFill/>
-                    </a:lnB>
-                  </a:tcPr>
-                </a:tc>
-              </a:tr>
-              <a:tr h="184150">
-                <a:tc>
-                  <a:txBody>
-                    <a:bodyPr/>
-                    <a:p>
-                      <a:pPr algn="ctr">
-                        <a:defRPr/>
-                      </a:pPr>
-                      <a:r>
-                        <a:rPr sz="1200" b="0" i="0" u="none">
-                          <a:solidFill>
-                            <a:schemeClr val="bg1"/>
-                          </a:solidFill>
-                          <a:latin typeface="Times New Roman"/>
-                          <a:ea typeface="Times New Roman"/>
-                          <a:cs typeface="Times New Roman"/>
-                        </a:rPr>
-                        <a:t>1</a:t>
-                      </a:r>
-                      <a:r>
-                        <a:rPr lang="en-US" sz="1200" b="0" i="0" u="none" strike="noStrike" cap="none" spc="0">
-                          <a:solidFill>
-                            <a:schemeClr val="bg1"/>
-                          </a:solidFill>
-                          <a:latin typeface="Times New Roman"/>
-                          <a:ea typeface="Times New Roman"/>
-                          <a:cs typeface="Times New Roman"/>
-                        </a:rPr>
-                        <a:t> %</a:t>
-                      </a:r>
-                      <a:endParaRPr>
-                        <a:solidFill>
-                          <a:schemeClr val="bg1"/>
-                        </a:solidFill>
-                      </a:endParaRPr>
-                    </a:p>
-                  </a:txBody>
-                  <a:tcPr marL="0" marR="0" marT="0" marB="0" anchor="ctr">
-                    <a:lnL algn="ctr">
-                      <a:noFill/>
-                    </a:lnL>
-                    <a:lnR algn="ctr">
-                      <a:noFill/>
-                    </a:lnR>
-                    <a:lnT algn="ctr">
-                      <a:noFill/>
-                    </a:lnT>
-                    <a:lnB algn="ctr">
-                      <a:noFill/>
-                    </a:lnB>
-                  </a:tcPr>
-                </a:tc>
-                <a:tc>
-                  <a:txBody>
-                    <a:bodyPr/>
-                    <a:p>
-                      <a:pPr algn="ctr">
-                        <a:defRPr/>
-                      </a:pPr>
-                      <a:r>
-                        <a:rPr sz="1200" b="0" i="0" u="none">
-                          <a:solidFill>
-                            <a:srgbClr val="000000"/>
-                          </a:solidFill>
-                          <a:latin typeface="Times New Roman"/>
-                          <a:ea typeface="Times New Roman"/>
-                          <a:cs typeface="Times New Roman"/>
-                        </a:rPr>
-                        <a:t>36,34 %</a:t>
-                      </a:r>
-                      <a:endParaRPr/>
-                    </a:p>
-                  </a:txBody>
-                  <a:tcPr marL="0" marR="0" marT="0" marB="0" anchor="ctr">
-                    <a:lnL algn="ctr">
-                      <a:noFill/>
-                    </a:lnL>
-                    <a:lnR algn="ctr">
-                      <a:noFill/>
-                    </a:lnR>
-                    <a:lnT algn="ctr">
-                      <a:noFill/>
-                    </a:lnT>
-                    <a:lnB algn="ctr">
-                      <a:noFill/>
-                    </a:lnB>
-                  </a:tcPr>
-                </a:tc>
-              </a:tr>
-              <a:tr h="184150">
-                <a:tc>
-                  <a:txBody>
-                    <a:bodyPr/>
-                    <a:p>
-                      <a:pPr algn="ctr">
-                        <a:defRPr/>
-                      </a:pPr>
-                      <a:r>
-                        <a:rPr sz="1200" b="0" i="0" u="none">
-                          <a:solidFill>
-                            <a:schemeClr val="bg1"/>
-                          </a:solidFill>
-                          <a:latin typeface="Times New Roman"/>
-                          <a:ea typeface="Times New Roman"/>
-                          <a:cs typeface="Times New Roman"/>
-                        </a:rPr>
-                        <a:t>0,9</a:t>
-                      </a:r>
-                      <a:r>
-                        <a:rPr lang="en-US" sz="1200" b="0" i="0" u="none" strike="noStrike" cap="none" spc="0">
-                          <a:solidFill>
-                            <a:schemeClr val="bg1"/>
-                          </a:solidFill>
-                          <a:latin typeface="Times New Roman"/>
-                          <a:ea typeface="Times New Roman"/>
-                          <a:cs typeface="Times New Roman"/>
-                        </a:rPr>
-                        <a:t> %</a:t>
-                      </a:r>
-                      <a:endParaRPr>
-                        <a:solidFill>
-                          <a:schemeClr val="bg1"/>
-                        </a:solidFill>
-                      </a:endParaRPr>
-                    </a:p>
-                  </a:txBody>
-                  <a:tcPr marL="0" marR="0" marT="0" marB="0" anchor="ctr">
-                    <a:lnL algn="ctr">
-                      <a:noFill/>
-                    </a:lnL>
-                    <a:lnR algn="ctr">
-                      <a:noFill/>
-                    </a:lnR>
-                    <a:lnT algn="ctr">
-                      <a:noFill/>
-                    </a:lnT>
-                    <a:lnB algn="ctr">
-                      <a:noFill/>
-                    </a:lnB>
-                  </a:tcPr>
-                </a:tc>
-                <a:tc>
-                  <a:txBody>
-                    <a:bodyPr/>
-                    <a:p>
-                      <a:pPr algn="ctr">
-                        <a:defRPr/>
-                      </a:pPr>
-                      <a:r>
-                        <a:rPr sz="1200" b="0" i="0" u="none">
-                          <a:solidFill>
-                            <a:srgbClr val="000000"/>
-                          </a:solidFill>
-                          <a:latin typeface="Times New Roman"/>
-                          <a:ea typeface="Times New Roman"/>
-                          <a:cs typeface="Times New Roman"/>
-                        </a:rPr>
-                        <a:t>36,70</a:t>
-                      </a:r>
-                      <a:r>
-                        <a:rPr lang="en-US" sz="1200" b="0" i="0" u="none" strike="noStrike" cap="none" spc="0">
-                          <a:solidFill>
-                            <a:srgbClr val="000000"/>
-                          </a:solidFill>
-                          <a:latin typeface="Times New Roman"/>
-                          <a:ea typeface="Times New Roman"/>
-                          <a:cs typeface="Times New Roman"/>
-                        </a:rPr>
-                        <a:t> %</a:t>
-                      </a:r>
-                      <a:endParaRPr/>
-                    </a:p>
-                  </a:txBody>
-                  <a:tcPr marL="0" marR="0" marT="0" marB="0" anchor="ctr">
-                    <a:lnL algn="ctr">
-                      <a:noFill/>
-                    </a:lnL>
-                    <a:lnR algn="ctr">
-                      <a:noFill/>
-                    </a:lnR>
-                    <a:lnT algn="ctr">
-                      <a:noFill/>
-                    </a:lnT>
-                    <a:lnB algn="ctr">
-                      <a:noFill/>
-                    </a:lnB>
-                  </a:tcPr>
-                </a:tc>
-              </a:tr>
-              <a:tr h="184150">
-                <a:tc>
-                  <a:txBody>
-                    <a:bodyPr/>
-                    <a:p>
-                      <a:pPr algn="ctr">
-                        <a:defRPr/>
-                      </a:pPr>
-                      <a:r>
-                        <a:rPr sz="1200" b="0" i="0" u="none">
-                          <a:solidFill>
-                            <a:schemeClr val="bg1"/>
-                          </a:solidFill>
-                          <a:latin typeface="Times New Roman"/>
-                          <a:ea typeface="Times New Roman"/>
-                          <a:cs typeface="Times New Roman"/>
-                        </a:rPr>
-                        <a:t>0,8</a:t>
-                      </a:r>
-                      <a:r>
-                        <a:rPr lang="en-US" sz="1200" b="0" i="0" u="none" strike="noStrike" cap="none" spc="0">
-                          <a:solidFill>
-                            <a:schemeClr val="bg1"/>
-                          </a:solidFill>
-                          <a:latin typeface="Times New Roman"/>
-                          <a:ea typeface="Times New Roman"/>
-                          <a:cs typeface="Times New Roman"/>
-                        </a:rPr>
-                        <a:t> %</a:t>
-                      </a:r>
-                      <a:endParaRPr>
-                        <a:solidFill>
-                          <a:schemeClr val="bg1"/>
-                        </a:solidFill>
-                      </a:endParaRPr>
-                    </a:p>
-                  </a:txBody>
-                  <a:tcPr marL="0" marR="0" marT="0" marB="0" anchor="ctr">
-                    <a:lnL algn="ctr">
-                      <a:noFill/>
-                    </a:lnL>
-                    <a:lnR algn="ctr">
-                      <a:noFill/>
-                    </a:lnR>
-                    <a:lnT algn="ctr">
-                      <a:noFill/>
-                    </a:lnT>
-                    <a:lnB algn="ctr">
-                      <a:noFill/>
-                    </a:lnB>
-                  </a:tcPr>
-                </a:tc>
-                <a:tc>
-                  <a:txBody>
-                    <a:bodyPr/>
-                    <a:p>
-                      <a:pPr algn="ctr">
-                        <a:defRPr/>
-                      </a:pPr>
-                      <a:r>
-                        <a:rPr sz="1200" b="0" i="0" u="none">
-                          <a:solidFill>
-                            <a:srgbClr val="000000"/>
-                          </a:solidFill>
-                          <a:latin typeface="Times New Roman"/>
-                          <a:ea typeface="Times New Roman"/>
-                          <a:cs typeface="Times New Roman"/>
-                        </a:rPr>
-                        <a:t>37,16</a:t>
-                      </a:r>
-                      <a:r>
-                        <a:rPr lang="en-US" sz="1200" b="0" i="0" u="none" strike="noStrike" cap="none" spc="0">
-                          <a:solidFill>
-                            <a:srgbClr val="000000"/>
-                          </a:solidFill>
-                          <a:latin typeface="Times New Roman"/>
-                          <a:ea typeface="Times New Roman"/>
-                          <a:cs typeface="Times New Roman"/>
-                        </a:rPr>
-                        <a:t> %</a:t>
-                      </a:r>
-                      <a:endParaRPr/>
-                    </a:p>
-                  </a:txBody>
-                  <a:tcPr marL="0" marR="0" marT="0" marB="0" anchor="ctr">
-                    <a:lnL algn="ctr">
-                      <a:noFill/>
-                    </a:lnL>
-                    <a:lnR algn="ctr">
-                      <a:noFill/>
-                    </a:lnR>
-                    <a:lnT algn="ctr">
-                      <a:noFill/>
-                    </a:lnT>
-                    <a:lnB algn="ctr">
-                      <a:noFill/>
-                    </a:lnB>
-                  </a:tcPr>
-                </a:tc>
-              </a:tr>
-              <a:tr h="177800">
-                <a:tc>
-                  <a:txBody>
-                    <a:bodyPr/>
-                    <a:p>
-                      <a:pPr algn="ctr">
-                        <a:defRPr/>
-                      </a:pPr>
-                      <a:r>
-                        <a:rPr sz="1200" b="0" i="0" u="none">
-                          <a:solidFill>
-                            <a:schemeClr val="bg1"/>
-                          </a:solidFill>
-                          <a:latin typeface="Times New Roman"/>
-                          <a:ea typeface="Times New Roman"/>
-                          <a:cs typeface="Times New Roman"/>
-                        </a:rPr>
-                        <a:t>0,7</a:t>
-                      </a:r>
-                      <a:r>
-                        <a:rPr lang="en-US" sz="1200" b="0" i="0" u="none" strike="noStrike" cap="none" spc="0">
-                          <a:solidFill>
-                            <a:schemeClr val="bg1"/>
-                          </a:solidFill>
-                          <a:latin typeface="Times New Roman"/>
-                          <a:ea typeface="Times New Roman"/>
-                          <a:cs typeface="Times New Roman"/>
-                        </a:rPr>
-                        <a:t> %</a:t>
-                      </a:r>
-                      <a:endParaRPr>
-                        <a:solidFill>
-                          <a:schemeClr val="bg1"/>
-                        </a:solidFill>
-                      </a:endParaRPr>
-                    </a:p>
-                  </a:txBody>
-                  <a:tcPr marL="0" marR="0" marT="0" marB="0" anchor="ctr">
-                    <a:lnL algn="ctr">
-                      <a:noFill/>
-                    </a:lnL>
-                    <a:lnR algn="ctr">
-                      <a:noFill/>
-                    </a:lnR>
-                    <a:lnT algn="ctr">
-                      <a:noFill/>
-                    </a:lnT>
-                    <a:lnB algn="ctr">
-                      <a:noFill/>
-                    </a:lnB>
-                  </a:tcPr>
-                </a:tc>
-                <a:tc>
-                  <a:txBody>
-                    <a:bodyPr/>
-                    <a:p>
-                      <a:pPr algn="ctr">
-                        <a:defRPr/>
-                      </a:pPr>
-                      <a:r>
-                        <a:rPr sz="1200" b="0" i="0" u="none">
-                          <a:solidFill>
-                            <a:srgbClr val="000000"/>
-                          </a:solidFill>
-                          <a:latin typeface="Times New Roman"/>
-                          <a:ea typeface="Times New Roman"/>
-                          <a:cs typeface="Times New Roman"/>
-                        </a:rPr>
-                        <a:t>37,75</a:t>
-                      </a:r>
-                      <a:r>
-                        <a:rPr lang="en-US" sz="1200" b="0" i="0" u="none" strike="noStrike" cap="none" spc="0">
-                          <a:solidFill>
-                            <a:srgbClr val="000000"/>
-                          </a:solidFill>
-                          <a:latin typeface="Times New Roman"/>
-                          <a:ea typeface="Times New Roman"/>
-                          <a:cs typeface="Times New Roman"/>
-                        </a:rPr>
-                        <a:t> %</a:t>
-                      </a:r>
-                      <a:endParaRPr/>
-                    </a:p>
-                  </a:txBody>
-                  <a:tcPr marL="0" marR="0" marT="0" marB="0" anchor="ctr">
-                    <a:lnL algn="ctr">
-                      <a:noFill/>
-                    </a:lnL>
-                    <a:lnR algn="ctr">
-                      <a:noFill/>
-                    </a:lnR>
-                    <a:lnT algn="ctr">
-                      <a:noFill/>
-                    </a:lnT>
-                    <a:lnB algn="ctr">
-                      <a:noFill/>
-                    </a:lnB>
-                  </a:tcPr>
-                </a:tc>
-              </a:tr>
-              <a:tr h="184150">
-                <a:tc>
-                  <a:txBody>
-                    <a:bodyPr/>
-                    <a:p>
-                      <a:pPr algn="ctr">
-                        <a:defRPr/>
-                      </a:pPr>
-                      <a:r>
-                        <a:rPr sz="1200" b="0" i="0" u="none">
-                          <a:solidFill>
-                            <a:schemeClr val="bg1"/>
-                          </a:solidFill>
-                          <a:latin typeface="Times New Roman"/>
-                          <a:ea typeface="Times New Roman"/>
-                          <a:cs typeface="Times New Roman"/>
-                        </a:rPr>
-                        <a:t>0,6</a:t>
-                      </a:r>
-                      <a:r>
-                        <a:rPr lang="en-US" sz="1200" b="0" i="0" u="none" strike="noStrike" cap="none" spc="0">
-                          <a:solidFill>
-                            <a:schemeClr val="bg1"/>
-                          </a:solidFill>
-                          <a:latin typeface="Times New Roman"/>
-                          <a:ea typeface="Times New Roman"/>
-                          <a:cs typeface="Times New Roman"/>
-                        </a:rPr>
-                        <a:t> %</a:t>
-                      </a:r>
-                      <a:endParaRPr>
-                        <a:solidFill>
-                          <a:schemeClr val="bg1"/>
-                        </a:solidFill>
-                      </a:endParaRPr>
-                    </a:p>
-                  </a:txBody>
-                  <a:tcPr marL="0" marR="0" marT="0" marB="0" anchor="ctr">
-                    <a:lnL algn="ctr">
-                      <a:noFill/>
-                    </a:lnL>
-                    <a:lnR algn="ctr">
-                      <a:noFill/>
-                    </a:lnR>
-                    <a:lnT algn="ctr">
-                      <a:noFill/>
-                    </a:lnT>
-                    <a:lnB algn="ctr">
-                      <a:noFill/>
-                    </a:lnB>
-                  </a:tcPr>
-                </a:tc>
-                <a:tc>
-                  <a:txBody>
-                    <a:bodyPr/>
-                    <a:p>
-                      <a:pPr algn="ctr">
-                        <a:defRPr/>
-                      </a:pPr>
-                      <a:r>
-                        <a:rPr sz="1200" b="0" i="0" u="none">
-                          <a:solidFill>
-                            <a:srgbClr val="000000"/>
-                          </a:solidFill>
-                          <a:latin typeface="Times New Roman"/>
-                          <a:ea typeface="Times New Roman"/>
-                          <a:cs typeface="Times New Roman"/>
-                        </a:rPr>
-                        <a:t>38,54</a:t>
-                      </a:r>
-                      <a:r>
-                        <a:rPr lang="en-US" sz="1200" b="0" i="0" u="none" strike="noStrike" cap="none" spc="0">
-                          <a:solidFill>
-                            <a:srgbClr val="000000"/>
-                          </a:solidFill>
-                          <a:latin typeface="Times New Roman"/>
-                          <a:ea typeface="Times New Roman"/>
-                          <a:cs typeface="Times New Roman"/>
-                        </a:rPr>
-                        <a:t> %</a:t>
-                      </a:r>
-                      <a:endParaRPr/>
-                    </a:p>
-                  </a:txBody>
-                  <a:tcPr marL="0" marR="0" marT="0" marB="0" anchor="ctr">
-                    <a:lnL algn="ctr">
-                      <a:noFill/>
-                    </a:lnL>
-                    <a:lnR algn="ctr">
-                      <a:noFill/>
-                    </a:lnR>
-                    <a:lnT algn="ctr">
-                      <a:noFill/>
-                    </a:lnT>
-                    <a:lnB algn="ctr">
-                      <a:noFill/>
-                    </a:lnB>
-                  </a:tcPr>
-                </a:tc>
-              </a:tr>
-              <a:tr h="184150">
-                <a:tc>
-                  <a:txBody>
-                    <a:bodyPr/>
-                    <a:p>
-                      <a:pPr algn="ctr">
-                        <a:defRPr/>
-                      </a:pPr>
-                      <a:r>
-                        <a:rPr sz="1200" b="0" i="0" u="none">
-                          <a:solidFill>
-                            <a:schemeClr val="bg1"/>
-                          </a:solidFill>
-                          <a:latin typeface="Times New Roman"/>
-                          <a:ea typeface="Times New Roman"/>
-                          <a:cs typeface="Times New Roman"/>
-                        </a:rPr>
-                        <a:t>0,5</a:t>
-                      </a:r>
-                      <a:r>
-                        <a:rPr lang="en-US" sz="1200" b="0" i="0" u="none" strike="noStrike" cap="none" spc="0">
-                          <a:solidFill>
-                            <a:schemeClr val="bg1"/>
-                          </a:solidFill>
-                          <a:latin typeface="Times New Roman"/>
-                          <a:ea typeface="Times New Roman"/>
-                          <a:cs typeface="Times New Roman"/>
-                        </a:rPr>
-                        <a:t> %</a:t>
-                      </a:r>
-                      <a:endParaRPr>
-                        <a:solidFill>
-                          <a:schemeClr val="bg1"/>
-                        </a:solidFill>
-                      </a:endParaRPr>
-                    </a:p>
-                  </a:txBody>
-                  <a:tcPr marL="0" marR="0" marT="0" marB="0" anchor="ctr">
-                    <a:lnL algn="ctr">
-                      <a:noFill/>
-                    </a:lnL>
-                    <a:lnR algn="ctr">
-                      <a:noFill/>
-                    </a:lnR>
-                    <a:lnT algn="ctr">
-                      <a:noFill/>
-                    </a:lnT>
-                    <a:lnB algn="ctr">
-                      <a:noFill/>
-                    </a:lnB>
-                  </a:tcPr>
-                </a:tc>
-                <a:tc>
-                  <a:txBody>
-                    <a:bodyPr/>
-                    <a:p>
-                      <a:pPr algn="ctr">
-                        <a:defRPr/>
-                      </a:pPr>
-                      <a:r>
-                        <a:rPr sz="1200" b="0" i="0" u="none">
-                          <a:solidFill>
-                            <a:srgbClr val="000000"/>
-                          </a:solidFill>
-                          <a:latin typeface="Times New Roman"/>
-                          <a:ea typeface="Times New Roman"/>
-                          <a:cs typeface="Times New Roman"/>
-                        </a:rPr>
-                        <a:t>39,64</a:t>
-                      </a:r>
-                      <a:r>
-                        <a:rPr lang="en-US" sz="1200" b="0" i="0" u="none" strike="noStrike" cap="none" spc="0">
-                          <a:solidFill>
-                            <a:srgbClr val="000000"/>
-                          </a:solidFill>
-                          <a:latin typeface="Times New Roman"/>
-                          <a:ea typeface="Times New Roman"/>
-                          <a:cs typeface="Times New Roman"/>
-                        </a:rPr>
-                        <a:t> %</a:t>
-                      </a:r>
-                      <a:endParaRPr/>
-                    </a:p>
-                  </a:txBody>
-                  <a:tcPr marL="0" marR="0" marT="0" marB="0" anchor="ctr">
-                    <a:lnL algn="ctr">
-                      <a:noFill/>
-                    </a:lnL>
-                    <a:lnR algn="ctr">
-                      <a:noFill/>
-                    </a:lnR>
-                    <a:lnT algn="ctr">
-                      <a:noFill/>
-                    </a:lnT>
-                    <a:lnB algn="ctr">
-                      <a:noFill/>
-                    </a:lnB>
-                  </a:tcPr>
-                </a:tc>
-              </a:tr>
-              <a:tr h="184150">
-                <a:tc>
-                  <a:txBody>
-                    <a:bodyPr/>
-                    <a:p>
-                      <a:pPr algn="ctr">
-                        <a:defRPr/>
-                      </a:pPr>
-                      <a:r>
-                        <a:rPr sz="1200" b="0" i="0" u="none">
-                          <a:solidFill>
-                            <a:schemeClr val="bg1"/>
-                          </a:solidFill>
-                          <a:latin typeface="Times New Roman"/>
-                          <a:ea typeface="Times New Roman"/>
-                          <a:cs typeface="Times New Roman"/>
-                        </a:rPr>
-                        <a:t>0,4</a:t>
-                      </a:r>
-                      <a:r>
-                        <a:rPr lang="en-US" sz="1200" b="0" i="0" u="none" strike="noStrike" cap="none" spc="0">
-                          <a:solidFill>
-                            <a:schemeClr val="bg1"/>
-                          </a:solidFill>
-                          <a:latin typeface="Times New Roman"/>
-                          <a:ea typeface="Times New Roman"/>
-                          <a:cs typeface="Times New Roman"/>
-                        </a:rPr>
-                        <a:t> %</a:t>
-                      </a:r>
-                      <a:endParaRPr>
-                        <a:solidFill>
-                          <a:schemeClr val="bg1"/>
-                        </a:solidFill>
-                      </a:endParaRPr>
-                    </a:p>
-                  </a:txBody>
-                  <a:tcPr marL="0" marR="0" marT="0" marB="0" anchor="ctr">
-                    <a:lnL algn="ctr">
-                      <a:noFill/>
-                    </a:lnL>
-                    <a:lnR algn="ctr">
-                      <a:noFill/>
-                    </a:lnR>
-                    <a:lnT algn="ctr">
-                      <a:noFill/>
-                    </a:lnT>
-                    <a:lnB algn="ctr">
-                      <a:noFill/>
-                    </a:lnB>
-                  </a:tcPr>
-                </a:tc>
-                <a:tc>
-                  <a:txBody>
-                    <a:bodyPr/>
-                    <a:p>
-                      <a:pPr algn="ctr">
-                        <a:defRPr/>
-                      </a:pPr>
-                      <a:r>
-                        <a:rPr sz="1200" b="0" i="0" u="none">
-                          <a:solidFill>
-                            <a:srgbClr val="000000"/>
-                          </a:solidFill>
-                          <a:latin typeface="Times New Roman"/>
-                          <a:ea typeface="Times New Roman"/>
-                          <a:cs typeface="Times New Roman"/>
-                        </a:rPr>
-                        <a:t>41,32</a:t>
-                      </a:r>
-                      <a:r>
-                        <a:rPr lang="en-US" sz="1200" b="0" i="0" u="none" strike="noStrike" cap="none" spc="0">
-                          <a:solidFill>
-                            <a:srgbClr val="000000"/>
-                          </a:solidFill>
-                          <a:latin typeface="Times New Roman"/>
-                          <a:ea typeface="Times New Roman"/>
-                          <a:cs typeface="Times New Roman"/>
-                        </a:rPr>
-                        <a:t> %</a:t>
-                      </a:r>
-                      <a:endParaRPr/>
-                    </a:p>
-                  </a:txBody>
-                  <a:tcPr marL="0" marR="0" marT="0" marB="0" anchor="ctr">
-                    <a:lnL algn="ctr">
-                      <a:noFill/>
-                    </a:lnL>
-                    <a:lnR algn="ctr">
-                      <a:noFill/>
-                    </a:lnR>
-                    <a:lnT algn="ctr">
-                      <a:noFill/>
-                    </a:lnT>
-                    <a:lnB algn="ctr">
-                      <a:noFill/>
-                    </a:lnB>
-                  </a:tcPr>
-                </a:tc>
-              </a:tr>
-              <a:tr h="184150">
-                <a:tc>
-                  <a:txBody>
-                    <a:bodyPr/>
-                    <a:p>
-                      <a:pPr algn="ctr">
-                        <a:defRPr/>
-                      </a:pPr>
-                      <a:r>
-                        <a:rPr sz="1200" b="0" i="0" u="none">
-                          <a:solidFill>
-                            <a:schemeClr val="bg1"/>
-                          </a:solidFill>
-                          <a:latin typeface="Times New Roman"/>
-                          <a:ea typeface="Times New Roman"/>
-                          <a:cs typeface="Times New Roman"/>
-                        </a:rPr>
-                        <a:t>0,3</a:t>
-                      </a:r>
-                      <a:r>
-                        <a:rPr lang="en-US" sz="1200" b="0" i="0" u="none" strike="noStrike" cap="none" spc="0">
-                          <a:solidFill>
-                            <a:schemeClr val="bg1"/>
-                          </a:solidFill>
-                          <a:latin typeface="Times New Roman"/>
-                          <a:ea typeface="Times New Roman"/>
-                          <a:cs typeface="Times New Roman"/>
-                        </a:rPr>
-                        <a:t> %</a:t>
-                      </a:r>
-                      <a:endParaRPr>
-                        <a:solidFill>
-                          <a:schemeClr val="bg1"/>
-                        </a:solidFill>
-                      </a:endParaRPr>
-                    </a:p>
-                  </a:txBody>
-                  <a:tcPr marL="0" marR="0" marT="0" marB="0" anchor="ctr">
-                    <a:lnL algn="ctr">
-                      <a:noFill/>
-                    </a:lnL>
-                    <a:lnR algn="ctr">
-                      <a:noFill/>
-                    </a:lnR>
-                    <a:lnT algn="ctr">
-                      <a:noFill/>
-                    </a:lnT>
-                    <a:lnB algn="ctr">
-                      <a:noFill/>
-                    </a:lnB>
-                  </a:tcPr>
-                </a:tc>
-                <a:tc>
-                  <a:txBody>
-                    <a:bodyPr/>
-                    <a:p>
-                      <a:pPr algn="ctr">
-                        <a:defRPr/>
-                      </a:pPr>
-                      <a:r>
-                        <a:rPr sz="1200" b="0" i="0" u="none">
-                          <a:solidFill>
-                            <a:srgbClr val="000000"/>
-                          </a:solidFill>
-                          <a:latin typeface="Times New Roman"/>
-                          <a:ea typeface="Times New Roman"/>
-                          <a:cs typeface="Times New Roman"/>
-                        </a:rPr>
-                        <a:t>44,04</a:t>
-                      </a:r>
-                      <a:r>
-                        <a:rPr lang="en-US" sz="1200" b="0" i="0" u="none" strike="noStrike" cap="none" spc="0">
-                          <a:solidFill>
-                            <a:srgbClr val="000000"/>
-                          </a:solidFill>
-                          <a:latin typeface="Times New Roman"/>
-                          <a:ea typeface="Times New Roman"/>
-                          <a:cs typeface="Times New Roman"/>
-                        </a:rPr>
-                        <a:t> %</a:t>
-                      </a:r>
-                      <a:endParaRPr/>
-                    </a:p>
-                  </a:txBody>
-                  <a:tcPr marL="0" marR="0" marT="0" marB="0" anchor="ctr">
-                    <a:lnL algn="ctr">
-                      <a:noFill/>
-                    </a:lnL>
-                    <a:lnR algn="ctr">
-                      <a:noFill/>
-                    </a:lnR>
-                    <a:lnT algn="ctr">
-                      <a:noFill/>
-                    </a:lnT>
-                    <a:lnB algn="ctr">
-                      <a:noFill/>
-                    </a:lnB>
-                  </a:tcPr>
-                </a:tc>
-              </a:tr>
-              <a:tr h="184150">
-                <a:tc>
-                  <a:txBody>
-                    <a:bodyPr/>
-                    <a:p>
-                      <a:pPr algn="ctr">
-                        <a:defRPr/>
-                      </a:pPr>
-                      <a:r>
-                        <a:rPr sz="1200" b="0" i="0" u="none">
-                          <a:solidFill>
-                            <a:schemeClr val="bg1"/>
-                          </a:solidFill>
-                          <a:latin typeface="Times New Roman"/>
-                          <a:ea typeface="Times New Roman"/>
-                          <a:cs typeface="Times New Roman"/>
-                        </a:rPr>
-                        <a:t>0,2</a:t>
-                      </a:r>
-                      <a:r>
-                        <a:rPr lang="en-US" sz="1200" b="0" i="0" u="none" strike="noStrike" cap="none" spc="0">
-                          <a:solidFill>
-                            <a:schemeClr val="bg1"/>
-                          </a:solidFill>
-                          <a:latin typeface="Times New Roman"/>
-                          <a:ea typeface="Times New Roman"/>
-                          <a:cs typeface="Times New Roman"/>
-                        </a:rPr>
-                        <a:t> %</a:t>
-                      </a:r>
-                      <a:endParaRPr>
-                        <a:solidFill>
-                          <a:schemeClr val="bg1"/>
-                        </a:solidFill>
-                      </a:endParaRPr>
-                    </a:p>
-                  </a:txBody>
-                  <a:tcPr marL="0" marR="0" marT="0" marB="0" anchor="ctr">
-                    <a:lnL algn="ctr">
-                      <a:noFill/>
-                    </a:lnL>
-                    <a:lnR algn="ctr">
-                      <a:noFill/>
-                    </a:lnR>
-                    <a:lnT algn="ctr">
-                      <a:noFill/>
-                    </a:lnT>
-                    <a:lnB algn="ctr">
-                      <a:noFill/>
-                    </a:lnB>
-                  </a:tcPr>
-                </a:tc>
-                <a:tc>
-                  <a:txBody>
-                    <a:bodyPr/>
-                    <a:p>
-                      <a:pPr algn="ctr">
-                        <a:defRPr/>
-                      </a:pPr>
-                      <a:r>
-                        <a:rPr sz="1200" b="0" i="0" u="none">
-                          <a:solidFill>
-                            <a:srgbClr val="000000"/>
-                          </a:solidFill>
-                          <a:latin typeface="Times New Roman"/>
-                          <a:ea typeface="Times New Roman"/>
-                          <a:cs typeface="Times New Roman"/>
-                        </a:rPr>
-                        <a:t>49,55</a:t>
-                      </a:r>
-                      <a:r>
-                        <a:rPr lang="en-US" sz="1200" b="0" i="0" u="none" strike="noStrike" cap="none" spc="0">
-                          <a:solidFill>
-                            <a:srgbClr val="000000"/>
-                          </a:solidFill>
-                          <a:latin typeface="Times New Roman"/>
-                          <a:ea typeface="Times New Roman"/>
-                          <a:cs typeface="Times New Roman"/>
-                        </a:rPr>
-                        <a:t> %</a:t>
-                      </a:r>
-                      <a:endParaRPr/>
-                    </a:p>
-                  </a:txBody>
-                  <a:tcPr marL="0" marR="0" marT="0" marB="0" anchor="ctr">
-                    <a:lnL algn="ctr">
-                      <a:noFill/>
-                    </a:lnL>
-                    <a:lnR algn="ctr">
-                      <a:noFill/>
-                    </a:lnR>
-                    <a:lnT algn="ctr">
-                      <a:noFill/>
-                    </a:lnT>
-                    <a:lnB algn="ctr">
-                      <a:noFill/>
-                    </a:lnB>
-                  </a:tcPr>
-                </a:tc>
-              </a:tr>
-              <a:tr h="184150">
-                <a:tc>
-                  <a:txBody>
-                    <a:bodyPr/>
-                    <a:p>
-                      <a:pPr algn="ctr">
-                        <a:defRPr/>
-                      </a:pPr>
-                      <a:r>
-                        <a:rPr sz="1200" b="0" i="0" u="none">
-                          <a:solidFill>
-                            <a:schemeClr val="bg1"/>
-                          </a:solidFill>
-                          <a:latin typeface="Times New Roman"/>
-                          <a:ea typeface="Times New Roman"/>
-                          <a:cs typeface="Times New Roman"/>
-                        </a:rPr>
-                        <a:t>0,1</a:t>
-                      </a:r>
-                      <a:r>
-                        <a:rPr lang="en-US" sz="1200" b="0" i="0" u="none" strike="noStrike" cap="none" spc="0">
-                          <a:solidFill>
-                            <a:schemeClr val="bg1"/>
-                          </a:solidFill>
-                          <a:latin typeface="Times New Roman"/>
-                          <a:ea typeface="Times New Roman"/>
-                          <a:cs typeface="Times New Roman"/>
-                        </a:rPr>
-                        <a:t> %</a:t>
-                      </a:r>
-                      <a:endParaRPr>
-                        <a:solidFill>
-                          <a:schemeClr val="bg1"/>
-                        </a:solidFill>
-                      </a:endParaRPr>
-                    </a:p>
-                  </a:txBody>
-                  <a:tcPr marL="0" marR="0" marT="0" marB="0" anchor="ctr">
-                    <a:lnL algn="ctr">
-                      <a:noFill/>
-                    </a:lnL>
-                    <a:lnR algn="ctr">
-                      <a:noFill/>
-                    </a:lnR>
-                    <a:lnT algn="ctr">
-                      <a:noFill/>
-                    </a:lnT>
-                    <a:lnB algn="ctr">
-                      <a:noFill/>
-                    </a:lnB>
-                  </a:tcPr>
-                </a:tc>
-                <a:tc>
-                  <a:txBody>
-                    <a:bodyPr/>
-                    <a:p>
-                      <a:pPr algn="ctr">
-                        <a:defRPr/>
-                      </a:pPr>
-                      <a:r>
-                        <a:rPr sz="1200" b="0" i="0" u="none">
-                          <a:solidFill>
-                            <a:srgbClr val="000000"/>
-                          </a:solidFill>
-                          <a:latin typeface="Times New Roman"/>
-                          <a:ea typeface="Times New Roman"/>
-                          <a:cs typeface="Times New Roman"/>
-                        </a:rPr>
-                        <a:t>66,07</a:t>
-                      </a:r>
-                      <a:r>
-                        <a:rPr lang="en-US" sz="1200" b="0" i="0" u="none" strike="noStrike" cap="none" spc="0">
-                          <a:solidFill>
-                            <a:srgbClr val="000000"/>
-                          </a:solidFill>
-                          <a:latin typeface="Times New Roman"/>
-                          <a:ea typeface="Times New Roman"/>
-                          <a:cs typeface="Times New Roman"/>
-                        </a:rPr>
-                        <a:t> %</a:t>
-                      </a:r>
-                      <a:endParaRPr/>
-                    </a:p>
-                  </a:txBody>
-                  <a:tcPr marL="0" marR="0" marT="0" marB="0" anchor="ctr">
-                    <a:lnL algn="ctr">
-                      <a:noFill/>
-                    </a:lnL>
-                    <a:lnR algn="ctr">
-                      <a:noFill/>
-                    </a:lnR>
-                    <a:lnT algn="ctr">
-                      <a:noFill/>
-                    </a:lnT>
-                    <a:lnB algn="ctr">
-                      <a:noFill/>
-                    </a:lnB>
-                  </a:tcPr>
-                </a:tc>
-              </a:tr>
-              <a:tr h="184150">
-                <a:tc>
-                  <a:txBody>
-                    <a:bodyPr/>
-                    <a:p>
-                      <a:pPr algn="ctr">
-                        <a:defRPr/>
-                      </a:pPr>
-                      <a:r>
-                        <a:rPr sz="1200" b="0" i="0" u="none">
-                          <a:solidFill>
-                            <a:schemeClr val="bg1"/>
-                          </a:solidFill>
-                          <a:latin typeface="Times New Roman"/>
-                          <a:ea typeface="Times New Roman"/>
-                          <a:cs typeface="Times New Roman"/>
-                        </a:rPr>
-                        <a:t>0,08</a:t>
-                      </a:r>
-                      <a:r>
-                        <a:rPr lang="en-US" sz="1200" b="0" i="0" u="none" strike="noStrike" cap="none" spc="0">
-                          <a:solidFill>
-                            <a:schemeClr val="bg1"/>
-                          </a:solidFill>
-                          <a:latin typeface="Times New Roman"/>
-                          <a:ea typeface="Times New Roman"/>
-                          <a:cs typeface="Times New Roman"/>
-                        </a:rPr>
-                        <a:t> %</a:t>
-                      </a:r>
-                      <a:endParaRPr>
-                        <a:solidFill>
-                          <a:schemeClr val="bg1"/>
-                        </a:solidFill>
-                      </a:endParaRPr>
-                    </a:p>
-                  </a:txBody>
-                  <a:tcPr marL="0" marR="0" marT="0" marB="0" anchor="ctr">
-                    <a:lnL algn="ctr">
-                      <a:noFill/>
-                    </a:lnL>
-                    <a:lnR algn="ctr">
-                      <a:noFill/>
-                    </a:lnR>
-                    <a:lnT algn="ctr">
-                      <a:noFill/>
-                    </a:lnT>
-                    <a:lnB algn="ctr">
-                      <a:noFill/>
-                    </a:lnB>
-                  </a:tcPr>
-                </a:tc>
-                <a:tc>
-                  <a:txBody>
-                    <a:bodyPr/>
-                    <a:p>
-                      <a:pPr algn="ctr">
-                        <a:defRPr/>
-                      </a:pPr>
-                      <a:r>
-                        <a:rPr sz="1200" b="0" i="0" u="none">
-                          <a:solidFill>
-                            <a:srgbClr val="000000"/>
-                          </a:solidFill>
-                          <a:latin typeface="Times New Roman"/>
-                          <a:ea typeface="Times New Roman"/>
-                          <a:cs typeface="Times New Roman"/>
-                        </a:rPr>
-                        <a:t>74,32</a:t>
-                      </a:r>
-                      <a:r>
-                        <a:rPr lang="en-US" sz="1200" b="0" i="0" u="none" strike="noStrike" cap="none" spc="0">
-                          <a:solidFill>
-                            <a:srgbClr val="000000"/>
-                          </a:solidFill>
-                          <a:latin typeface="Times New Roman"/>
-                          <a:ea typeface="Times New Roman"/>
-                          <a:cs typeface="Times New Roman"/>
-                        </a:rPr>
-                        <a:t> %</a:t>
-                      </a:r>
-                      <a:endParaRPr/>
-                    </a:p>
-                  </a:txBody>
-                  <a:tcPr marL="0" marR="0" marT="0" marB="0" anchor="ctr">
-                    <a:lnL algn="ctr">
-                      <a:noFill/>
-                    </a:lnL>
-                    <a:lnR algn="ctr">
-                      <a:noFill/>
-                    </a:lnR>
-                    <a:lnT algn="ctr">
-                      <a:noFill/>
-                    </a:lnT>
-                    <a:lnB algn="ctr">
-                      <a:noFill/>
-                    </a:lnB>
-                  </a:tcPr>
-                </a:tc>
-              </a:tr>
-              <a:tr h="184150">
-                <a:tc>
-                  <a:txBody>
-                    <a:bodyPr/>
-                    <a:p>
-                      <a:pPr algn="ctr">
-                        <a:defRPr/>
-                      </a:pPr>
-                      <a:r>
-                        <a:rPr sz="1200" b="0" i="0" u="none">
-                          <a:solidFill>
-                            <a:schemeClr val="bg1"/>
-                          </a:solidFill>
-                          <a:latin typeface="Times New Roman"/>
-                          <a:ea typeface="Times New Roman"/>
-                          <a:cs typeface="Times New Roman"/>
-                        </a:rPr>
-                        <a:t>0,06</a:t>
-                      </a:r>
-                      <a:r>
-                        <a:rPr lang="en-US" sz="1200" b="0" i="0" u="none" strike="noStrike" cap="none" spc="0">
-                          <a:solidFill>
-                            <a:schemeClr val="bg1"/>
-                          </a:solidFill>
-                          <a:latin typeface="Times New Roman"/>
-                          <a:ea typeface="Times New Roman"/>
-                          <a:cs typeface="Times New Roman"/>
-                        </a:rPr>
-                        <a:t> %</a:t>
-                      </a:r>
-                      <a:endParaRPr>
-                        <a:solidFill>
-                          <a:schemeClr val="bg1"/>
-                        </a:solidFill>
-                      </a:endParaRPr>
-                    </a:p>
-                  </a:txBody>
-                  <a:tcPr marL="0" marR="0" marT="0" marB="0" anchor="ctr">
-                    <a:lnL algn="ctr">
-                      <a:noFill/>
-                    </a:lnL>
-                    <a:lnR algn="ctr">
-                      <a:noFill/>
-                    </a:lnR>
-                    <a:lnT algn="ctr">
-                      <a:noFill/>
-                    </a:lnT>
-                    <a:lnB algn="ctr">
-                      <a:noFill/>
-                    </a:lnB>
-                  </a:tcPr>
-                </a:tc>
-                <a:tc>
-                  <a:txBody>
-                    <a:bodyPr/>
-                    <a:p>
-                      <a:pPr algn="ctr">
-                        <a:defRPr/>
-                      </a:pPr>
-                      <a:r>
-                        <a:rPr sz="1200" b="0" i="0" u="none">
-                          <a:solidFill>
-                            <a:srgbClr val="000000"/>
-                          </a:solidFill>
-                          <a:latin typeface="Times New Roman"/>
-                          <a:ea typeface="Times New Roman"/>
-                          <a:cs typeface="Times New Roman"/>
-                        </a:rPr>
-                        <a:t>88,09</a:t>
-                      </a:r>
-                      <a:r>
-                        <a:rPr lang="en-US" sz="1200" b="0" i="0" u="none" strike="noStrike" cap="none" spc="0">
-                          <a:solidFill>
-                            <a:srgbClr val="000000"/>
-                          </a:solidFill>
-                          <a:latin typeface="Times New Roman"/>
-                          <a:ea typeface="Times New Roman"/>
-                          <a:cs typeface="Times New Roman"/>
-                        </a:rPr>
-                        <a:t> %</a:t>
-                      </a:r>
-                      <a:endParaRPr/>
-                    </a:p>
-                  </a:txBody>
-                  <a:tcPr marL="0" marR="0" marT="0" marB="0" anchor="ctr">
-                    <a:lnL algn="ctr">
-                      <a:noFill/>
-                    </a:lnL>
-                    <a:lnR algn="ctr">
-                      <a:noFill/>
-                    </a:lnR>
-                    <a:lnT algn="ctr">
-                      <a:noFill/>
-                    </a:lnT>
-                    <a:lnB algn="ctr">
-                      <a:noFill/>
-                    </a:lnB>
-                  </a:tcPr>
-                </a:tc>
-              </a:tr>
-              <a:tr h="184150">
-                <a:tc>
-                  <a:txBody>
-                    <a:bodyPr/>
-                    <a:p>
-                      <a:pPr algn="ctr">
-                        <a:defRPr/>
-                      </a:pPr>
-                      <a:r>
-                        <a:rPr sz="1200" b="0" i="0" u="none">
-                          <a:solidFill>
-                            <a:schemeClr val="bg1"/>
-                          </a:solidFill>
-                          <a:latin typeface="Times New Roman"/>
-                          <a:ea typeface="Times New Roman"/>
-                          <a:cs typeface="Times New Roman"/>
-                        </a:rPr>
-                        <a:t>0,04</a:t>
-                      </a:r>
-                      <a:r>
-                        <a:rPr lang="en-US" sz="1200" b="0" i="0" u="none" strike="noStrike" cap="none" spc="0">
-                          <a:solidFill>
-                            <a:schemeClr val="bg1"/>
-                          </a:solidFill>
-                          <a:latin typeface="Times New Roman"/>
-                          <a:ea typeface="Times New Roman"/>
-                          <a:cs typeface="Times New Roman"/>
-                        </a:rPr>
-                        <a:t> %</a:t>
-                      </a:r>
-                      <a:endParaRPr>
-                        <a:solidFill>
-                          <a:schemeClr val="bg1"/>
-                        </a:solidFill>
-                      </a:endParaRPr>
-                    </a:p>
-                  </a:txBody>
-                  <a:tcPr marL="0" marR="0" marT="0" marB="0" anchor="ctr">
-                    <a:lnL algn="ctr">
-                      <a:noFill/>
-                    </a:lnL>
-                    <a:lnR algn="ctr">
-                      <a:noFill/>
-                    </a:lnR>
-                    <a:lnT algn="ctr">
-                      <a:noFill/>
-                    </a:lnT>
-                    <a:lnB algn="ctr">
-                      <a:noFill/>
-                    </a:lnB>
-                  </a:tcPr>
-                </a:tc>
-                <a:tc>
-                  <a:txBody>
-                    <a:bodyPr/>
-                    <a:p>
-                      <a:pPr algn="ctr">
-                        <a:defRPr/>
-                      </a:pPr>
-                      <a:r>
-                        <a:rPr sz="1200" b="0" i="0" u="none">
-                          <a:solidFill>
-                            <a:srgbClr val="000000"/>
-                          </a:solidFill>
-                          <a:latin typeface="Times New Roman"/>
-                          <a:ea typeface="Times New Roman"/>
-                          <a:cs typeface="Times New Roman"/>
-                        </a:rPr>
-                        <a:t>115,62</a:t>
-                      </a:r>
-                      <a:r>
-                        <a:rPr lang="en-US" sz="1200" b="0" i="0" u="none" strike="noStrike" cap="none" spc="0">
-                          <a:solidFill>
-                            <a:srgbClr val="000000"/>
-                          </a:solidFill>
-                          <a:latin typeface="Times New Roman"/>
-                          <a:ea typeface="Times New Roman"/>
-                          <a:cs typeface="Times New Roman"/>
-                        </a:rPr>
-                        <a:t> %</a:t>
-                      </a:r>
-                      <a:endParaRPr/>
-                    </a:p>
-                  </a:txBody>
-                  <a:tcPr marL="0" marR="0" marT="0" marB="0" anchor="ctr">
-                    <a:lnL algn="ctr">
-                      <a:noFill/>
-                    </a:lnL>
-                    <a:lnR algn="ctr">
-                      <a:noFill/>
-                    </a:lnR>
-                    <a:lnT algn="ctr">
-                      <a:noFill/>
-                    </a:lnT>
-                    <a:lnB algn="ctr">
-                      <a:noFill/>
-                    </a:lnB>
-                  </a:tcPr>
-                </a:tc>
-              </a:tr>
-              <a:tr h="184150">
-                <a:tc>
-                  <a:txBody>
-                    <a:bodyPr/>
-                    <a:p>
-                      <a:pPr algn="ctr">
-                        <a:defRPr/>
-                      </a:pPr>
-                      <a:r>
-                        <a:rPr sz="1200" b="0" i="0" u="none">
-                          <a:solidFill>
-                            <a:schemeClr val="bg1"/>
-                          </a:solidFill>
-                          <a:latin typeface="Times New Roman"/>
-                          <a:ea typeface="Times New Roman"/>
-                          <a:cs typeface="Times New Roman"/>
-                        </a:rPr>
-                        <a:t>0,02</a:t>
-                      </a:r>
-                      <a:r>
-                        <a:rPr lang="en-US" sz="1200" b="0" i="0" u="none" strike="noStrike" cap="none" spc="0">
-                          <a:solidFill>
-                            <a:schemeClr val="bg1"/>
-                          </a:solidFill>
-                          <a:latin typeface="Times New Roman"/>
-                          <a:ea typeface="Times New Roman"/>
-                          <a:cs typeface="Times New Roman"/>
-                        </a:rPr>
-                        <a:t> %</a:t>
-                      </a:r>
-                      <a:endParaRPr>
-                        <a:solidFill>
-                          <a:schemeClr val="bg1"/>
-                        </a:solidFill>
-                      </a:endParaRPr>
-                    </a:p>
-                  </a:txBody>
-                  <a:tcPr marL="0" marR="0" marT="0" marB="0" anchor="ctr">
-                    <a:lnL algn="ctr">
-                      <a:noFill/>
-                    </a:lnL>
-                    <a:lnR algn="ctr">
-                      <a:noFill/>
-                    </a:lnR>
-                    <a:lnT algn="ctr">
-                      <a:noFill/>
-                    </a:lnT>
-                    <a:lnB algn="ctr">
-                      <a:noFill/>
-                    </a:lnB>
-                  </a:tcPr>
-                </a:tc>
-                <a:tc>
-                  <a:txBody>
-                    <a:bodyPr/>
-                    <a:p>
-                      <a:pPr algn="ctr">
-                        <a:defRPr/>
-                      </a:pPr>
-                      <a:r>
-                        <a:rPr sz="1200" b="0" i="0" u="none">
-                          <a:solidFill>
-                            <a:srgbClr val="000000"/>
-                          </a:solidFill>
-                          <a:latin typeface="Times New Roman"/>
-                          <a:ea typeface="Times New Roman"/>
-                          <a:cs typeface="Times New Roman"/>
-                        </a:rPr>
-                        <a:t>198,20</a:t>
-                      </a:r>
-                      <a:r>
-                        <a:rPr lang="en-US" sz="1200" b="0" i="0" u="none" strike="noStrike" cap="none" spc="0">
-                          <a:solidFill>
-                            <a:srgbClr val="000000"/>
-                          </a:solidFill>
-                          <a:latin typeface="Times New Roman"/>
-                          <a:ea typeface="Times New Roman"/>
-                          <a:cs typeface="Times New Roman"/>
-                        </a:rPr>
-                        <a:t> %</a:t>
-                      </a:r>
-                      <a:endParaRPr/>
-                    </a:p>
-                  </a:txBody>
-                  <a:tcPr marL="0" marR="0" marT="0" marB="0" anchor="ctr">
-                    <a:lnL algn="ctr">
-                      <a:noFill/>
-                    </a:lnL>
-                    <a:lnR algn="ctr">
-                      <a:noFill/>
-                    </a:lnR>
-                    <a:lnT algn="ctr">
-                      <a:noFill/>
-                    </a:lnT>
-                    <a:lnB algn="ctr">
-                      <a:noFill/>
-                    </a:lnB>
-                  </a:tcPr>
-                </a:tc>
-              </a:tr>
-            </a:tbl>
-          </a:graphicData>
-        </a:graphic>
-      </p:graphicFrame>
     </p:spTree>
   </p:cSld>
   <p:clrMapOvr>
@@ -5825,14 +8747,14 @@
       </p:grpSpPr>
       <p:sp>
         <p:nvSpPr>
-          <p:cNvPr id="1690582391" name="Text 0"/>
+          <p:cNvPr id="782366346" name="Text 0"/>
           <p:cNvSpPr/>
           <p:nvPr/>
         </p:nvSpPr>
         <p:spPr bwMode="auto">
           <a:xfrm>
-            <a:off x="609599" y="609599"/>
-            <a:ext cx="8083296" cy="411459"/>
+            <a:off x="609599" y="607362"/>
+            <a:ext cx="8083296" cy="411460"/>
           </a:xfrm>
           <a:prstGeom prst="rect">
             <a:avLst/>
@@ -5846,7 +8768,7 @@
           <a:p>
             <a:pPr marL="0" indent="0">
               <a:lnSpc>
-                <a:spcPts val="3239"/>
+                <a:spcPts val="3240"/>
               </a:lnSpc>
               <a:buNone/>
               <a:defRPr/>
@@ -5868,13 +8790,13 @@
       </p:sp>
       <p:sp>
         <p:nvSpPr>
-          <p:cNvPr id="845530422" name="Text 1"/>
+          <p:cNvPr id="209396923" name="Text 1"/>
           <p:cNvSpPr/>
           <p:nvPr/>
         </p:nvSpPr>
         <p:spPr bwMode="auto">
           <a:xfrm flipH="0" flipV="0">
-            <a:off x="914399" y="1249660"/>
+            <a:off x="841248" y="1291994"/>
             <a:ext cx="7619999" cy="3872672"/>
           </a:xfrm>
           <a:prstGeom prst="rect">
@@ -5889,38 +8811,23 @@
           <a:p>
             <a:pPr marL="342900" indent="-342900">
               <a:lnSpc>
-                <a:spcPts val="2429"/>
+                <a:spcPts val="2430"/>
               </a:lnSpc>
               <a:buSzPct val="100000"/>
               <a:buChar char="•"/>
               <a:defRPr/>
             </a:pPr>
             <a:r>
-              <a:rPr lang="en-US" sz="1350" b="0" i="0" u="none" strike="noStrike" cap="none" spc="0">
-                <a:solidFill>
-                  <a:srgbClr val="CBD5E1"/>
-                </a:solidFill>
-                <a:latin typeface="Arial"/>
-                <a:ea typeface="Arial"/>
-                <a:cs typeface="Arial"/>
-              </a:rPr>
-              <a:t>La tabella di prima valeva però solo se il movimento era unico, siccome i grid bot per completare una griglia devono completare 2 movimenti la cosa è peggiore, non è matematicamente corretto (cambia poco comunque) ma rende bene l’idea, invece che 0,1 mettiamo a 0,2 le fee di Binance nella formula e questo è il risultato </a:t>
-            </a:r>
-            <a:endParaRPr lang="en-US" sz="1350" b="0" i="0" u="none" strike="noStrike" cap="none" spc="0">
-              <a:solidFill>
-                <a:srgbClr val="CBD5E1"/>
-              </a:solidFill>
-              <a:latin typeface="Times New Roman"/>
-              <a:cs typeface="Times New Roman"/>
-            </a:endParaRPr>
-          </a:p>
-          <a:p>
-            <a:pPr>
-              <a:lnSpc>
-                <a:spcPts val="2429"/>
-              </a:lnSpc>
-              <a:defRPr/>
-            </a:pPr>
+              <a:rPr lang="en-US" sz="1350">
+                <a:solidFill>
+                  <a:srgbClr val="CBD5E1"/>
+                </a:solidFill>
+                <a:latin typeface="Arial"/>
+                <a:ea typeface="Arial"/>
+                <a:cs typeface="Arial"/>
+              </a:rPr>
+              <a:t>Come abbiamo detto la plusvalenza si paga con le fee non dedotte quindi la tassazione reale è più alta di quella nominale perchè il guadagno reale è minore.</a:t>
+            </a:r>
             <a:endParaRPr lang="en-US" sz="1350">
               <a:solidFill>
                 <a:srgbClr val="CBD5E1"/>
@@ -5947,15 +8854,28 @@
             </a:endParaRPr>
           </a:p>
           <a:p>
-            <a:pPr>
-              <a:lnSpc>
-                <a:spcPts val="2429"/>
-              </a:lnSpc>
-              <a:defRPr/>
-            </a:pPr>
-            <a:endParaRPr sz="1350">
-              <a:solidFill>
-                <a:schemeClr val="bg1"/>
+            <a:pPr marL="342900" indent="-342900">
+              <a:lnSpc>
+                <a:spcPts val="2429"/>
+              </a:lnSpc>
+              <a:buSzPct val="100000"/>
+              <a:buChar char="•"/>
+              <a:defRPr/>
+            </a:pPr>
+            <a:r>
+              <a:rPr lang="en-US" sz="1350">
+                <a:solidFill>
+                  <a:srgbClr val="CBD5E1"/>
+                </a:solidFill>
+                <a:latin typeface="Arial"/>
+                <a:ea typeface="Arial"/>
+                <a:cs typeface="Arial"/>
+              </a:rPr>
+              <a:t>I grid bot degli exchange generalmente (ad esempio Binance) danno il guadagno di griglia netto quindi già scorporato dalle fees, ma non è su quello che si pagano le plusvalenze bensì sul guadagno lordo.</a:t>
+            </a:r>
+            <a:endParaRPr lang="en-US" sz="1350">
+              <a:solidFill>
+                <a:srgbClr val="CBD5E1"/>
               </a:solidFill>
               <a:latin typeface="Arial"/>
               <a:ea typeface="Arial"/>
@@ -5963,6 +8883,22 @@
             </a:endParaRPr>
           </a:p>
           <a:p>
+            <a:pPr>
+              <a:lnSpc>
+                <a:spcPts val="2429"/>
+              </a:lnSpc>
+              <a:defRPr/>
+            </a:pPr>
+            <a:endParaRPr lang="en-US" sz="1350">
+              <a:solidFill>
+                <a:srgbClr val="CBD5E1"/>
+              </a:solidFill>
+              <a:latin typeface="Arial"/>
+              <a:ea typeface="Arial"/>
+              <a:cs typeface="Arial"/>
+            </a:endParaRPr>
+          </a:p>
+          <a:p>
             <a:pPr marL="342900" indent="-342900">
               <a:lnSpc>
                 <a:spcPts val="2429"/>
@@ -5971,1154 +8907,55 @@
               <a:buChar char="•"/>
               <a:defRPr/>
             </a:pPr>
+            <a:r>
+              <a:rPr lang="en-US" sz="1350">
+                <a:solidFill>
+                  <a:srgbClr val="CBD5E1"/>
+                </a:solidFill>
+                <a:latin typeface="Arial"/>
+                <a:ea typeface="Arial"/>
+                <a:cs typeface="Arial"/>
+              </a:rPr>
+              <a:t>Questo significa che mano a mano che diminuisce il profitto di griglia aumenta la percentuale di tassazione reale sul provento mostrato.</a:t>
+            </a:r>
+            <a:endParaRPr lang="en-US" sz="1350">
+              <a:solidFill>
+                <a:srgbClr val="CBD5E1"/>
+              </a:solidFill>
+              <a:latin typeface="Arial"/>
+              <a:ea typeface="Arial"/>
+              <a:cs typeface="Arial"/>
+            </a:endParaRPr>
+          </a:p>
+          <a:p>
+            <a:pPr>
+              <a:lnSpc>
+                <a:spcPts val="2429"/>
+              </a:lnSpc>
+              <a:defRPr/>
+            </a:pPr>
+            <a:endParaRPr lang="en-US" sz="1350">
+              <a:solidFill>
+                <a:srgbClr val="CBD5E1"/>
+              </a:solidFill>
+              <a:latin typeface="Arial"/>
+              <a:ea typeface="Arial"/>
+              <a:cs typeface="Arial"/>
+            </a:endParaRPr>
+          </a:p>
+          <a:p>
+            <a:pPr marL="342900" indent="-342900">
+              <a:lnSpc>
+                <a:spcPts val="2429"/>
+              </a:lnSpc>
+              <a:buSzPct val="100000"/>
+              <a:buChar char="•"/>
+              <a:defRPr/>
+            </a:pPr>
             <a:endParaRPr lang="en-US" sz="1350"/>
           </a:p>
         </p:txBody>
       </p:sp>
-      <p:graphicFrame>
-        <p:nvGraphicFramePr>
-          <p:cNvPr id="482657162" name=""/>
-          <p:cNvGraphicFramePr>
-            <a:graphicFrameLocks xmlns:a="http://schemas.openxmlformats.org/drawingml/2006/main"/>
-          </p:cNvGraphicFramePr>
-          <p:nvPr/>
-        </p:nvGraphicFramePr>
-        <p:xfrm>
-          <a:off x="2920166" y="2571750"/>
-          <a:ext cx="2324099" cy="2018029"/>
-        </p:xfrm>
-        <a:graphic>
-          <a:graphicData uri="http://schemas.openxmlformats.org/drawingml/2006/table">
-            <a:tbl>
-              <a:tblPr firstRow="1" firstCol="1" lastRow="0" lastCol="0" bandRow="1" bandCol="0">
-                <a:tableStyleId>{5C22544A-7EE6-4342-B048-85BDC9FD1C3A}</a:tableStyleId>
-              </a:tblPr>
-              <a:tblGrid>
-                <a:gridCol w="1143000"/>
-                <a:gridCol w="1181099"/>
-              </a:tblGrid>
-              <a:tr h="177800">
-                <a:tc>
-                  <a:txBody>
-                    <a:bodyPr/>
-                    <a:p>
-                      <a:pPr algn="ctr">
-                        <a:defRPr/>
-                      </a:pPr>
-                      <a:r>
-                        <a:rPr sz="1100" b="0" i="0" u="none">
-                          <a:solidFill>
-                            <a:schemeClr val="bg1"/>
-                          </a:solidFill>
-                          <a:latin typeface="Calibri"/>
-                          <a:ea typeface="Calibri"/>
-                          <a:cs typeface="Calibri"/>
-                        </a:rPr>
-                        <a:t>% guadagno griglia</a:t>
-                      </a:r>
-                      <a:endParaRPr>
-                        <a:solidFill>
-                          <a:schemeClr val="bg1"/>
-                        </a:solidFill>
-                      </a:endParaRPr>
-                    </a:p>
-                  </a:txBody>
-                  <a:tcPr marL="0" marR="0" marT="0" marB="0" anchor="b">
-                    <a:lnL algn="ctr">
-                      <a:noFill/>
-                    </a:lnL>
-                    <a:lnR algn="ctr">
-                      <a:noFill/>
-                    </a:lnR>
-                    <a:lnT algn="ctr">
-                      <a:noFill/>
-                    </a:lnT>
-                    <a:lnB algn="ctr">
-                      <a:noFill/>
-                    </a:lnB>
-                  </a:tcPr>
-                </a:tc>
-                <a:tc>
-                  <a:txBody>
-                    <a:bodyPr/>
-                    <a:p>
-                      <a:pPr algn="ctr">
-                        <a:defRPr/>
-                      </a:pPr>
-                      <a:r>
-                        <a:rPr sz="1100" b="0" i="0" u="none">
-                          <a:solidFill>
-                            <a:srgbClr val="000000"/>
-                          </a:solidFill>
-                          <a:latin typeface="Calibri"/>
-                          <a:ea typeface="Calibri"/>
-                          <a:cs typeface="Calibri"/>
-                        </a:rPr>
-                        <a:t>Tassazione Reale</a:t>
-                      </a:r>
-                      <a:endParaRPr/>
-                    </a:p>
-                  </a:txBody>
-                  <a:tcPr marL="0" marR="0" marT="0" marB="0" anchor="b">
-                    <a:lnL algn="ctr">
-                      <a:noFill/>
-                    </a:lnL>
-                    <a:lnR algn="ctr">
-                      <a:noFill/>
-                    </a:lnR>
-                    <a:lnT algn="ctr">
-                      <a:noFill/>
-                    </a:lnT>
-                    <a:lnB algn="ctr">
-                      <a:noFill/>
-                    </a:lnB>
-                  </a:tcPr>
-                </a:tc>
-              </a:tr>
-              <a:tr h="184150">
-                <a:tc>
-                  <a:txBody>
-                    <a:bodyPr/>
-                    <a:p>
-                      <a:pPr algn="ctr">
-                        <a:defRPr/>
-                      </a:pPr>
-                      <a:r>
-                        <a:rPr sz="1200" b="0" i="0" u="none">
-                          <a:solidFill>
-                            <a:schemeClr val="bg1"/>
-                          </a:solidFill>
-                          <a:latin typeface="Times New Roman"/>
-                          <a:ea typeface="Times New Roman"/>
-                          <a:cs typeface="Times New Roman"/>
-                        </a:rPr>
-                        <a:t>1 %</a:t>
-                      </a:r>
-                      <a:endParaRPr>
-                        <a:solidFill>
-                          <a:schemeClr val="bg1"/>
-                        </a:solidFill>
-                      </a:endParaRPr>
-                    </a:p>
-                  </a:txBody>
-                  <a:tcPr marL="0" marR="0" marT="0" marB="0" anchor="ctr">
-                    <a:lnL algn="ctr">
-                      <a:noFill/>
-                    </a:lnL>
-                    <a:lnR algn="ctr">
-                      <a:noFill/>
-                    </a:lnR>
-                    <a:lnT algn="ctr">
-                      <a:noFill/>
-                    </a:lnT>
-                    <a:lnB algn="ctr">
-                      <a:noFill/>
-                    </a:lnB>
-                  </a:tcPr>
-                </a:tc>
-                <a:tc>
-                  <a:txBody>
-                    <a:bodyPr/>
-                    <a:p>
-                      <a:pPr algn="ctr">
-                        <a:defRPr/>
-                      </a:pPr>
-                      <a:r>
-                        <a:rPr sz="1200" b="0" i="0" u="none">
-                          <a:solidFill>
-                            <a:schemeClr val="tx1"/>
-                          </a:solidFill>
-                          <a:latin typeface="Times New Roman"/>
-                          <a:ea typeface="Times New Roman"/>
-                          <a:cs typeface="Times New Roman"/>
-                        </a:rPr>
-                        <a:t>39,67</a:t>
-                      </a:r>
-                      <a:r>
-                        <a:rPr lang="en-US" sz="1200" b="0" i="0" u="none" strike="noStrike" cap="none" spc="0">
-                          <a:solidFill>
-                            <a:schemeClr val="tx1"/>
-                          </a:solidFill>
-                          <a:latin typeface="Times New Roman"/>
-                          <a:ea typeface="Times New Roman"/>
-                          <a:cs typeface="Times New Roman"/>
-                        </a:rPr>
-                        <a:t> %</a:t>
-                      </a:r>
-                      <a:endParaRPr>
-                        <a:solidFill>
-                          <a:schemeClr val="tx1"/>
-                        </a:solidFill>
-                      </a:endParaRPr>
-                    </a:p>
-                  </a:txBody>
-                  <a:tcPr marL="0" marR="0" marT="0" marB="0" anchor="ctr">
-                    <a:lnL algn="ctr">
-                      <a:noFill/>
-                    </a:lnL>
-                    <a:lnR algn="ctr">
-                      <a:noFill/>
-                    </a:lnR>
-                    <a:lnT algn="ctr">
-                      <a:noFill/>
-                    </a:lnT>
-                    <a:lnB algn="ctr">
-                      <a:noFill/>
-                    </a:lnB>
-                  </a:tcPr>
-                </a:tc>
-              </a:tr>
-              <a:tr h="184150">
-                <a:tc>
-                  <a:txBody>
-                    <a:bodyPr/>
-                    <a:p>
-                      <a:pPr algn="ctr">
-                        <a:defRPr/>
-                      </a:pPr>
-                      <a:r>
-                        <a:rPr sz="1200" b="0" i="0" u="none">
-                          <a:solidFill>
-                            <a:schemeClr val="bg1"/>
-                          </a:solidFill>
-                          <a:latin typeface="Times New Roman"/>
-                          <a:ea typeface="Times New Roman"/>
-                          <a:cs typeface="Times New Roman"/>
-                        </a:rPr>
-                        <a:t>0,8</a:t>
-                      </a:r>
-                      <a:r>
-                        <a:rPr lang="en-US" sz="1200" b="0" i="0" u="none" strike="noStrike" cap="none" spc="0">
-                          <a:solidFill>
-                            <a:schemeClr val="bg1"/>
-                          </a:solidFill>
-                          <a:latin typeface="Times New Roman"/>
-                          <a:ea typeface="Times New Roman"/>
-                          <a:cs typeface="Times New Roman"/>
-                        </a:rPr>
-                        <a:t> %</a:t>
-                      </a:r>
-                      <a:endParaRPr>
-                        <a:solidFill>
-                          <a:schemeClr val="bg1"/>
-                        </a:solidFill>
-                      </a:endParaRPr>
-                    </a:p>
-                  </a:txBody>
-                  <a:tcPr marL="0" marR="0" marT="0" marB="0" anchor="ctr">
-                    <a:lnL algn="ctr">
-                      <a:noFill/>
-                    </a:lnL>
-                    <a:lnR algn="ctr">
-                      <a:noFill/>
-                    </a:lnR>
-                    <a:lnT algn="ctr">
-                      <a:noFill/>
-                    </a:lnT>
-                    <a:lnB algn="ctr">
-                      <a:noFill/>
-                    </a:lnB>
-                  </a:tcPr>
-                </a:tc>
-                <a:tc>
-                  <a:txBody>
-                    <a:bodyPr/>
-                    <a:p>
-                      <a:pPr algn="ctr">
-                        <a:defRPr/>
-                      </a:pPr>
-                      <a:r>
-                        <a:rPr sz="1200" b="0" i="0" u="none">
-                          <a:solidFill>
-                            <a:schemeClr val="tx1"/>
-                          </a:solidFill>
-                          <a:latin typeface="Times New Roman"/>
-                          <a:ea typeface="Times New Roman"/>
-                          <a:cs typeface="Times New Roman"/>
-                        </a:rPr>
-                        <a:t>41,27</a:t>
-                      </a:r>
-                      <a:r>
-                        <a:rPr lang="en-US" sz="1200" b="0" i="0" u="none" strike="noStrike" cap="none" spc="0">
-                          <a:solidFill>
-                            <a:schemeClr val="tx1"/>
-                          </a:solidFill>
-                          <a:latin typeface="Times New Roman"/>
-                          <a:ea typeface="Times New Roman"/>
-                          <a:cs typeface="Times New Roman"/>
-                        </a:rPr>
-                        <a:t> %</a:t>
-                      </a:r>
-                      <a:endParaRPr>
-                        <a:solidFill>
-                          <a:schemeClr val="tx1"/>
-                        </a:solidFill>
-                      </a:endParaRPr>
-                    </a:p>
-                  </a:txBody>
-                  <a:tcPr marL="0" marR="0" marT="0" marB="0" anchor="ctr">
-                    <a:lnL algn="ctr">
-                      <a:noFill/>
-                    </a:lnL>
-                    <a:lnR algn="ctr">
-                      <a:noFill/>
-                    </a:lnR>
-                    <a:lnT algn="ctr">
-                      <a:noFill/>
-                    </a:lnT>
-                    <a:lnB algn="ctr">
-                      <a:noFill/>
-                    </a:lnB>
-                  </a:tcPr>
-                </a:tc>
-              </a:tr>
-              <a:tr h="184150">
-                <a:tc>
-                  <a:txBody>
-                    <a:bodyPr/>
-                    <a:p>
-                      <a:pPr algn="ctr">
-                        <a:defRPr/>
-                      </a:pPr>
-                      <a:r>
-                        <a:rPr sz="1200" b="0" i="0" u="none">
-                          <a:solidFill>
-                            <a:schemeClr val="bg1"/>
-                          </a:solidFill>
-                          <a:latin typeface="Times New Roman"/>
-                          <a:ea typeface="Times New Roman"/>
-                          <a:cs typeface="Times New Roman"/>
-                        </a:rPr>
-                        <a:t>0,6</a:t>
-                      </a:r>
-                      <a:r>
-                        <a:rPr lang="en-US" sz="1200" b="0" i="0" u="none" strike="noStrike" cap="none" spc="0">
-                          <a:solidFill>
-                            <a:schemeClr val="bg1"/>
-                          </a:solidFill>
-                          <a:latin typeface="Times New Roman"/>
-                          <a:ea typeface="Times New Roman"/>
-                          <a:cs typeface="Times New Roman"/>
-                        </a:rPr>
-                        <a:t> %</a:t>
-                      </a:r>
-                      <a:endParaRPr>
-                        <a:solidFill>
-                          <a:schemeClr val="bg1"/>
-                        </a:solidFill>
-                      </a:endParaRPr>
-                    </a:p>
-                  </a:txBody>
-                  <a:tcPr marL="0" marR="0" marT="0" marB="0" anchor="ctr">
-                    <a:lnL algn="ctr">
-                      <a:noFill/>
-                    </a:lnL>
-                    <a:lnR algn="ctr">
-                      <a:noFill/>
-                    </a:lnR>
-                    <a:lnT algn="ctr">
-                      <a:noFill/>
-                    </a:lnT>
-                    <a:lnB algn="ctr">
-                      <a:noFill/>
-                    </a:lnB>
-                  </a:tcPr>
-                </a:tc>
-                <a:tc>
-                  <a:txBody>
-                    <a:bodyPr/>
-                    <a:p>
-                      <a:pPr algn="ctr">
-                        <a:defRPr/>
-                      </a:pPr>
-                      <a:r>
-                        <a:rPr sz="1200" b="0" i="0" u="none">
-                          <a:solidFill>
-                            <a:schemeClr val="tx1"/>
-                          </a:solidFill>
-                          <a:latin typeface="Times New Roman"/>
-                          <a:ea typeface="Times New Roman"/>
-                          <a:cs typeface="Times New Roman"/>
-                        </a:rPr>
-                        <a:t>43,59</a:t>
-                      </a:r>
-                      <a:r>
-                        <a:rPr lang="en-US" sz="1200" b="0" i="0" u="none" strike="noStrike" cap="none" spc="0">
-                          <a:solidFill>
-                            <a:schemeClr val="tx1"/>
-                          </a:solidFill>
-                          <a:latin typeface="Times New Roman"/>
-                          <a:ea typeface="Times New Roman"/>
-                          <a:cs typeface="Times New Roman"/>
-                        </a:rPr>
-                        <a:t> %</a:t>
-                      </a:r>
-                      <a:endParaRPr>
-                        <a:solidFill>
-                          <a:schemeClr val="tx1"/>
-                        </a:solidFill>
-                      </a:endParaRPr>
-                    </a:p>
-                  </a:txBody>
-                  <a:tcPr marL="0" marR="0" marT="0" marB="0" anchor="ctr">
-                    <a:lnL algn="ctr">
-                      <a:noFill/>
-                    </a:lnL>
-                    <a:lnR algn="ctr">
-                      <a:noFill/>
-                    </a:lnR>
-                    <a:lnT algn="ctr">
-                      <a:noFill/>
-                    </a:lnT>
-                    <a:lnB algn="ctr">
-                      <a:noFill/>
-                    </a:lnB>
-                  </a:tcPr>
-                </a:tc>
-              </a:tr>
-              <a:tr h="177800">
-                <a:tc>
-                  <a:txBody>
-                    <a:bodyPr/>
-                    <a:p>
-                      <a:pPr algn="ctr">
-                        <a:defRPr/>
-                      </a:pPr>
-                      <a:r>
-                        <a:rPr sz="1200" b="0" i="0" u="none">
-                          <a:solidFill>
-                            <a:schemeClr val="bg1"/>
-                          </a:solidFill>
-                          <a:latin typeface="Times New Roman"/>
-                          <a:ea typeface="Times New Roman"/>
-                          <a:cs typeface="Times New Roman"/>
-                        </a:rPr>
-                        <a:t>0,5</a:t>
-                      </a:r>
-                      <a:r>
-                        <a:rPr lang="en-US" sz="1200" b="0" i="0" u="none" strike="noStrike" cap="none" spc="0">
-                          <a:solidFill>
-                            <a:schemeClr val="bg1"/>
-                          </a:solidFill>
-                          <a:latin typeface="Times New Roman"/>
-                          <a:ea typeface="Times New Roman"/>
-                          <a:cs typeface="Times New Roman"/>
-                        </a:rPr>
-                        <a:t> %</a:t>
-                      </a:r>
-                      <a:endParaRPr>
-                        <a:solidFill>
-                          <a:schemeClr val="bg1"/>
-                        </a:solidFill>
-                      </a:endParaRPr>
-                    </a:p>
-                  </a:txBody>
-                  <a:tcPr marL="0" marR="0" marT="0" marB="0" anchor="ctr">
-                    <a:lnL algn="ctr">
-                      <a:noFill/>
-                    </a:lnL>
-                    <a:lnR algn="ctr">
-                      <a:noFill/>
-                    </a:lnR>
-                    <a:lnT algn="ctr">
-                      <a:noFill/>
-                    </a:lnT>
-                    <a:lnB algn="ctr">
-                      <a:noFill/>
-                    </a:lnB>
-                  </a:tcPr>
-                </a:tc>
-                <a:tc>
-                  <a:txBody>
-                    <a:bodyPr/>
-                    <a:p>
-                      <a:pPr algn="ctr">
-                        <a:defRPr/>
-                      </a:pPr>
-                      <a:r>
-                        <a:rPr sz="1200" b="0" i="0" u="none">
-                          <a:solidFill>
-                            <a:schemeClr val="tx1"/>
-                          </a:solidFill>
-                          <a:latin typeface="Times New Roman"/>
-                          <a:ea typeface="Times New Roman"/>
-                          <a:cs typeface="Times New Roman"/>
-                        </a:rPr>
-                        <a:t>46,29</a:t>
-                      </a:r>
-                      <a:r>
-                        <a:rPr lang="en-US" sz="1200" b="0" i="0" u="none" strike="noStrike" cap="none" spc="0">
-                          <a:solidFill>
-                            <a:schemeClr val="tx1"/>
-                          </a:solidFill>
-                          <a:latin typeface="Times New Roman"/>
-                          <a:ea typeface="Times New Roman"/>
-                          <a:cs typeface="Times New Roman"/>
-                        </a:rPr>
-                        <a:t> %</a:t>
-                      </a:r>
-                      <a:r>
-                        <a:rPr lang="en-US" sz="1800" b="0" i="0" u="none" strike="noStrike" cap="none" spc="0">
-                          <a:solidFill>
-                            <a:schemeClr val="tx1"/>
-                          </a:solidFill>
-                          <a:latin typeface="Times New Roman"/>
-                          <a:ea typeface="Times New Roman"/>
-                          <a:cs typeface="Times New Roman"/>
-                        </a:rPr>
-                        <a:t> </a:t>
-                      </a:r>
-                      <a:endParaRPr>
-                        <a:solidFill>
-                          <a:schemeClr val="tx1"/>
-                        </a:solidFill>
-                      </a:endParaRPr>
-                    </a:p>
-                  </a:txBody>
-                  <a:tcPr marL="0" marR="0" marT="0" marB="0" anchor="ctr">
-                    <a:lnL algn="ctr">
-                      <a:noFill/>
-                    </a:lnL>
-                    <a:lnR algn="ctr">
-                      <a:noFill/>
-                    </a:lnR>
-                    <a:lnT algn="ctr">
-                      <a:noFill/>
-                    </a:lnT>
-                    <a:lnB algn="ctr">
-                      <a:noFill/>
-                    </a:lnB>
-                  </a:tcPr>
-                </a:tc>
-              </a:tr>
-              <a:tr h="184150">
-                <a:tc>
-                  <a:txBody>
-                    <a:bodyPr/>
-                    <a:p>
-                      <a:pPr algn="ctr">
-                        <a:defRPr/>
-                      </a:pPr>
-                      <a:r>
-                        <a:rPr sz="1200" b="0" i="0" u="none">
-                          <a:solidFill>
-                            <a:schemeClr val="bg1"/>
-                          </a:solidFill>
-                          <a:latin typeface="Times New Roman"/>
-                          <a:ea typeface="Times New Roman"/>
-                          <a:cs typeface="Times New Roman"/>
-                        </a:rPr>
-                        <a:t>0,4</a:t>
-                      </a:r>
-                      <a:r>
-                        <a:rPr lang="en-US" sz="1200" b="0" i="0" u="none" strike="noStrike" cap="none" spc="0">
-                          <a:solidFill>
-                            <a:schemeClr val="bg1"/>
-                          </a:solidFill>
-                          <a:latin typeface="Times New Roman"/>
-                          <a:ea typeface="Times New Roman"/>
-                          <a:cs typeface="Times New Roman"/>
-                        </a:rPr>
-                        <a:t> %</a:t>
-                      </a:r>
-                      <a:endParaRPr>
-                        <a:solidFill>
-                          <a:schemeClr val="bg1"/>
-                        </a:solidFill>
-                      </a:endParaRPr>
-                    </a:p>
-                  </a:txBody>
-                  <a:tcPr marL="0" marR="0" marT="0" marB="0" anchor="ctr">
-                    <a:lnL algn="ctr">
-                      <a:noFill/>
-                    </a:lnL>
-                    <a:lnR algn="ctr">
-                      <a:noFill/>
-                    </a:lnR>
-                    <a:lnT algn="ctr">
-                      <a:noFill/>
-                    </a:lnT>
-                    <a:lnB algn="ctr">
-                      <a:noFill/>
-                    </a:lnB>
-                  </a:tcPr>
-                </a:tc>
-                <a:tc>
-                  <a:txBody>
-                    <a:bodyPr/>
-                    <a:p>
-                      <a:pPr algn="ctr">
-                        <a:defRPr/>
-                      </a:pPr>
-                      <a:r>
-                        <a:rPr sz="1200" b="0" i="0" u="none">
-                          <a:solidFill>
-                            <a:schemeClr val="tx1"/>
-                          </a:solidFill>
-                          <a:latin typeface="Times New Roman"/>
-                          <a:ea typeface="Times New Roman"/>
-                          <a:cs typeface="Times New Roman"/>
-                        </a:rPr>
-                        <a:t>49,60</a:t>
-                      </a:r>
-                      <a:r>
-                        <a:rPr lang="en-US" sz="1200" b="0" i="0" u="none" strike="noStrike" cap="none" spc="0">
-                          <a:solidFill>
-                            <a:schemeClr val="tx1"/>
-                          </a:solidFill>
-                          <a:latin typeface="Times New Roman"/>
-                          <a:ea typeface="Times New Roman"/>
-                          <a:cs typeface="Times New Roman"/>
-                        </a:rPr>
-                        <a:t> %</a:t>
-                      </a:r>
-                      <a:endParaRPr>
-                        <a:solidFill>
-                          <a:schemeClr val="tx1"/>
-                        </a:solidFill>
-                      </a:endParaRPr>
-                    </a:p>
-                  </a:txBody>
-                  <a:tcPr marL="0" marR="0" marT="0" marB="0" anchor="ctr">
-                    <a:lnL algn="ctr">
-                      <a:noFill/>
-                    </a:lnL>
-                    <a:lnR algn="ctr">
-                      <a:noFill/>
-                    </a:lnR>
-                    <a:lnT algn="ctr">
-                      <a:noFill/>
-                    </a:lnT>
-                    <a:lnB algn="ctr">
-                      <a:noFill/>
-                    </a:lnB>
-                  </a:tcPr>
-                </a:tc>
-              </a:tr>
-              <a:tr h="184150">
-                <a:tc>
-                  <a:txBody>
-                    <a:bodyPr/>
-                    <a:p>
-                      <a:pPr algn="ctr">
-                        <a:defRPr/>
-                      </a:pPr>
-                      <a:r>
-                        <a:rPr sz="1200" b="0" i="0" u="none">
-                          <a:solidFill>
-                            <a:schemeClr val="bg1"/>
-                          </a:solidFill>
-                          <a:latin typeface="Times New Roman"/>
-                          <a:ea typeface="Times New Roman"/>
-                          <a:cs typeface="Times New Roman"/>
-                        </a:rPr>
-                        <a:t>0,3</a:t>
-                      </a:r>
-                      <a:r>
-                        <a:rPr lang="en-US" sz="1200" b="0" i="0" u="none" strike="noStrike" cap="none" spc="0">
-                          <a:solidFill>
-                            <a:schemeClr val="bg1"/>
-                          </a:solidFill>
-                          <a:latin typeface="Times New Roman"/>
-                          <a:ea typeface="Times New Roman"/>
-                          <a:cs typeface="Times New Roman"/>
-                        </a:rPr>
-                        <a:t> %</a:t>
-                      </a:r>
-                      <a:endParaRPr>
-                        <a:solidFill>
-                          <a:schemeClr val="bg1"/>
-                        </a:solidFill>
-                      </a:endParaRPr>
-                    </a:p>
-                  </a:txBody>
-                  <a:tcPr marL="0" marR="0" marT="0" marB="0" anchor="ctr">
-                    <a:lnL algn="ctr">
-                      <a:noFill/>
-                    </a:lnL>
-                    <a:lnR algn="ctr">
-                      <a:noFill/>
-                    </a:lnR>
-                    <a:lnT algn="ctr">
-                      <a:noFill/>
-                    </a:lnT>
-                    <a:lnB algn="ctr">
-                      <a:noFill/>
-                    </a:lnB>
-                  </a:tcPr>
-                </a:tc>
-                <a:tc>
-                  <a:txBody>
-                    <a:bodyPr/>
-                    <a:p>
-                      <a:pPr algn="ctr">
-                        <a:defRPr/>
-                      </a:pPr>
-                      <a:r>
-                        <a:rPr sz="1200" b="0" i="0" u="none">
-                          <a:solidFill>
-                            <a:schemeClr val="tx1"/>
-                          </a:solidFill>
-                          <a:latin typeface="Times New Roman"/>
-                          <a:ea typeface="Times New Roman"/>
-                          <a:cs typeface="Times New Roman"/>
-                        </a:rPr>
-                        <a:t>55,11</a:t>
-                      </a:r>
-                      <a:r>
-                        <a:rPr lang="en-US" sz="1200" b="0" i="0" u="none" strike="noStrike" cap="none" spc="0">
-                          <a:solidFill>
-                            <a:schemeClr val="tx1"/>
-                          </a:solidFill>
-                          <a:latin typeface="Times New Roman"/>
-                          <a:ea typeface="Times New Roman"/>
-                          <a:cs typeface="Times New Roman"/>
-                        </a:rPr>
-                        <a:t> %</a:t>
-                      </a:r>
-                      <a:endParaRPr>
-                        <a:solidFill>
-                          <a:schemeClr val="tx1"/>
-                        </a:solidFill>
-                      </a:endParaRPr>
-                    </a:p>
-                  </a:txBody>
-                  <a:tcPr marL="0" marR="0" marT="0" marB="0" anchor="ctr">
-                    <a:lnL algn="ctr">
-                      <a:noFill/>
-                    </a:lnL>
-                    <a:lnR algn="ctr">
-                      <a:noFill/>
-                    </a:lnR>
-                    <a:lnT algn="ctr">
-                      <a:noFill/>
-                    </a:lnT>
-                    <a:lnB algn="ctr">
-                      <a:noFill/>
-                    </a:lnB>
-                  </a:tcPr>
-                </a:tc>
-              </a:tr>
-              <a:tr h="184150">
-                <a:tc>
-                  <a:txBody>
-                    <a:bodyPr/>
-                    <a:p>
-                      <a:pPr algn="ctr">
-                        <a:defRPr/>
-                      </a:pPr>
-                      <a:r>
-                        <a:rPr sz="1200" b="0" i="0" u="none">
-                          <a:solidFill>
-                            <a:schemeClr val="bg1"/>
-                          </a:solidFill>
-                          <a:latin typeface="Times New Roman"/>
-                          <a:ea typeface="Times New Roman"/>
-                          <a:cs typeface="Times New Roman"/>
-                        </a:rPr>
-                        <a:t>0,2</a:t>
-                      </a:r>
-                      <a:r>
-                        <a:rPr lang="en-US" sz="1200" b="0" i="0" u="none" strike="noStrike" cap="none" spc="0">
-                          <a:solidFill>
-                            <a:schemeClr val="bg1"/>
-                          </a:solidFill>
-                          <a:latin typeface="Times New Roman"/>
-                          <a:ea typeface="Times New Roman"/>
-                          <a:cs typeface="Times New Roman"/>
-                        </a:rPr>
-                        <a:t> %</a:t>
-                      </a:r>
-                      <a:endParaRPr>
-                        <a:solidFill>
-                          <a:schemeClr val="bg1"/>
-                        </a:solidFill>
-                      </a:endParaRPr>
-                    </a:p>
-                  </a:txBody>
-                  <a:tcPr marL="0" marR="0" marT="0" marB="0" anchor="ctr">
-                    <a:lnL algn="ctr">
-                      <a:noFill/>
-                    </a:lnL>
-                    <a:lnR algn="ctr">
-                      <a:noFill/>
-                    </a:lnR>
-                    <a:lnT algn="ctr">
-                      <a:noFill/>
-                    </a:lnT>
-                    <a:lnB algn="ctr">
-                      <a:noFill/>
-                    </a:lnB>
-                  </a:tcPr>
-                </a:tc>
-                <a:tc>
-                  <a:txBody>
-                    <a:bodyPr/>
-                    <a:p>
-                      <a:pPr algn="ctr">
-                        <a:defRPr/>
-                      </a:pPr>
-                      <a:r>
-                        <a:rPr sz="1200" b="0" i="0" u="none">
-                          <a:solidFill>
-                            <a:schemeClr val="tx1"/>
-                          </a:solidFill>
-                          <a:latin typeface="Times New Roman"/>
-                          <a:ea typeface="Times New Roman"/>
-                          <a:cs typeface="Times New Roman"/>
-                        </a:rPr>
-                        <a:t>66,13</a:t>
-                      </a:r>
-                      <a:r>
-                        <a:rPr lang="en-US" sz="1200" b="0" i="0" u="none" strike="noStrike" cap="none" spc="0">
-                          <a:solidFill>
-                            <a:schemeClr val="tx1"/>
-                          </a:solidFill>
-                          <a:latin typeface="Times New Roman"/>
-                          <a:ea typeface="Times New Roman"/>
-                          <a:cs typeface="Times New Roman"/>
-                        </a:rPr>
-                        <a:t> %</a:t>
-                      </a:r>
-                      <a:endParaRPr>
-                        <a:solidFill>
-                          <a:schemeClr val="tx1"/>
-                        </a:solidFill>
-                      </a:endParaRPr>
-                    </a:p>
-                  </a:txBody>
-                  <a:tcPr marL="0" marR="0" marT="0" marB="0" anchor="ctr">
-                    <a:lnL algn="ctr">
-                      <a:noFill/>
-                    </a:lnL>
-                    <a:lnR algn="ctr">
-                      <a:noFill/>
-                    </a:lnR>
-                    <a:lnT algn="ctr">
-                      <a:noFill/>
-                    </a:lnT>
-                    <a:lnB algn="ctr">
-                      <a:noFill/>
-                    </a:lnB>
-                  </a:tcPr>
-                </a:tc>
-              </a:tr>
-              <a:tr h="184150">
-                <a:tc>
-                  <a:txBody>
-                    <a:bodyPr/>
-                    <a:p>
-                      <a:pPr algn="ctr">
-                        <a:defRPr/>
-                      </a:pPr>
-                      <a:r>
-                        <a:rPr sz="1200" b="0" i="0" u="none">
-                          <a:solidFill>
-                            <a:schemeClr val="bg1"/>
-                          </a:solidFill>
-                          <a:latin typeface="Times New Roman"/>
-                          <a:ea typeface="Times New Roman"/>
-                          <a:cs typeface="Times New Roman"/>
-                        </a:rPr>
-                        <a:t>0,15</a:t>
-                      </a:r>
-                      <a:r>
-                        <a:rPr lang="en-US" sz="1200" b="0" i="0" u="none" strike="noStrike" cap="none" spc="0">
-                          <a:solidFill>
-                            <a:schemeClr val="bg1"/>
-                          </a:solidFill>
-                          <a:latin typeface="Times New Roman"/>
-                          <a:ea typeface="Times New Roman"/>
-                          <a:cs typeface="Times New Roman"/>
-                        </a:rPr>
-                        <a:t> %</a:t>
-                      </a:r>
-                      <a:endParaRPr>
-                        <a:solidFill>
-                          <a:schemeClr val="bg1"/>
-                        </a:solidFill>
-                      </a:endParaRPr>
-                    </a:p>
-                  </a:txBody>
-                  <a:tcPr marL="0" marR="0" marT="0" marB="0" anchor="ctr">
-                    <a:lnL algn="ctr">
-                      <a:noFill/>
-                    </a:lnL>
-                    <a:lnR algn="ctr">
-                      <a:noFill/>
-                    </a:lnR>
-                    <a:lnT algn="ctr">
-                      <a:noFill/>
-                    </a:lnT>
-                    <a:lnB algn="ctr">
-                      <a:noFill/>
-                    </a:lnB>
-                  </a:tcPr>
-                </a:tc>
-                <a:tc>
-                  <a:txBody>
-                    <a:bodyPr/>
-                    <a:p>
-                      <a:pPr algn="ctr">
-                        <a:defRPr/>
-                      </a:pPr>
-                      <a:r>
-                        <a:rPr sz="1200" b="0" i="0" u="none">
-                          <a:solidFill>
-                            <a:schemeClr val="tx1"/>
-                          </a:solidFill>
-                          <a:latin typeface="Times New Roman"/>
-                          <a:ea typeface="Times New Roman"/>
-                          <a:cs typeface="Times New Roman"/>
-                        </a:rPr>
-                        <a:t>77,15</a:t>
-                      </a:r>
-                      <a:r>
-                        <a:rPr lang="en-US" sz="1200" b="0" i="0" u="none" strike="noStrike" cap="none" spc="0">
-                          <a:solidFill>
-                            <a:schemeClr val="tx1"/>
-                          </a:solidFill>
-                          <a:latin typeface="Times New Roman"/>
-                          <a:ea typeface="Times New Roman"/>
-                          <a:cs typeface="Times New Roman"/>
-                        </a:rPr>
-                        <a:t> %</a:t>
-                      </a:r>
-                      <a:endParaRPr>
-                        <a:solidFill>
-                          <a:schemeClr val="tx1"/>
-                        </a:solidFill>
-                      </a:endParaRPr>
-                    </a:p>
-                  </a:txBody>
-                  <a:tcPr marL="0" marR="0" marT="0" marB="0" anchor="ctr">
-                    <a:lnL algn="ctr">
-                      <a:noFill/>
-                    </a:lnL>
-                    <a:lnR algn="ctr">
-                      <a:noFill/>
-                    </a:lnR>
-                    <a:lnT algn="ctr">
-                      <a:noFill/>
-                    </a:lnT>
-                    <a:lnB algn="ctr">
-                      <a:noFill/>
-                    </a:lnB>
-                  </a:tcPr>
-                </a:tc>
-              </a:tr>
-              <a:tr h="184150">
-                <a:tc>
-                  <a:txBody>
-                    <a:bodyPr/>
-                    <a:p>
-                      <a:pPr algn="ctr">
-                        <a:defRPr/>
-                      </a:pPr>
-                      <a:r>
-                        <a:rPr sz="1200" b="0" i="0" u="none">
-                          <a:solidFill>
-                            <a:schemeClr val="bg1"/>
-                          </a:solidFill>
-                          <a:latin typeface="Times New Roman"/>
-                          <a:ea typeface="Times New Roman"/>
-                          <a:cs typeface="Times New Roman"/>
-                        </a:rPr>
-                        <a:t>0,1</a:t>
-                      </a:r>
-                      <a:r>
-                        <a:rPr lang="en-US" sz="1200" b="0" i="0" u="none" strike="noStrike" cap="none" spc="0">
-                          <a:solidFill>
-                            <a:schemeClr val="bg1"/>
-                          </a:solidFill>
-                          <a:latin typeface="Times New Roman"/>
-                          <a:ea typeface="Times New Roman"/>
-                          <a:cs typeface="Times New Roman"/>
-                        </a:rPr>
-                        <a:t> %</a:t>
-                      </a:r>
-                      <a:endParaRPr>
-                        <a:solidFill>
-                          <a:schemeClr val="bg1"/>
-                        </a:solidFill>
-                      </a:endParaRPr>
-                    </a:p>
-                  </a:txBody>
-                  <a:tcPr marL="0" marR="0" marT="0" marB="0" anchor="ctr">
-                    <a:lnL algn="ctr">
-                      <a:noFill/>
-                    </a:lnL>
-                    <a:lnR algn="ctr">
-                      <a:noFill/>
-                    </a:lnR>
-                    <a:lnT algn="ctr">
-                      <a:noFill/>
-                    </a:lnT>
-                    <a:lnB algn="ctr">
-                      <a:noFill/>
-                    </a:lnB>
-                  </a:tcPr>
-                </a:tc>
-                <a:tc>
-                  <a:txBody>
-                    <a:bodyPr/>
-                    <a:p>
-                      <a:pPr algn="ctr">
-                        <a:defRPr/>
-                      </a:pPr>
-                      <a:r>
-                        <a:rPr sz="1200" b="0" i="0" u="none">
-                          <a:solidFill>
-                            <a:schemeClr val="tx1"/>
-                          </a:solidFill>
-                          <a:latin typeface="Times New Roman"/>
-                          <a:ea typeface="Times New Roman"/>
-                          <a:cs typeface="Times New Roman"/>
-                        </a:rPr>
-                        <a:t>99,20</a:t>
-                      </a:r>
-                      <a:r>
-                        <a:rPr lang="en-US" sz="1200" b="0" i="0" u="none" strike="noStrike" cap="none" spc="0">
-                          <a:solidFill>
-                            <a:schemeClr val="tx1"/>
-                          </a:solidFill>
-                          <a:latin typeface="Times New Roman"/>
-                          <a:ea typeface="Times New Roman"/>
-                          <a:cs typeface="Times New Roman"/>
-                        </a:rPr>
-                        <a:t> %</a:t>
-                      </a:r>
-                      <a:endParaRPr>
-                        <a:solidFill>
-                          <a:schemeClr val="tx1"/>
-                        </a:solidFill>
-                      </a:endParaRPr>
-                    </a:p>
-                  </a:txBody>
-                  <a:tcPr marL="0" marR="0" marT="0" marB="0" anchor="ctr">
-                    <a:lnL algn="ctr">
-                      <a:noFill/>
-                    </a:lnL>
-                    <a:lnR algn="ctr">
-                      <a:noFill/>
-                    </a:lnR>
-                    <a:lnT algn="ctr">
-                      <a:noFill/>
-                    </a:lnT>
-                    <a:lnB algn="ctr">
-                      <a:noFill/>
-                    </a:lnB>
-                  </a:tcPr>
-                </a:tc>
-              </a:tr>
-              <a:tr h="184150">
-                <a:tc>
-                  <a:txBody>
-                    <a:bodyPr/>
-                    <a:p>
-                      <a:pPr algn="ctr">
-                        <a:defRPr/>
-                      </a:pPr>
-                      <a:r>
-                        <a:rPr sz="1200" b="0" i="0" u="none">
-                          <a:solidFill>
-                            <a:schemeClr val="bg1"/>
-                          </a:solidFill>
-                          <a:latin typeface="Times New Roman"/>
-                          <a:ea typeface="Times New Roman"/>
-                          <a:cs typeface="Times New Roman"/>
-                        </a:rPr>
-                        <a:t>0,02</a:t>
-                      </a:r>
-                      <a:r>
-                        <a:rPr lang="en-US" sz="1200" b="0" i="0" u="none" strike="noStrike" cap="none" spc="0">
-                          <a:solidFill>
-                            <a:schemeClr val="bg1"/>
-                          </a:solidFill>
-                          <a:latin typeface="Times New Roman"/>
-                          <a:ea typeface="Times New Roman"/>
-                          <a:cs typeface="Times New Roman"/>
-                        </a:rPr>
-                        <a:t> %</a:t>
-                      </a:r>
-                      <a:endParaRPr>
-                        <a:solidFill>
-                          <a:schemeClr val="bg1"/>
-                        </a:solidFill>
-                      </a:endParaRPr>
-                    </a:p>
-                  </a:txBody>
-                  <a:tcPr marL="0" marR="0" marT="0" marB="0" anchor="ctr">
-                    <a:lnL algn="ctr">
-                      <a:noFill/>
-                    </a:lnL>
-                    <a:lnR algn="ctr">
-                      <a:noFill/>
-                    </a:lnR>
-                    <a:lnT algn="ctr">
-                      <a:noFill/>
-                    </a:lnT>
-                    <a:lnB algn="ctr">
-                      <a:noFill/>
-                    </a:lnB>
-                  </a:tcPr>
-                </a:tc>
-                <a:tc>
-                  <a:txBody>
-                    <a:bodyPr/>
-                    <a:p>
-                      <a:pPr algn="ctr">
-                        <a:defRPr/>
-                      </a:pPr>
-                      <a:r>
-                        <a:rPr sz="1200" b="0" i="0" u="none">
-                          <a:solidFill>
-                            <a:schemeClr val="tx1"/>
-                          </a:solidFill>
-                          <a:latin typeface="Times New Roman"/>
-                          <a:ea typeface="Times New Roman"/>
-                          <a:cs typeface="Times New Roman"/>
-                        </a:rPr>
-                        <a:t>363,73</a:t>
-                      </a:r>
-                      <a:r>
-                        <a:rPr lang="en-US" sz="1200" b="0" i="0" u="none" strike="noStrike" cap="none" spc="0">
-                          <a:solidFill>
-                            <a:schemeClr val="tx1"/>
-                          </a:solidFill>
-                          <a:latin typeface="Times New Roman"/>
-                          <a:ea typeface="Times New Roman"/>
-                          <a:cs typeface="Times New Roman"/>
-                        </a:rPr>
-                        <a:t> %</a:t>
-                      </a:r>
-                      <a:endParaRPr>
-                        <a:solidFill>
-                          <a:schemeClr val="tx1"/>
-                        </a:solidFill>
-                      </a:endParaRPr>
-                    </a:p>
-                  </a:txBody>
-                  <a:tcPr marL="0" marR="0" marT="0" marB="0" anchor="ctr">
-                    <a:lnL algn="ctr">
-                      <a:noFill/>
-                    </a:lnL>
-                    <a:lnR algn="ctr">
-                      <a:noFill/>
-                    </a:lnR>
-                    <a:lnT algn="ctr">
-                      <a:noFill/>
-                    </a:lnT>
-                    <a:lnB algn="ctr">
-                      <a:noFill/>
-                    </a:lnB>
-                  </a:tcPr>
-                </a:tc>
-              </a:tr>
-            </a:tbl>
-          </a:graphicData>
-        </a:graphic>
-      </p:graphicFrame>
     </p:spTree>
   </p:cSld>
   <p:clrMapOvr>
@@ -7161,7 +8998,7 @@
       </p:grpSpPr>
       <p:sp>
         <p:nvSpPr>
-          <p:cNvPr id="79908680" name="Text 0"/>
+          <p:cNvPr id="358577970" name="Text 0"/>
           <p:cNvSpPr/>
           <p:nvPr/>
         </p:nvSpPr>
@@ -7196,11 +9033,7 @@
                 <a:ea typeface="Arial"/>
                 <a:cs typeface="Arial"/>
               </a:rPr>
-              <a:t>Attenzione ai gridbot (Esempio Pratico 1)</a:t>
-            </a:r>
-            <a:r>
-              <a:rPr lang="en-US" sz="2700"/>
-              <a:t>  </a:t>
+              <a:t>Attenzione ai gridbot</a:t>
             </a:r>
             <a:endParaRPr lang="en-US" sz="2700"/>
           </a:p>
@@ -7208,7 +9041,7 @@
       </p:sp>
       <p:sp>
         <p:nvSpPr>
-          <p:cNvPr id="1647526247" name="Text 1"/>
+          <p:cNvPr id="398597559" name="Text 1"/>
           <p:cNvSpPr/>
           <p:nvPr/>
         </p:nvSpPr>
@@ -7244,370 +9077,8 @@
                 <a:ea typeface="Arial"/>
                 <a:cs typeface="Arial"/>
               </a:rPr>
-              <a:t>Esempio su Binance (1 operazione completa su griglia, guadagno lordo 0,7% che equivale ad un guadagno netto griglia di circa 0,5%)</a:t>
-            </a:r>
-            <a:endParaRPr lang="en-US" sz="1350" b="0" i="0" u="none" strike="noStrike" cap="none" spc="0">
-              <a:solidFill>
-                <a:srgbClr val="CBD5E1"/>
-              </a:solidFill>
-              <a:latin typeface="Times New Roman"/>
-              <a:cs typeface="Times New Roman"/>
-            </a:endParaRPr>
-          </a:p>
-          <a:p>
-            <a:pPr>
-              <a:lnSpc>
-                <a:spcPts val="2429"/>
-              </a:lnSpc>
-              <a:defRPr/>
-            </a:pPr>
-            <a:r>
-              <a:rPr lang="en-US" sz="1350" b="0" i="0" u="none" strike="noStrike" cap="none" spc="0">
-                <a:solidFill>
-                  <a:srgbClr val="CBD5E1"/>
-                </a:solidFill>
-                <a:latin typeface="Arial"/>
-                <a:ea typeface="Arial"/>
-                <a:cs typeface="Arial"/>
-              </a:rPr>
-              <a:t>Compro 100 Euro di BTC quando stanno a 100.000</a:t>
-            </a:r>
-            <a:endParaRPr lang="en-US" sz="1350" b="0" i="0" u="none" strike="noStrike" cap="none" spc="0">
-              <a:solidFill>
-                <a:srgbClr val="CBD5E1"/>
-              </a:solidFill>
-              <a:latin typeface="Times New Roman"/>
-              <a:cs typeface="Times New Roman"/>
-            </a:endParaRPr>
-          </a:p>
-          <a:p>
-            <a:pPr>
-              <a:lnSpc>
-                <a:spcPts val="2429"/>
-              </a:lnSpc>
-              <a:defRPr/>
-            </a:pPr>
-            <a:r>
-              <a:rPr lang="en-US" sz="1350" b="0" i="0" u="none" strike="noStrike" cap="none" spc="0">
-                <a:solidFill>
-                  <a:srgbClr val="CBD5E1"/>
-                </a:solidFill>
-                <a:latin typeface="Arial"/>
-                <a:ea typeface="Arial"/>
-                <a:cs typeface="Arial"/>
-              </a:rPr>
-              <a:t>Con le fee me ne arrivano 0,00999 caricati con costo di carico 99,9 (fee non deducibili)</a:t>
-            </a:r>
-            <a:endParaRPr lang="en-US" sz="1350" b="0" i="0" u="none" strike="noStrike" cap="none" spc="0">
-              <a:solidFill>
-                <a:srgbClr val="CBD5E1"/>
-              </a:solidFill>
-              <a:latin typeface="Times New Roman"/>
-              <a:cs typeface="Times New Roman"/>
-            </a:endParaRPr>
-          </a:p>
-          <a:p>
-            <a:pPr>
-              <a:lnSpc>
-                <a:spcPts val="2429"/>
-              </a:lnSpc>
-              <a:defRPr/>
-            </a:pPr>
-            <a:r>
-              <a:rPr lang="en-US" sz="1350" b="0" i="0" u="none" strike="noStrike" cap="none" spc="0">
-                <a:solidFill>
-                  <a:srgbClr val="CBD5E1"/>
-                </a:solidFill>
-                <a:latin typeface="Arial"/>
-                <a:ea typeface="Arial"/>
-                <a:cs typeface="Arial"/>
-              </a:rPr>
-              <a:t>Vendo BTC quando sta a 100.700 (+0,7%)</a:t>
-            </a:r>
-            <a:r>
-              <a:rPr lang="en-US" sz="1350" b="0" i="0" u="none" strike="noStrike" cap="none" spc="0">
-                <a:solidFill>
-                  <a:srgbClr val="CBD5E1"/>
-                </a:solidFill>
-                <a:latin typeface="Arial"/>
-                <a:ea typeface="Arial"/>
-                <a:cs typeface="Arial"/>
-              </a:rPr>
-              <a:t> valore transazione lordo €100.60 </a:t>
-            </a:r>
-            <a:endParaRPr lang="en-US" sz="1350" b="0" i="0" u="none" strike="noStrike" cap="none" spc="0">
-              <a:solidFill>
-                <a:srgbClr val="CBD5E1"/>
-              </a:solidFill>
-              <a:latin typeface="Times New Roman"/>
-              <a:cs typeface="Times New Roman"/>
-            </a:endParaRPr>
-          </a:p>
-          <a:p>
-            <a:pPr>
-              <a:lnSpc>
-                <a:spcPts val="2429"/>
-              </a:lnSpc>
-              <a:defRPr/>
-            </a:pPr>
-            <a:r>
-              <a:rPr lang="en-US" sz="1350" b="0" i="0" u="none" strike="noStrike" cap="none" spc="0">
-                <a:solidFill>
-                  <a:srgbClr val="CBD5E1"/>
-                </a:solidFill>
-                <a:latin typeface="Arial"/>
-                <a:ea typeface="Arial"/>
-                <a:cs typeface="Arial"/>
-              </a:rPr>
-              <a:t>Pluvalenza = €0,70</a:t>
-            </a:r>
-            <a:r>
-              <a:rPr lang="en-US" sz="1350" b="0" i="0" u="none" strike="noStrike" cap="none" spc="0">
-                <a:solidFill>
-                  <a:srgbClr val="CBD5E1"/>
-                </a:solidFill>
-                <a:latin typeface="Times New Roman"/>
-                <a:cs typeface="Times New Roman"/>
-              </a:rPr>
-              <a:t> (100,60-99,9)</a:t>
-            </a:r>
-            <a:endParaRPr lang="en-US" sz="1350" b="0" i="0" u="none" strike="noStrike" cap="none" spc="0">
-              <a:solidFill>
-                <a:srgbClr val="CBD5E1"/>
-              </a:solidFill>
-              <a:latin typeface="Times New Roman"/>
-              <a:cs typeface="Times New Roman"/>
-            </a:endParaRPr>
-          </a:p>
-          <a:p>
-            <a:pPr>
-              <a:lnSpc>
-                <a:spcPts val="2429"/>
-              </a:lnSpc>
-              <a:defRPr/>
-            </a:pPr>
-            <a:r>
-              <a:rPr lang="en-US" sz="1350" b="0" i="0" u="none" strike="noStrike" cap="none" spc="0">
-                <a:solidFill>
-                  <a:srgbClr val="CBD5E1"/>
-                </a:solidFill>
-                <a:latin typeface="Arial"/>
-                <a:ea typeface="Arial"/>
-                <a:cs typeface="Arial"/>
-              </a:rPr>
-              <a:t>Tasse da pagare = €0,70 * 33% = €0.23</a:t>
-            </a:r>
-            <a:endParaRPr lang="en-US" sz="1350" b="0" i="0" u="none" strike="noStrike" cap="none" spc="0">
-              <a:solidFill>
-                <a:srgbClr val="CBD5E1"/>
-              </a:solidFill>
-              <a:latin typeface="Times New Roman"/>
-              <a:cs typeface="Times New Roman"/>
-            </a:endParaRPr>
-          </a:p>
-          <a:p>
-            <a:pPr>
-              <a:lnSpc>
-                <a:spcPts val="2429"/>
-              </a:lnSpc>
-              <a:defRPr/>
-            </a:pPr>
-            <a:r>
-              <a:rPr lang="en-US" sz="1350" b="1" i="0" u="none" strike="noStrike" cap="none" spc="0">
-                <a:solidFill>
-                  <a:srgbClr val="CBD5E1"/>
-                </a:solidFill>
-                <a:latin typeface="Arial"/>
-                <a:ea typeface="Arial"/>
-                <a:cs typeface="Arial"/>
-              </a:rPr>
-              <a:t>Fee = </a:t>
-            </a:r>
-            <a:r>
-              <a:rPr lang="en-US" sz="1350" b="0" i="0" u="none" strike="noStrike" cap="none" spc="0">
-                <a:solidFill>
-                  <a:srgbClr val="CBD5E1"/>
-                </a:solidFill>
-                <a:latin typeface="Arial"/>
-                <a:ea typeface="Arial"/>
-                <a:cs typeface="Arial"/>
-              </a:rPr>
-              <a:t>100,60*0,1%</a:t>
-            </a:r>
-            <a:r>
-              <a:rPr lang="en-US" sz="1350" b="1" i="0" u="none" strike="noStrike" cap="none" spc="0">
-                <a:solidFill>
-                  <a:srgbClr val="CBD5E1"/>
-                </a:solidFill>
-                <a:latin typeface="Arial"/>
-                <a:ea typeface="Arial"/>
-                <a:cs typeface="Arial"/>
-              </a:rPr>
-              <a:t> = €0,1</a:t>
-            </a:r>
-            <a:endParaRPr sz="1350" b="0" i="0" u="none" strike="noStrike" cap="none" spc="0">
-              <a:solidFill>
-                <a:srgbClr val="CBD5E1"/>
-              </a:solidFill>
-              <a:latin typeface="Times New Roman"/>
-              <a:cs typeface="Times New Roman"/>
-            </a:endParaRPr>
-          </a:p>
-          <a:p>
-            <a:pPr>
-              <a:lnSpc>
-                <a:spcPts val="2429"/>
-              </a:lnSpc>
-              <a:defRPr/>
-            </a:pPr>
-            <a:r>
-              <a:rPr lang="en-US" sz="1350" b="1" i="0" u="none" strike="noStrike" cap="none" spc="0">
-                <a:solidFill>
-                  <a:srgbClr val="CBD5E1"/>
-                </a:solidFill>
-                <a:latin typeface="Arial"/>
-                <a:ea typeface="Arial"/>
-                <a:cs typeface="Arial"/>
-              </a:rPr>
-              <a:t>Rimanenze = 100.50</a:t>
-            </a:r>
-            <a:r>
-              <a:rPr lang="en-US" sz="1350" b="1" i="0" u="none" strike="noStrike" cap="none" spc="0">
-                <a:solidFill>
-                  <a:srgbClr val="CBD5E1"/>
-                </a:solidFill>
-                <a:latin typeface="Arial"/>
-                <a:ea typeface="Arial"/>
-                <a:cs typeface="Arial"/>
-              </a:rPr>
-              <a:t> EUR</a:t>
-            </a:r>
-            <a:r>
-              <a:rPr lang="en-US" sz="1350" b="0" i="0" u="none" strike="noStrike" cap="none" spc="0">
-                <a:solidFill>
-                  <a:srgbClr val="CBD5E1"/>
-                </a:solidFill>
-                <a:latin typeface="Arial"/>
-                <a:ea typeface="Arial"/>
-                <a:cs typeface="Arial"/>
-              </a:rPr>
-              <a:t> (100,60-0,1)</a:t>
-            </a:r>
-            <a:endParaRPr lang="en-US" sz="1350" b="0" i="0" u="none" strike="noStrike" cap="none" spc="0">
-              <a:solidFill>
-                <a:srgbClr val="CBD5E1"/>
-              </a:solidFill>
-              <a:latin typeface="Times New Roman"/>
-              <a:cs typeface="Times New Roman"/>
-            </a:endParaRPr>
-          </a:p>
-          <a:p>
-            <a:pPr>
-              <a:lnSpc>
-                <a:spcPts val="2429"/>
-              </a:lnSpc>
-              <a:defRPr/>
-            </a:pPr>
-            <a:r>
-              <a:rPr lang="en-US" sz="1350" b="1" i="0" u="none" strike="noStrike" cap="none" spc="0">
-                <a:solidFill>
-                  <a:srgbClr val="CBD5E1"/>
-                </a:solidFill>
-                <a:latin typeface="Arial"/>
-                <a:ea typeface="Arial"/>
-                <a:cs typeface="Arial"/>
-              </a:rPr>
-              <a:t>Guadagno effettivo : </a:t>
-            </a:r>
-            <a:r>
-              <a:rPr lang="en-US" sz="1350" b="0" i="0" u="none" strike="noStrike" cap="none" spc="0">
-                <a:solidFill>
-                  <a:srgbClr val="CBD5E1"/>
-                </a:solidFill>
-                <a:latin typeface="Arial"/>
-                <a:ea typeface="Arial"/>
-                <a:cs typeface="Arial"/>
-              </a:rPr>
-              <a:t>€100.50 (Rimanenze) - €100 (Investimento iniziale) = </a:t>
-            </a:r>
-            <a:r>
-              <a:rPr lang="en-US" sz="1350" b="1" i="0" u="none" strike="noStrike" cap="none" spc="0">
-                <a:solidFill>
-                  <a:srgbClr val="CBD5E1"/>
-                </a:solidFill>
-                <a:latin typeface="Arial"/>
-                <a:ea typeface="Arial"/>
-                <a:cs typeface="Arial"/>
-              </a:rPr>
-              <a:t>0,50€</a:t>
-            </a:r>
-            <a:endParaRPr lang="en-US" sz="1350" b="0" i="0" u="none" strike="noStrike" cap="none" spc="0">
-              <a:solidFill>
-                <a:srgbClr val="CBD5E1"/>
-              </a:solidFill>
-              <a:latin typeface="Times New Roman"/>
-              <a:cs typeface="Times New Roman"/>
-            </a:endParaRPr>
-          </a:p>
-          <a:p>
-            <a:pPr>
-              <a:lnSpc>
-                <a:spcPts val="2429"/>
-              </a:lnSpc>
-              <a:defRPr/>
-            </a:pPr>
-            <a:r>
-              <a:rPr lang="en-US" sz="1350" b="0" i="0" u="none" strike="noStrike" cap="none" spc="0">
-                <a:solidFill>
-                  <a:srgbClr val="CBD5E1"/>
-                </a:solidFill>
-                <a:latin typeface="Arial"/>
-                <a:ea typeface="Arial"/>
-                <a:cs typeface="Arial"/>
-              </a:rPr>
-              <a:t>Incidenza delle tasse sul guadagno effettivo -&gt; 0.23/0.50*100 = 46%</a:t>
-            </a:r>
-            <a:endParaRPr lang="en-US" sz="1350" b="0" i="0" u="none" strike="noStrike" cap="none" spc="0">
-              <a:solidFill>
-                <a:srgbClr val="CBD5E1"/>
-              </a:solidFill>
-              <a:latin typeface="Times New Roman"/>
-              <a:cs typeface="Times New Roman"/>
-            </a:endParaRPr>
-          </a:p>
-          <a:p>
-            <a:pPr>
-              <a:lnSpc>
-                <a:spcPts val="2429"/>
-              </a:lnSpc>
-              <a:defRPr/>
-            </a:pPr>
-            <a:r>
-              <a:rPr lang="en-US" sz="1350" b="0" i="0" u="none" strike="noStrike" cap="none" spc="0">
-                <a:solidFill>
-                  <a:srgbClr val="CBD5E1"/>
-                </a:solidFill>
-                <a:latin typeface="Arial"/>
-                <a:ea typeface="Arial"/>
-                <a:cs typeface="Arial"/>
-              </a:rPr>
-              <a:t>Guadagno rimanente dopo tassazione -&gt; €0.27</a:t>
-            </a:r>
-            <a:endParaRPr lang="en-US" sz="1350" b="0" i="0" u="none" strike="noStrike" cap="none" spc="0">
-              <a:solidFill>
-                <a:srgbClr val="CBD5E1"/>
-              </a:solidFill>
-              <a:latin typeface="Times New Roman"/>
-              <a:cs typeface="Times New Roman"/>
-            </a:endParaRPr>
-          </a:p>
-          <a:p>
-            <a:pPr>
-              <a:lnSpc>
-                <a:spcPts val="2429"/>
-              </a:lnSpc>
-              <a:defRPr/>
-            </a:pPr>
+              <a:t>Questa è una formula che ho ricavato per trovare l’incisione reale della tassazione sul provento netto :</a:t>
+            </a:r>
             <a:endParaRPr lang="en-US" sz="1350">
               <a:solidFill>
                 <a:srgbClr val="CBD5E1"/>
@@ -7618,10 +9089,12 @@
             </a:endParaRPr>
           </a:p>
           <a:p>
-            <a:pPr>
-              <a:lnSpc>
-                <a:spcPts val="2429"/>
-              </a:lnSpc>
+            <a:pPr marL="342900" indent="-342900">
+              <a:lnSpc>
+                <a:spcPts val="2429"/>
+              </a:lnSpc>
+              <a:buSzPct val="100000"/>
+              <a:buChar char="•"/>
               <a:defRPr/>
             </a:pPr>
             <a:endParaRPr lang="en-US" sz="1350">
@@ -7640,9 +9113,20 @@
               </a:lnSpc>
               <a:defRPr/>
             </a:pPr>
-            <a:endParaRPr sz="1350">
-              <a:solidFill>
-                <a:schemeClr val="bg1"/>
+            <a:r>
+              <a:rPr lang="en-US" sz="1350">
+                <a:solidFill>
+                  <a:srgbClr val="CBD5E1"/>
+                </a:solidFill>
+                <a:latin typeface="Arial"/>
+                <a:ea typeface="Arial"/>
+                <a:cs typeface="Arial"/>
+              </a:rPr>
+              <a:t>T=Tassazione Attuale (indicare 0,33 per il 33%)</a:t>
+            </a:r>
+            <a:endParaRPr lang="en-US" sz="1350">
+              <a:solidFill>
+                <a:srgbClr val="CBD5E1"/>
               </a:solidFill>
               <a:latin typeface="Arial"/>
               <a:ea typeface="Arial"/>
@@ -7650,6 +9134,103 @@
             </a:endParaRPr>
           </a:p>
           <a:p>
+            <a:pPr>
+              <a:lnSpc>
+                <a:spcPts val="2429"/>
+              </a:lnSpc>
+              <a:defRPr/>
+            </a:pPr>
+            <a:r>
+              <a:rPr lang="en-US" sz="1350">
+                <a:solidFill>
+                  <a:srgbClr val="CBD5E1"/>
+                </a:solidFill>
+                <a:latin typeface="Arial"/>
+                <a:ea typeface="Arial"/>
+                <a:cs typeface="Arial"/>
+              </a:rPr>
+              <a:t>GN=Guadagno netto griglia (indicare 0,005 per</a:t>
+            </a:r>
+            <a:r>
+              <a:rPr lang="en-US" sz="1350">
+                <a:solidFill>
+                  <a:srgbClr val="CBD5E1"/>
+                </a:solidFill>
+                <a:latin typeface="Arial"/>
+                <a:ea typeface="Arial"/>
+                <a:cs typeface="Arial"/>
+              </a:rPr>
+              <a:t> lo 0,5%)</a:t>
+            </a:r>
+            <a:endParaRPr lang="en-US" sz="1350">
+              <a:solidFill>
+                <a:srgbClr val="CBD5E1"/>
+              </a:solidFill>
+              <a:latin typeface="Arial"/>
+              <a:ea typeface="Arial"/>
+              <a:cs typeface="Arial"/>
+            </a:endParaRPr>
+          </a:p>
+          <a:p>
+            <a:pPr>
+              <a:lnSpc>
+                <a:spcPts val="2429"/>
+              </a:lnSpc>
+              <a:defRPr/>
+            </a:pPr>
+            <a:r>
+              <a:rPr lang="en-US" sz="1350">
+                <a:solidFill>
+                  <a:srgbClr val="CBD5E1"/>
+                </a:solidFill>
+                <a:latin typeface="Arial"/>
+                <a:ea typeface="Arial"/>
+                <a:cs typeface="Arial"/>
+              </a:rPr>
+              <a:t>Fee=Fee dell’exchange (indicare 0,001 per lo 0,1%)</a:t>
+            </a:r>
+            <a:endParaRPr lang="en-US" sz="1350">
+              <a:solidFill>
+                <a:srgbClr val="CBD5E1"/>
+              </a:solidFill>
+              <a:latin typeface="Arial"/>
+              <a:ea typeface="Arial"/>
+              <a:cs typeface="Arial"/>
+            </a:endParaRPr>
+          </a:p>
+          <a:p>
+            <a:pPr>
+              <a:lnSpc>
+                <a:spcPts val="2429"/>
+              </a:lnSpc>
+              <a:defRPr/>
+            </a:pPr>
+            <a:endParaRPr lang="en-US" sz="1350">
+              <a:solidFill>
+                <a:srgbClr val="CBD5E1"/>
+              </a:solidFill>
+              <a:latin typeface="Arial"/>
+              <a:ea typeface="Arial"/>
+              <a:cs typeface="Arial"/>
+            </a:endParaRPr>
+          </a:p>
+          <a:p>
+            <a:pPr>
+              <a:lnSpc>
+                <a:spcPts val="2429"/>
+              </a:lnSpc>
+              <a:defRPr/>
+            </a:pPr>
+            <a:endParaRPr sz="1350">
+              <a:solidFill>
+                <a:schemeClr val="bg1"/>
+              </a:solidFill>
+              <a:latin typeface="Arial"/>
+              <a:ea typeface="Arial"/>
+              <a:cs typeface="Arial"/>
+            </a:endParaRPr>
+          </a:p>
+          <a:p>
             <a:pPr marL="342900" indent="-342900">
               <a:lnSpc>
                 <a:spcPts val="2429"/>
@@ -7662,6 +9243,28 @@
           </a:p>
         </p:txBody>
       </p:sp>
+      <p:pic>
+        <p:nvPicPr>
+          <p:cNvPr id="649192637" name=""/>
+          <p:cNvPicPr>
+            <a:picLocks noChangeAspect="1"/>
+          </p:cNvPicPr>
+          <p:nvPr/>
+        </p:nvPicPr>
+        <p:blipFill rotWithShape="1">
+          <a:blip r:embed="rId3"/>
+          <a:stretch/>
+        </p:blipFill>
+        <p:spPr bwMode="auto">
+          <a:xfrm>
+            <a:off x="1199444" y="3355330"/>
+            <a:ext cx="5981699" cy="1104899"/>
+          </a:xfrm>
+          <a:prstGeom prst="rect">
+            <a:avLst/>
+          </a:prstGeom>
+        </p:spPr>
+      </p:pic>
     </p:spTree>
   </p:cSld>
   <p:clrMapOvr>
